--- a/img/evidenzbasierte_informierte_Praxis.pptx
+++ b/img/evidenzbasierte_informierte_Praxis.pptx
@@ -8,19 +8,15 @@
     <p:sldId id="257" r:id="rId2"/>
     <p:sldId id="261" r:id="rId3"/>
     <p:sldId id="262" r:id="rId4"/>
-    <p:sldId id="264" r:id="rId5"/>
+    <p:sldId id="271" r:id="rId5"/>
     <p:sldId id="267" r:id="rId6"/>
     <p:sldId id="268" r:id="rId7"/>
     <p:sldId id="272" r:id="rId8"/>
     <p:sldId id="269" r:id="rId9"/>
     <p:sldId id="270" r:id="rId10"/>
-    <p:sldId id="271" r:id="rId11"/>
-    <p:sldId id="263" r:id="rId12"/>
-    <p:sldId id="265" r:id="rId13"/>
-    <p:sldId id="266" r:id="rId14"/>
-    <p:sldId id="258" r:id="rId15"/>
-    <p:sldId id="260" r:id="rId16"/>
-    <p:sldId id="259" r:id="rId17"/>
+    <p:sldId id="263" r:id="rId11"/>
+    <p:sldId id="265" r:id="rId12"/>
+    <p:sldId id="266" r:id="rId13"/>
   </p:sldIdLst>
   <p:sldSz cx="14712950" cy="6858000"/>
   <p:notesSz cx="6858000" cy="9144000"/>
@@ -258,7 +254,7 @@
           <a:p>
             <a:fld id="{484AE305-3F8E-3D43-924D-8B925C956E16}" type="datetimeFigureOut">
               <a:rPr lang="de-DE" smtClean="0"/>
-              <a:t>03.07.24</a:t>
+              <a:t>18.07.24</a:t>
             </a:fld>
             <a:endParaRPr lang="de-DE"/>
           </a:p>
@@ -428,7 +424,7 @@
           <a:p>
             <a:fld id="{484AE305-3F8E-3D43-924D-8B925C956E16}" type="datetimeFigureOut">
               <a:rPr lang="de-DE" smtClean="0"/>
-              <a:t>03.07.24</a:t>
+              <a:t>18.07.24</a:t>
             </a:fld>
             <a:endParaRPr lang="de-DE"/>
           </a:p>
@@ -608,7 +604,7 @@
           <a:p>
             <a:fld id="{484AE305-3F8E-3D43-924D-8B925C956E16}" type="datetimeFigureOut">
               <a:rPr lang="de-DE" smtClean="0"/>
-              <a:t>03.07.24</a:t>
+              <a:t>18.07.24</a:t>
             </a:fld>
             <a:endParaRPr lang="de-DE"/>
           </a:p>
@@ -778,7 +774,7 @@
           <a:p>
             <a:fld id="{484AE305-3F8E-3D43-924D-8B925C956E16}" type="datetimeFigureOut">
               <a:rPr lang="de-DE" smtClean="0"/>
-              <a:t>03.07.24</a:t>
+              <a:t>18.07.24</a:t>
             </a:fld>
             <a:endParaRPr lang="de-DE"/>
           </a:p>
@@ -1024,7 +1020,7 @@
           <a:p>
             <a:fld id="{484AE305-3F8E-3D43-924D-8B925C956E16}" type="datetimeFigureOut">
               <a:rPr lang="de-DE" smtClean="0"/>
-              <a:t>03.07.24</a:t>
+              <a:t>18.07.24</a:t>
             </a:fld>
             <a:endParaRPr lang="de-DE"/>
           </a:p>
@@ -1256,7 +1252,7 @@
           <a:p>
             <a:fld id="{484AE305-3F8E-3D43-924D-8B925C956E16}" type="datetimeFigureOut">
               <a:rPr lang="de-DE" smtClean="0"/>
-              <a:t>03.07.24</a:t>
+              <a:t>18.07.24</a:t>
             </a:fld>
             <a:endParaRPr lang="de-DE"/>
           </a:p>
@@ -1623,7 +1619,7 @@
           <a:p>
             <a:fld id="{484AE305-3F8E-3D43-924D-8B925C956E16}" type="datetimeFigureOut">
               <a:rPr lang="de-DE" smtClean="0"/>
-              <a:t>03.07.24</a:t>
+              <a:t>18.07.24</a:t>
             </a:fld>
             <a:endParaRPr lang="de-DE"/>
           </a:p>
@@ -1741,7 +1737,7 @@
           <a:p>
             <a:fld id="{484AE305-3F8E-3D43-924D-8B925C956E16}" type="datetimeFigureOut">
               <a:rPr lang="de-DE" smtClean="0"/>
-              <a:t>03.07.24</a:t>
+              <a:t>18.07.24</a:t>
             </a:fld>
             <a:endParaRPr lang="de-DE"/>
           </a:p>
@@ -1836,7 +1832,7 @@
           <a:p>
             <a:fld id="{484AE305-3F8E-3D43-924D-8B925C956E16}" type="datetimeFigureOut">
               <a:rPr lang="de-DE" smtClean="0"/>
-              <a:t>03.07.24</a:t>
+              <a:t>18.07.24</a:t>
             </a:fld>
             <a:endParaRPr lang="de-DE"/>
           </a:p>
@@ -2113,7 +2109,7 @@
           <a:p>
             <a:fld id="{484AE305-3F8E-3D43-924D-8B925C956E16}" type="datetimeFigureOut">
               <a:rPr lang="de-DE" smtClean="0"/>
-              <a:t>03.07.24</a:t>
+              <a:t>18.07.24</a:t>
             </a:fld>
             <a:endParaRPr lang="de-DE"/>
           </a:p>
@@ -2370,7 +2366,7 @@
           <a:p>
             <a:fld id="{484AE305-3F8E-3D43-924D-8B925C956E16}" type="datetimeFigureOut">
               <a:rPr lang="de-DE" smtClean="0"/>
-              <a:t>03.07.24</a:t>
+              <a:t>18.07.24</a:t>
             </a:fld>
             <a:endParaRPr lang="de-DE"/>
           </a:p>
@@ -2586,7 +2582,7 @@
           <a:p>
             <a:fld id="{484AE305-3F8E-3D43-924D-8B925C956E16}" type="datetimeFigureOut">
               <a:rPr lang="de-DE" smtClean="0"/>
-              <a:t>03.07.24</a:t>
+              <a:t>18.07.24</a:t>
             </a:fld>
             <a:endParaRPr lang="de-DE"/>
           </a:p>
@@ -4025,7 +4021,7 @@
           <a:noFill/>
           <a:ln>
             <a:solidFill>
-              <a:srgbClr val="267326"/>
+              <a:schemeClr val="tx1"/>
             </a:solidFill>
           </a:ln>
           <a:effectLst/>
@@ -4052,7 +4048,7 @@
             <a:r>
               <a:rPr lang="de-DE" sz="1400" dirty="0">
                 <a:solidFill>
-                  <a:srgbClr val="267326"/>
+                  <a:schemeClr val="tx1"/>
                 </a:solidFill>
                 <a:latin typeface="Arial" panose="020B0604020202020204" pitchFamily="34" charset="0"/>
                 <a:cs typeface="Arial" panose="020B0604020202020204" pitchFamily="34" charset="0"/>
@@ -4064,155 +4060,10 @@
       </p:sp>
       <p:sp>
         <p:nvSpPr>
-          <p:cNvPr id="11" name="Textfeld 10">
-            <a:extLst>
-              <a:ext uri="{FF2B5EF4-FFF2-40B4-BE49-F238E27FC236}">
-                <a16:creationId xmlns:a16="http://schemas.microsoft.com/office/drawing/2014/main" id="{C03CADEF-FD3C-D687-70DB-1CAE81ADD3DA}"/>
-              </a:ext>
-            </a:extLst>
-          </p:cNvPr>
-          <p:cNvSpPr txBox="1"/>
-          <p:nvPr/>
-        </p:nvSpPr>
-        <p:spPr>
-          <a:xfrm rot="16200000">
-            <a:off x="294207" y="2734370"/>
-            <a:ext cx="1336386" cy="461665"/>
-          </a:xfrm>
-          <a:prstGeom prst="rect">
-            <a:avLst/>
-          </a:prstGeom>
-          <a:noFill/>
-        </p:spPr>
-        <p:txBody>
-          <a:bodyPr wrap="square" rtlCol="0">
-            <a:spAutoFit/>
-          </a:bodyPr>
-          <a:lstStyle/>
-          <a:p>
-            <a:r>
-              <a:rPr lang="de-DE" sz="2400" b="1" dirty="0">
-                <a:solidFill>
-                  <a:srgbClr val="267326"/>
-                </a:solidFill>
-                <a:latin typeface="Arial" panose="020B0604020202020204" pitchFamily="34" charset="0"/>
-                <a:cs typeface="Arial" panose="020B0604020202020204" pitchFamily="34" charset="0"/>
-              </a:rPr>
-              <a:t>Evidenz</a:t>
-            </a:r>
-          </a:p>
-        </p:txBody>
-      </p:sp>
-      <p:sp>
-        <p:nvSpPr>
-          <p:cNvPr id="22" name="Textfeld 21">
-            <a:extLst>
-              <a:ext uri="{FF2B5EF4-FFF2-40B4-BE49-F238E27FC236}">
-                <a16:creationId xmlns:a16="http://schemas.microsoft.com/office/drawing/2014/main" id="{EDD953E8-2C4E-56C9-C932-0B31CA2AF3D0}"/>
-              </a:ext>
-            </a:extLst>
-          </p:cNvPr>
-          <p:cNvSpPr txBox="1"/>
-          <p:nvPr/>
-        </p:nvSpPr>
-        <p:spPr>
-          <a:xfrm>
-            <a:off x="925091" y="1415140"/>
-            <a:ext cx="2377505" cy="707886"/>
-          </a:xfrm>
-          <a:prstGeom prst="rect">
-            <a:avLst/>
-          </a:prstGeom>
-          <a:noFill/>
-        </p:spPr>
-        <p:txBody>
-          <a:bodyPr wrap="square" rtlCol="0">
-            <a:spAutoFit/>
-          </a:bodyPr>
-          <a:lstStyle/>
-          <a:p>
-            <a:r>
-              <a:rPr lang="de-DE" sz="2000" b="1" dirty="0">
-                <a:solidFill>
-                  <a:srgbClr val="267326"/>
-                </a:solidFill>
-              </a:rPr>
-              <a:t>evidenzbasiert</a:t>
-            </a:r>
-          </a:p>
-          <a:p>
-            <a:r>
-              <a:rPr lang="de-DE" sz="2000" b="1" dirty="0">
-                <a:solidFill>
-                  <a:srgbClr val="267326"/>
-                </a:solidFill>
-              </a:rPr>
-              <a:t>(</a:t>
-            </a:r>
-            <a:r>
-              <a:rPr lang="de-DE" sz="2000" b="1" dirty="0" err="1">
-                <a:solidFill>
-                  <a:srgbClr val="267326"/>
-                </a:solidFill>
-              </a:rPr>
-              <a:t>evidence-based</a:t>
-            </a:r>
-            <a:r>
-              <a:rPr lang="de-DE" sz="2000" b="1" dirty="0">
-                <a:solidFill>
-                  <a:srgbClr val="267326"/>
-                </a:solidFill>
-              </a:rPr>
-              <a:t>)</a:t>
-            </a:r>
-          </a:p>
-        </p:txBody>
-      </p:sp>
-      <p:sp>
-        <p:nvSpPr>
-          <p:cNvPr id="28" name="Textfeld 27">
-            <a:extLst>
-              <a:ext uri="{FF2B5EF4-FFF2-40B4-BE49-F238E27FC236}">
-                <a16:creationId xmlns:a16="http://schemas.microsoft.com/office/drawing/2014/main" id="{D5B47C85-87A1-588A-F415-77FEFA76E215}"/>
-              </a:ext>
-            </a:extLst>
-          </p:cNvPr>
-          <p:cNvSpPr txBox="1"/>
-          <p:nvPr/>
-        </p:nvSpPr>
-        <p:spPr>
-          <a:xfrm>
-            <a:off x="1491755" y="3392535"/>
-            <a:ext cx="1579228" cy="307777"/>
-          </a:xfrm>
-          <a:prstGeom prst="rect">
-            <a:avLst/>
-          </a:prstGeom>
-          <a:noFill/>
-        </p:spPr>
-        <p:txBody>
-          <a:bodyPr wrap="square" rtlCol="0">
-            <a:spAutoFit/>
-          </a:bodyPr>
-          <a:lstStyle/>
-          <a:p>
-            <a:r>
-              <a:rPr lang="de-DE" sz="1400" dirty="0">
-                <a:solidFill>
-                  <a:srgbClr val="267326"/>
-                </a:solidFill>
-              </a:rPr>
-              <a:t>z.B. Slavin (2002)</a:t>
-            </a:r>
-          </a:p>
-        </p:txBody>
-      </p:sp>
-      <p:sp>
-        <p:nvSpPr>
-          <p:cNvPr id="3" name="Rechteck 2">
-            <a:extLst>
-              <a:ext uri="{FF2B5EF4-FFF2-40B4-BE49-F238E27FC236}">
-                <a16:creationId xmlns:a16="http://schemas.microsoft.com/office/drawing/2014/main" id="{C4354048-59EF-17BA-48F2-FD6974B6480C}"/>
+          <p:cNvPr id="5" name="Rechteck 4">
+            <a:extLst>
+              <a:ext uri="{FF2B5EF4-FFF2-40B4-BE49-F238E27FC236}">
+                <a16:creationId xmlns:a16="http://schemas.microsoft.com/office/drawing/2014/main" id="{813A00E2-14B9-69AD-3FDC-FE2C0F50B239}"/>
               </a:ext>
             </a:extLst>
           </p:cNvPr>
@@ -4221,8 +4072,8 @@
         </p:nvSpPr>
         <p:spPr>
           <a:xfrm>
-            <a:off x="565454" y="1060704"/>
-            <a:ext cx="6895725" cy="3383280"/>
+            <a:off x="1420774" y="4279396"/>
+            <a:ext cx="1751935" cy="667265"/>
           </a:xfrm>
           <a:prstGeom prst="rect">
             <a:avLst/>
@@ -4230,9 +4081,8 @@
           <a:noFill/>
           <a:ln>
             <a:solidFill>
-              <a:srgbClr val="267326"/>
+              <a:schemeClr val="tx1"/>
             </a:solidFill>
-            <a:prstDash val="lgDash"/>
           </a:ln>
         </p:spPr>
         <p:style>
@@ -4254,16 +4104,25 @@
           <a:lstStyle/>
           <a:p>
             <a:pPr algn="ctr"/>
-            <a:endParaRPr lang="de-DE"/>
-          </a:p>
-        </p:txBody>
-      </p:sp>
-      <p:sp>
-        <p:nvSpPr>
-          <p:cNvPr id="7" name="Rechteck 6">
-            <a:extLst>
-              <a:ext uri="{FF2B5EF4-FFF2-40B4-BE49-F238E27FC236}">
-                <a16:creationId xmlns:a16="http://schemas.microsoft.com/office/drawing/2014/main" id="{9B5DCD2A-5BCF-BE82-8E01-B7D39E001677}"/>
+            <a:r>
+              <a:rPr lang="de-DE" sz="1400" dirty="0">
+                <a:solidFill>
+                  <a:schemeClr val="tx1"/>
+                </a:solidFill>
+                <a:latin typeface="Arial" panose="020B0604020202020204" pitchFamily="34" charset="0"/>
+                <a:cs typeface="Arial" panose="020B0604020202020204" pitchFamily="34" charset="0"/>
+              </a:rPr>
+              <a:t>Weitere quantitative Studien</a:t>
+            </a:r>
+          </a:p>
+        </p:txBody>
+      </p:sp>
+      <p:sp>
+        <p:nvSpPr>
+          <p:cNvPr id="6" name="Rechteck 5">
+            <a:extLst>
+              <a:ext uri="{FF2B5EF4-FFF2-40B4-BE49-F238E27FC236}">
+                <a16:creationId xmlns:a16="http://schemas.microsoft.com/office/drawing/2014/main" id="{3136C698-4542-2946-ABF7-3C1BAA02DEE4}"/>
               </a:ext>
             </a:extLst>
           </p:cNvPr>
@@ -4272,8 +4131,8 @@
         </p:nvSpPr>
         <p:spPr>
           <a:xfrm>
-            <a:off x="763096" y="1280159"/>
-            <a:ext cx="2572587" cy="2812423"/>
+            <a:off x="1420773" y="5210554"/>
+            <a:ext cx="1751935" cy="667265"/>
           </a:xfrm>
           <a:prstGeom prst="rect">
             <a:avLst/>
@@ -4281,9 +4140,8 @@
           <a:noFill/>
           <a:ln>
             <a:solidFill>
-              <a:srgbClr val="267326"/>
+              <a:schemeClr val="tx1"/>
             </a:solidFill>
-            <a:prstDash val="lgDash"/>
           </a:ln>
         </p:spPr>
         <p:style>
@@ -4305,16 +4163,25 @@
           <a:lstStyle/>
           <a:p>
             <a:pPr algn="ctr"/>
-            <a:endParaRPr lang="de-DE"/>
-          </a:p>
-        </p:txBody>
-      </p:sp>
-      <p:sp>
-        <p:nvSpPr>
-          <p:cNvPr id="2" name="Rechteck 1">
-            <a:extLst>
-              <a:ext uri="{FF2B5EF4-FFF2-40B4-BE49-F238E27FC236}">
-                <a16:creationId xmlns:a16="http://schemas.microsoft.com/office/drawing/2014/main" id="{237382A4-B696-E1A0-13B2-3288EB92CEE6}"/>
+            <a:r>
+              <a:rPr lang="de-DE" sz="1400" dirty="0">
+                <a:solidFill>
+                  <a:schemeClr val="tx1"/>
+                </a:solidFill>
+                <a:latin typeface="Arial" panose="020B0604020202020204" pitchFamily="34" charset="0"/>
+                <a:cs typeface="Arial" panose="020B0604020202020204" pitchFamily="34" charset="0"/>
+              </a:rPr>
+              <a:t>Qualitative Studien</a:t>
+            </a:r>
+          </a:p>
+        </p:txBody>
+      </p:sp>
+      <p:sp>
+        <p:nvSpPr>
+          <p:cNvPr id="8" name="Rechteck 7">
+            <a:extLst>
+              <a:ext uri="{FF2B5EF4-FFF2-40B4-BE49-F238E27FC236}">
+                <a16:creationId xmlns:a16="http://schemas.microsoft.com/office/drawing/2014/main" id="{12D9CDB9-B82B-007E-9EA4-548F2A516E40}"/>
               </a:ext>
             </a:extLst>
           </p:cNvPr>
@@ -4323,8 +4190,8 @@
         </p:nvSpPr>
         <p:spPr>
           <a:xfrm>
-            <a:off x="451945" y="749808"/>
-            <a:ext cx="9057815" cy="4096512"/>
+            <a:off x="5414704" y="2652256"/>
+            <a:ext cx="1751935" cy="667265"/>
           </a:xfrm>
           <a:prstGeom prst="rect">
             <a:avLst/>
@@ -4332,9 +4199,8 @@
           <a:noFill/>
           <a:ln>
             <a:solidFill>
-              <a:srgbClr val="267326"/>
+              <a:schemeClr val="tx1"/>
             </a:solidFill>
-            <a:prstDash val="lgDash"/>
           </a:ln>
         </p:spPr>
         <p:style>
@@ -4356,16 +4222,25 @@
           <a:lstStyle/>
           <a:p>
             <a:pPr algn="ctr"/>
-            <a:endParaRPr lang="de-DE"/>
-          </a:p>
-        </p:txBody>
-      </p:sp>
-      <p:sp>
-        <p:nvSpPr>
-          <p:cNvPr id="15" name="Rechteck 14">
-            <a:extLst>
-              <a:ext uri="{FF2B5EF4-FFF2-40B4-BE49-F238E27FC236}">
-                <a16:creationId xmlns:a16="http://schemas.microsoft.com/office/drawing/2014/main" id="{B125DB4E-06A0-5666-621D-5733B916C306}"/>
+            <a:r>
+              <a:rPr lang="de-DE" sz="1400" dirty="0">
+                <a:solidFill>
+                  <a:schemeClr val="tx1"/>
+                </a:solidFill>
+                <a:latin typeface="Arial" panose="020B0604020202020204" pitchFamily="34" charset="0"/>
+                <a:cs typeface="Arial" panose="020B0604020202020204" pitchFamily="34" charset="0"/>
+              </a:rPr>
+              <a:t>Theorien</a:t>
+            </a:r>
+          </a:p>
+        </p:txBody>
+      </p:sp>
+      <p:sp>
+        <p:nvSpPr>
+          <p:cNvPr id="9" name="Rechteck 8">
+            <a:extLst>
+              <a:ext uri="{FF2B5EF4-FFF2-40B4-BE49-F238E27FC236}">
+                <a16:creationId xmlns:a16="http://schemas.microsoft.com/office/drawing/2014/main" id="{8D7DC1E7-2996-5505-CFAC-9FAA738918F7}"/>
               </a:ext>
             </a:extLst>
           </p:cNvPr>
@@ -4374,8 +4249,8 @@
         </p:nvSpPr>
         <p:spPr>
           <a:xfrm>
-            <a:off x="325821" y="566929"/>
-            <a:ext cx="11250483" cy="4681727"/>
+            <a:off x="7696481" y="2655458"/>
+            <a:ext cx="1751935" cy="667265"/>
           </a:xfrm>
           <a:prstGeom prst="rect">
             <a:avLst/>
@@ -4383,9 +4258,8 @@
           <a:noFill/>
           <a:ln>
             <a:solidFill>
-              <a:srgbClr val="267326"/>
+              <a:schemeClr val="tx1"/>
             </a:solidFill>
-            <a:prstDash val="lgDash"/>
           </a:ln>
         </p:spPr>
         <p:style>
@@ -4407,16 +4281,35 @@
           <a:lstStyle/>
           <a:p>
             <a:pPr algn="ctr"/>
-            <a:endParaRPr lang="de-DE"/>
-          </a:p>
-        </p:txBody>
-      </p:sp>
-      <p:sp>
-        <p:nvSpPr>
-          <p:cNvPr id="24" name="Rechteck 23">
-            <a:extLst>
-              <a:ext uri="{FF2B5EF4-FFF2-40B4-BE49-F238E27FC236}">
-                <a16:creationId xmlns:a16="http://schemas.microsoft.com/office/drawing/2014/main" id="{F4092A3B-48B6-1413-A791-A9391EE24DC9}"/>
+            <a:r>
+              <a:rPr lang="de-DE" sz="1400" i="1" dirty="0" err="1">
+                <a:solidFill>
+                  <a:schemeClr val="tx1"/>
+                </a:solidFill>
+                <a:latin typeface="Arial" panose="020B0604020202020204" pitchFamily="34" charset="0"/>
+                <a:cs typeface="Arial" panose="020B0604020202020204" pitchFamily="34" charset="0"/>
+              </a:rPr>
+              <a:t>Practitioner</a:t>
+            </a:r>
+            <a:r>
+              <a:rPr lang="de-DE" sz="1400" i="1" dirty="0">
+                <a:solidFill>
+                  <a:schemeClr val="tx1"/>
+                </a:solidFill>
+                <a:latin typeface="Arial" panose="020B0604020202020204" pitchFamily="34" charset="0"/>
+                <a:cs typeface="Arial" panose="020B0604020202020204" pitchFamily="34" charset="0"/>
+              </a:rPr>
+              <a:t> Research</a:t>
+            </a:r>
+          </a:p>
+        </p:txBody>
+      </p:sp>
+      <p:sp>
+        <p:nvSpPr>
+          <p:cNvPr id="10" name="Rechteck 9">
+            <a:extLst>
+              <a:ext uri="{FF2B5EF4-FFF2-40B4-BE49-F238E27FC236}">
+                <a16:creationId xmlns:a16="http://schemas.microsoft.com/office/drawing/2014/main" id="{A3072E32-FB14-1601-6113-5503BAC5B58C}"/>
               </a:ext>
             </a:extLst>
           </p:cNvPr>
@@ -4425,8 +4318,8 @@
         </p:nvSpPr>
         <p:spPr>
           <a:xfrm>
-            <a:off x="3484489" y="2639176"/>
-            <a:ext cx="1751935" cy="667265"/>
+            <a:off x="9975048" y="2646066"/>
+            <a:ext cx="1736651" cy="667265"/>
           </a:xfrm>
           <a:prstGeom prst="rect">
             <a:avLst/>
@@ -4434,7 +4327,7 @@
           <a:noFill/>
           <a:ln>
             <a:solidFill>
-              <a:srgbClr val="267326"/>
+              <a:schemeClr val="tx1"/>
             </a:solidFill>
           </a:ln>
         </p:spPr>
@@ -4460,22 +4353,310 @@
             <a:r>
               <a:rPr lang="de-DE" sz="1400" dirty="0">
                 <a:solidFill>
-                  <a:srgbClr val="267326"/>
+                  <a:schemeClr val="tx1"/>
                 </a:solidFill>
                 <a:latin typeface="Arial" panose="020B0604020202020204" pitchFamily="34" charset="0"/>
                 <a:cs typeface="Arial" panose="020B0604020202020204" pitchFamily="34" charset="0"/>
               </a:rPr>
-              <a:t>Weitere quantitative Studien</a:t>
-            </a:r>
-          </a:p>
-        </p:txBody>
-      </p:sp>
-      <p:sp>
-        <p:nvSpPr>
-          <p:cNvPr id="25" name="Rechteck 24">
-            <a:extLst>
-              <a:ext uri="{FF2B5EF4-FFF2-40B4-BE49-F238E27FC236}">
-                <a16:creationId xmlns:a16="http://schemas.microsoft.com/office/drawing/2014/main" id="{0CA9DD72-F862-7D7D-E346-FF48A6D62ADB}"/>
+              <a:t>Daten</a:t>
+            </a:r>
+          </a:p>
+        </p:txBody>
+      </p:sp>
+      <p:sp>
+        <p:nvSpPr>
+          <p:cNvPr id="11" name="Textfeld 10">
+            <a:extLst>
+              <a:ext uri="{FF2B5EF4-FFF2-40B4-BE49-F238E27FC236}">
+                <a16:creationId xmlns:a16="http://schemas.microsoft.com/office/drawing/2014/main" id="{C03CADEF-FD3C-D687-70DB-1CAE81ADD3DA}"/>
+              </a:ext>
+            </a:extLst>
+          </p:cNvPr>
+          <p:cNvSpPr txBox="1"/>
+          <p:nvPr/>
+        </p:nvSpPr>
+        <p:spPr>
+          <a:xfrm rot="16200000">
+            <a:off x="294207" y="2734370"/>
+            <a:ext cx="1336386" cy="461665"/>
+          </a:xfrm>
+          <a:prstGeom prst="rect">
+            <a:avLst/>
+          </a:prstGeom>
+          <a:noFill/>
+        </p:spPr>
+        <p:txBody>
+          <a:bodyPr wrap="square" rtlCol="0">
+            <a:spAutoFit/>
+          </a:bodyPr>
+          <a:lstStyle/>
+          <a:p>
+            <a:r>
+              <a:rPr lang="de-DE" sz="2400" b="1" dirty="0">
+                <a:latin typeface="Arial" panose="020B0604020202020204" pitchFamily="34" charset="0"/>
+                <a:cs typeface="Arial" panose="020B0604020202020204" pitchFamily="34" charset="0"/>
+              </a:rPr>
+              <a:t>Evidenz</a:t>
+            </a:r>
+          </a:p>
+        </p:txBody>
+      </p:sp>
+      <p:sp>
+        <p:nvSpPr>
+          <p:cNvPr id="22" name="Textfeld 21">
+            <a:extLst>
+              <a:ext uri="{FF2B5EF4-FFF2-40B4-BE49-F238E27FC236}">
+                <a16:creationId xmlns:a16="http://schemas.microsoft.com/office/drawing/2014/main" id="{EDD953E8-2C4E-56C9-C932-0B31CA2AF3D0}"/>
+              </a:ext>
+            </a:extLst>
+          </p:cNvPr>
+          <p:cNvSpPr txBox="1"/>
+          <p:nvPr/>
+        </p:nvSpPr>
+        <p:spPr>
+          <a:xfrm>
+            <a:off x="925091" y="1415140"/>
+            <a:ext cx="2377505" cy="707886"/>
+          </a:xfrm>
+          <a:prstGeom prst="rect">
+            <a:avLst/>
+          </a:prstGeom>
+          <a:noFill/>
+        </p:spPr>
+        <p:txBody>
+          <a:bodyPr wrap="square" rtlCol="0">
+            <a:spAutoFit/>
+          </a:bodyPr>
+          <a:lstStyle/>
+          <a:p>
+            <a:r>
+              <a:rPr lang="de-DE" sz="2000" b="1" dirty="0"/>
+              <a:t>evidenzbasiert</a:t>
+            </a:r>
+          </a:p>
+          <a:p>
+            <a:r>
+              <a:rPr lang="de-DE" sz="2000" b="1" dirty="0"/>
+              <a:t>(</a:t>
+            </a:r>
+            <a:r>
+              <a:rPr lang="de-DE" sz="2000" b="1" dirty="0" err="1"/>
+              <a:t>evidence-based</a:t>
+            </a:r>
+            <a:r>
+              <a:rPr lang="de-DE" sz="2000" b="1" dirty="0"/>
+              <a:t>)</a:t>
+            </a:r>
+          </a:p>
+        </p:txBody>
+      </p:sp>
+      <p:sp>
+        <p:nvSpPr>
+          <p:cNvPr id="28" name="Textfeld 27">
+            <a:extLst>
+              <a:ext uri="{FF2B5EF4-FFF2-40B4-BE49-F238E27FC236}">
+                <a16:creationId xmlns:a16="http://schemas.microsoft.com/office/drawing/2014/main" id="{D5B47C85-87A1-588A-F415-77FEFA76E215}"/>
+              </a:ext>
+            </a:extLst>
+          </p:cNvPr>
+          <p:cNvSpPr txBox="1"/>
+          <p:nvPr/>
+        </p:nvSpPr>
+        <p:spPr>
+          <a:xfrm>
+            <a:off x="1507128" y="3587651"/>
+            <a:ext cx="1579228" cy="307777"/>
+          </a:xfrm>
+          <a:prstGeom prst="rect">
+            <a:avLst/>
+          </a:prstGeom>
+          <a:noFill/>
+        </p:spPr>
+        <p:txBody>
+          <a:bodyPr wrap="square" rtlCol="0">
+            <a:spAutoFit/>
+          </a:bodyPr>
+          <a:lstStyle/>
+          <a:p>
+            <a:r>
+              <a:rPr lang="de-DE" sz="1400" dirty="0"/>
+              <a:t>z.B. Slavin (2002)</a:t>
+            </a:r>
+          </a:p>
+        </p:txBody>
+      </p:sp>
+      <p:sp>
+        <p:nvSpPr>
+          <p:cNvPr id="30" name="Textfeld 29">
+            <a:extLst>
+              <a:ext uri="{FF2B5EF4-FFF2-40B4-BE49-F238E27FC236}">
+                <a16:creationId xmlns:a16="http://schemas.microsoft.com/office/drawing/2014/main" id="{71284AD3-28C9-81ED-7497-7CC593164B39}"/>
+              </a:ext>
+            </a:extLst>
+          </p:cNvPr>
+          <p:cNvSpPr txBox="1"/>
+          <p:nvPr/>
+        </p:nvSpPr>
+        <p:spPr>
+          <a:xfrm>
+            <a:off x="3278234" y="4923471"/>
+            <a:ext cx="1750864" cy="307777"/>
+          </a:xfrm>
+          <a:prstGeom prst="rect">
+            <a:avLst/>
+          </a:prstGeom>
+          <a:noFill/>
+        </p:spPr>
+        <p:txBody>
+          <a:bodyPr wrap="none" rtlCol="0">
+            <a:spAutoFit/>
+          </a:bodyPr>
+          <a:lstStyle/>
+          <a:p>
+            <a:r>
+              <a:rPr lang="de-DE" sz="1400" dirty="0"/>
+              <a:t>z.B. </a:t>
+            </a:r>
+            <a:r>
+              <a:rPr lang="de-DE" sz="1400" dirty="0" err="1"/>
+              <a:t>Goldacre</a:t>
+            </a:r>
+            <a:r>
+              <a:rPr lang="de-DE" sz="1400" dirty="0"/>
+              <a:t> (2023)</a:t>
+            </a:r>
+          </a:p>
+        </p:txBody>
+      </p:sp>
+      <p:sp>
+        <p:nvSpPr>
+          <p:cNvPr id="32" name="Textfeld 31">
+            <a:extLst>
+              <a:ext uri="{FF2B5EF4-FFF2-40B4-BE49-F238E27FC236}">
+                <a16:creationId xmlns:a16="http://schemas.microsoft.com/office/drawing/2014/main" id="{92B17574-7060-8B56-04FF-B6B3685C3000}"/>
+              </a:ext>
+            </a:extLst>
+          </p:cNvPr>
+          <p:cNvSpPr txBox="1"/>
+          <p:nvPr/>
+        </p:nvSpPr>
+        <p:spPr>
+          <a:xfrm>
+            <a:off x="5616209" y="3569363"/>
+            <a:ext cx="1348923" cy="523220"/>
+          </a:xfrm>
+          <a:prstGeom prst="rect">
+            <a:avLst/>
+          </a:prstGeom>
+          <a:noFill/>
+        </p:spPr>
+        <p:txBody>
+          <a:bodyPr wrap="square" rtlCol="0">
+            <a:spAutoFit/>
+          </a:bodyPr>
+          <a:lstStyle/>
+          <a:p>
+            <a:r>
+              <a:rPr lang="de-DE" sz="1400" dirty="0"/>
+              <a:t>z.B. </a:t>
+            </a:r>
+            <a:r>
+              <a:rPr lang="de-DE" sz="1400" dirty="0" err="1"/>
+              <a:t>Rochnia</a:t>
+            </a:r>
+            <a:r>
+              <a:rPr lang="de-DE" sz="1400" dirty="0"/>
+              <a:t> &amp; </a:t>
+            </a:r>
+          </a:p>
+          <a:p>
+            <a:r>
+              <a:rPr lang="de-DE" sz="1400" dirty="0" err="1"/>
+              <a:t>Gräsel</a:t>
+            </a:r>
+            <a:r>
+              <a:rPr lang="de-DE" sz="1400" dirty="0"/>
+              <a:t> (2022)</a:t>
+            </a:r>
+          </a:p>
+        </p:txBody>
+      </p:sp>
+      <p:sp>
+        <p:nvSpPr>
+          <p:cNvPr id="33" name="Textfeld 32">
+            <a:extLst>
+              <a:ext uri="{FF2B5EF4-FFF2-40B4-BE49-F238E27FC236}">
+                <a16:creationId xmlns:a16="http://schemas.microsoft.com/office/drawing/2014/main" id="{C8D5919B-9485-8B16-9F78-BC2690CC008B}"/>
+              </a:ext>
+            </a:extLst>
+          </p:cNvPr>
+          <p:cNvSpPr txBox="1"/>
+          <p:nvPr/>
+        </p:nvSpPr>
+        <p:spPr>
+          <a:xfrm>
+            <a:off x="7797180" y="3621024"/>
+            <a:ext cx="1557286" cy="307777"/>
+          </a:xfrm>
+          <a:prstGeom prst="rect">
+            <a:avLst/>
+          </a:prstGeom>
+          <a:noFill/>
+        </p:spPr>
+        <p:txBody>
+          <a:bodyPr wrap="none" rtlCol="0">
+            <a:spAutoFit/>
+          </a:bodyPr>
+          <a:lstStyle/>
+          <a:p>
+            <a:r>
+              <a:rPr lang="de-DE" sz="1400" dirty="0"/>
+              <a:t>z.B. Davies (1999)</a:t>
+            </a:r>
+          </a:p>
+        </p:txBody>
+      </p:sp>
+      <p:sp>
+        <p:nvSpPr>
+          <p:cNvPr id="34" name="Textfeld 33">
+            <a:extLst>
+              <a:ext uri="{FF2B5EF4-FFF2-40B4-BE49-F238E27FC236}">
+                <a16:creationId xmlns:a16="http://schemas.microsoft.com/office/drawing/2014/main" id="{10E3B606-FC9A-58ED-3D48-44BC9C134BE2}"/>
+              </a:ext>
+            </a:extLst>
+          </p:cNvPr>
+          <p:cNvSpPr txBox="1"/>
+          <p:nvPr/>
+        </p:nvSpPr>
+        <p:spPr>
+          <a:xfrm>
+            <a:off x="10030907" y="3621024"/>
+            <a:ext cx="1624932" cy="307777"/>
+          </a:xfrm>
+          <a:prstGeom prst="rect">
+            <a:avLst/>
+          </a:prstGeom>
+          <a:noFill/>
+        </p:spPr>
+        <p:txBody>
+          <a:bodyPr wrap="none" rtlCol="0">
+            <a:spAutoFit/>
+          </a:bodyPr>
+          <a:lstStyle/>
+          <a:p>
+            <a:r>
+              <a:rPr lang="de-DE" sz="1400" dirty="0"/>
+              <a:t>z.B. Demski (2017)</a:t>
+            </a:r>
+          </a:p>
+        </p:txBody>
+      </p:sp>
+      <p:sp>
+        <p:nvSpPr>
+          <p:cNvPr id="3" name="Rechteck 2">
+            <a:extLst>
+              <a:ext uri="{FF2B5EF4-FFF2-40B4-BE49-F238E27FC236}">
+                <a16:creationId xmlns:a16="http://schemas.microsoft.com/office/drawing/2014/main" id="{C4354048-59EF-17BA-48F2-FD6974B6480C}"/>
               </a:ext>
             </a:extLst>
           </p:cNvPr>
@@ -4484,8 +4665,8 @@
         </p:nvSpPr>
         <p:spPr>
           <a:xfrm>
-            <a:off x="5543510" y="2639176"/>
-            <a:ext cx="1751935" cy="667265"/>
+            <a:off x="565454" y="928754"/>
+            <a:ext cx="6895725" cy="5362318"/>
           </a:xfrm>
           <a:prstGeom prst="rect">
             <a:avLst/>
@@ -4493,8 +4674,9 @@
           <a:noFill/>
           <a:ln>
             <a:solidFill>
-              <a:srgbClr val="267326"/>
+              <a:schemeClr val="tx1"/>
             </a:solidFill>
+            <a:prstDash val="lgDash"/>
           </a:ln>
         </p:spPr>
         <p:style>
@@ -4516,25 +4698,20 @@
           <a:lstStyle/>
           <a:p>
             <a:pPr algn="ctr"/>
-            <a:r>
-              <a:rPr lang="de-DE" sz="1400" dirty="0">
-                <a:solidFill>
-                  <a:srgbClr val="267326"/>
-                </a:solidFill>
-                <a:latin typeface="Arial" panose="020B0604020202020204" pitchFamily="34" charset="0"/>
-                <a:cs typeface="Arial" panose="020B0604020202020204" pitchFamily="34" charset="0"/>
-              </a:rPr>
-              <a:t>Qualitative Studien</a:t>
-            </a:r>
-          </a:p>
-        </p:txBody>
-      </p:sp>
-      <p:sp>
-        <p:nvSpPr>
-          <p:cNvPr id="26" name="Rechteck 25">
-            <a:extLst>
-              <a:ext uri="{FF2B5EF4-FFF2-40B4-BE49-F238E27FC236}">
-                <a16:creationId xmlns:a16="http://schemas.microsoft.com/office/drawing/2014/main" id="{B3BCC734-F491-5BC2-E118-5450AC084F4E}"/>
+            <a:endParaRPr lang="de-DE">
+              <a:solidFill>
+                <a:schemeClr val="tx1"/>
+              </a:solidFill>
+            </a:endParaRPr>
+          </a:p>
+        </p:txBody>
+      </p:sp>
+      <p:sp>
+        <p:nvSpPr>
+          <p:cNvPr id="7" name="Rechteck 6">
+            <a:extLst>
+              <a:ext uri="{FF2B5EF4-FFF2-40B4-BE49-F238E27FC236}">
+                <a16:creationId xmlns:a16="http://schemas.microsoft.com/office/drawing/2014/main" id="{9B5DCD2A-5BCF-BE82-8E01-B7D39E001677}"/>
               </a:ext>
             </a:extLst>
           </p:cNvPr>
@@ -4543,8 +4720,8 @@
         </p:nvSpPr>
         <p:spPr>
           <a:xfrm>
-            <a:off x="7602531" y="2646066"/>
-            <a:ext cx="1751935" cy="667265"/>
+            <a:off x="763097" y="1280159"/>
+            <a:ext cx="2566788" cy="2812423"/>
           </a:xfrm>
           <a:prstGeom prst="rect">
             <a:avLst/>
@@ -4552,8 +4729,9 @@
           <a:noFill/>
           <a:ln>
             <a:solidFill>
-              <a:srgbClr val="267326"/>
+              <a:schemeClr val="tx1"/>
             </a:solidFill>
+            <a:prstDash val="lgDash"/>
           </a:ln>
         </p:spPr>
         <p:style>
@@ -4575,25 +4753,20 @@
           <a:lstStyle/>
           <a:p>
             <a:pPr algn="ctr"/>
-            <a:r>
-              <a:rPr lang="de-DE" sz="1400" dirty="0">
-                <a:solidFill>
-                  <a:srgbClr val="267326"/>
-                </a:solidFill>
-                <a:latin typeface="Arial" panose="020B0604020202020204" pitchFamily="34" charset="0"/>
-                <a:cs typeface="Arial" panose="020B0604020202020204" pitchFamily="34" charset="0"/>
-              </a:rPr>
-              <a:t>Theorien</a:t>
-            </a:r>
-          </a:p>
-        </p:txBody>
-      </p:sp>
-      <p:sp>
-        <p:nvSpPr>
-          <p:cNvPr id="27" name="Rechteck 26">
-            <a:extLst>
-              <a:ext uri="{FF2B5EF4-FFF2-40B4-BE49-F238E27FC236}">
-                <a16:creationId xmlns:a16="http://schemas.microsoft.com/office/drawing/2014/main" id="{2B73AD53-BE4B-B72B-9DE0-C248A911CE7E}"/>
+            <a:endParaRPr lang="de-DE">
+              <a:solidFill>
+                <a:schemeClr val="tx1"/>
+              </a:solidFill>
+            </a:endParaRPr>
+          </a:p>
+        </p:txBody>
+      </p:sp>
+      <p:sp>
+        <p:nvSpPr>
+          <p:cNvPr id="12" name="Rechteck 11">
+            <a:extLst>
+              <a:ext uri="{FF2B5EF4-FFF2-40B4-BE49-F238E27FC236}">
+                <a16:creationId xmlns:a16="http://schemas.microsoft.com/office/drawing/2014/main" id="{6E6951BE-EA64-8C76-62D5-A069F0FCE261}"/>
               </a:ext>
             </a:extLst>
           </p:cNvPr>
@@ -4602,8 +4775,8 @@
         </p:nvSpPr>
         <p:spPr>
           <a:xfrm>
-            <a:off x="9661552" y="2630534"/>
-            <a:ext cx="1751935" cy="667265"/>
+            <a:off x="670978" y="1115568"/>
+            <a:ext cx="4504526" cy="4992624"/>
           </a:xfrm>
           <a:prstGeom prst="rect">
             <a:avLst/>
@@ -4611,8 +4784,9 @@
           <a:noFill/>
           <a:ln>
             <a:solidFill>
-              <a:srgbClr val="267326"/>
+              <a:schemeClr val="tx1"/>
             </a:solidFill>
+            <a:prstDash val="lgDash"/>
           </a:ln>
         </p:spPr>
         <p:style>
@@ -4634,35 +4808,20 @@
           <a:lstStyle/>
           <a:p>
             <a:pPr algn="ctr"/>
-            <a:r>
-              <a:rPr lang="de-DE" sz="1400" i="1" dirty="0" err="1">
-                <a:solidFill>
-                  <a:srgbClr val="267326"/>
-                </a:solidFill>
-                <a:latin typeface="Arial" panose="020B0604020202020204" pitchFamily="34" charset="0"/>
-                <a:cs typeface="Arial" panose="020B0604020202020204" pitchFamily="34" charset="0"/>
-              </a:rPr>
-              <a:t>Practitioner</a:t>
-            </a:r>
-            <a:r>
-              <a:rPr lang="de-DE" sz="1400" i="1" dirty="0">
-                <a:solidFill>
-                  <a:srgbClr val="267326"/>
-                </a:solidFill>
-                <a:latin typeface="Arial" panose="020B0604020202020204" pitchFamily="34" charset="0"/>
-                <a:cs typeface="Arial" panose="020B0604020202020204" pitchFamily="34" charset="0"/>
-              </a:rPr>
-              <a:t> Research</a:t>
-            </a:r>
-          </a:p>
-        </p:txBody>
-      </p:sp>
-      <p:sp>
-        <p:nvSpPr>
-          <p:cNvPr id="29" name="Rechteck 28">
-            <a:extLst>
-              <a:ext uri="{FF2B5EF4-FFF2-40B4-BE49-F238E27FC236}">
-                <a16:creationId xmlns:a16="http://schemas.microsoft.com/office/drawing/2014/main" id="{A2DD669B-C696-682A-2A37-B473BF4168F9}"/>
+            <a:endParaRPr lang="de-DE">
+              <a:solidFill>
+                <a:schemeClr val="tx1"/>
+              </a:solidFill>
+            </a:endParaRPr>
+          </a:p>
+        </p:txBody>
+      </p:sp>
+      <p:sp>
+        <p:nvSpPr>
+          <p:cNvPr id="2" name="Rechteck 1">
+            <a:extLst>
+              <a:ext uri="{FF2B5EF4-FFF2-40B4-BE49-F238E27FC236}">
+                <a16:creationId xmlns:a16="http://schemas.microsoft.com/office/drawing/2014/main" id="{237382A4-B696-E1A0-13B2-3288EB92CEE6}"/>
               </a:ext>
             </a:extLst>
           </p:cNvPr>
@@ -4671,8 +4830,8 @@
         </p:nvSpPr>
         <p:spPr>
           <a:xfrm>
-            <a:off x="11720516" y="2624680"/>
-            <a:ext cx="1736651" cy="667265"/>
+            <a:off x="451945" y="749808"/>
+            <a:ext cx="9295559" cy="5742432"/>
           </a:xfrm>
           <a:prstGeom prst="rect">
             <a:avLst/>
@@ -4680,8 +4839,9 @@
           <a:noFill/>
           <a:ln>
             <a:solidFill>
-              <a:srgbClr val="267326"/>
+              <a:schemeClr val="tx1"/>
             </a:solidFill>
+            <a:prstDash val="lgDash"/>
           </a:ln>
         </p:spPr>
         <p:style>
@@ -4703,231 +4863,20 @@
           <a:lstStyle/>
           <a:p>
             <a:pPr algn="ctr"/>
-            <a:r>
-              <a:rPr lang="de-DE" sz="1400" dirty="0">
-                <a:solidFill>
-                  <a:srgbClr val="267326"/>
-                </a:solidFill>
-                <a:latin typeface="Arial" panose="020B0604020202020204" pitchFamily="34" charset="0"/>
-                <a:cs typeface="Arial" panose="020B0604020202020204" pitchFamily="34" charset="0"/>
-              </a:rPr>
-              <a:t>Lokale Schuldaten</a:t>
-            </a:r>
-          </a:p>
-        </p:txBody>
-      </p:sp>
-      <p:sp>
-        <p:nvSpPr>
-          <p:cNvPr id="31" name="Textfeld 30">
-            <a:extLst>
-              <a:ext uri="{FF2B5EF4-FFF2-40B4-BE49-F238E27FC236}">
-                <a16:creationId xmlns:a16="http://schemas.microsoft.com/office/drawing/2014/main" id="{3F1DE700-358D-EABD-CCAE-81CFB2068168}"/>
-              </a:ext>
-            </a:extLst>
-          </p:cNvPr>
-          <p:cNvSpPr txBox="1"/>
-          <p:nvPr/>
-        </p:nvSpPr>
-        <p:spPr>
-          <a:xfrm>
-            <a:off x="4530179" y="3439047"/>
-            <a:ext cx="1750864" cy="307777"/>
-          </a:xfrm>
-          <a:prstGeom prst="rect">
-            <a:avLst/>
-          </a:prstGeom>
-          <a:noFill/>
-        </p:spPr>
-        <p:txBody>
-          <a:bodyPr wrap="none" rtlCol="0">
-            <a:spAutoFit/>
-          </a:bodyPr>
-          <a:lstStyle/>
-          <a:p>
-            <a:r>
-              <a:rPr lang="de-DE" sz="1400" dirty="0">
-                <a:solidFill>
-                  <a:srgbClr val="267326"/>
-                </a:solidFill>
-              </a:rPr>
-              <a:t>z.B. </a:t>
-            </a:r>
-            <a:r>
-              <a:rPr lang="de-DE" sz="1400" dirty="0" err="1">
-                <a:solidFill>
-                  <a:srgbClr val="267326"/>
-                </a:solidFill>
-              </a:rPr>
-              <a:t>Goldacre</a:t>
-            </a:r>
-            <a:r>
-              <a:rPr lang="de-DE" sz="1400" dirty="0">
-                <a:solidFill>
-                  <a:srgbClr val="267326"/>
-                </a:solidFill>
-              </a:rPr>
-              <a:t> (2023)</a:t>
-            </a:r>
-          </a:p>
-        </p:txBody>
-      </p:sp>
-      <p:sp>
-        <p:nvSpPr>
-          <p:cNvPr id="35" name="Textfeld 34">
-            <a:extLst>
-              <a:ext uri="{FF2B5EF4-FFF2-40B4-BE49-F238E27FC236}">
-                <a16:creationId xmlns:a16="http://schemas.microsoft.com/office/drawing/2014/main" id="{08A48DBE-B49F-6D14-87A8-418FBC88F99A}"/>
-              </a:ext>
-            </a:extLst>
-          </p:cNvPr>
-          <p:cNvSpPr txBox="1"/>
-          <p:nvPr/>
-        </p:nvSpPr>
-        <p:spPr>
-          <a:xfrm>
-            <a:off x="7804036" y="3439047"/>
-            <a:ext cx="1348923" cy="523220"/>
-          </a:xfrm>
-          <a:prstGeom prst="rect">
-            <a:avLst/>
-          </a:prstGeom>
-          <a:noFill/>
-        </p:spPr>
-        <p:txBody>
-          <a:bodyPr wrap="square" rtlCol="0">
-            <a:spAutoFit/>
-          </a:bodyPr>
-          <a:lstStyle/>
-          <a:p>
-            <a:r>
-              <a:rPr lang="de-DE" sz="1400" dirty="0">
-                <a:solidFill>
-                  <a:srgbClr val="267326"/>
-                </a:solidFill>
-              </a:rPr>
-              <a:t>z.B. </a:t>
-            </a:r>
-            <a:r>
-              <a:rPr lang="de-DE" sz="1400" dirty="0" err="1">
-                <a:solidFill>
-                  <a:srgbClr val="267326"/>
-                </a:solidFill>
-              </a:rPr>
-              <a:t>Rochnia</a:t>
-            </a:r>
-            <a:r>
-              <a:rPr lang="de-DE" sz="1400" dirty="0">
-                <a:solidFill>
-                  <a:srgbClr val="267326"/>
-                </a:solidFill>
-              </a:rPr>
-              <a:t> &amp; </a:t>
-            </a:r>
-          </a:p>
-          <a:p>
-            <a:r>
-              <a:rPr lang="de-DE" sz="1400" dirty="0" err="1">
-                <a:solidFill>
-                  <a:srgbClr val="267326"/>
-                </a:solidFill>
-              </a:rPr>
-              <a:t>Gräsel</a:t>
-            </a:r>
-            <a:r>
-              <a:rPr lang="de-DE" sz="1400" dirty="0">
-                <a:solidFill>
-                  <a:srgbClr val="267326"/>
-                </a:solidFill>
-              </a:rPr>
-              <a:t> (2022)</a:t>
-            </a:r>
-          </a:p>
-        </p:txBody>
-      </p:sp>
-      <p:sp>
-        <p:nvSpPr>
-          <p:cNvPr id="36" name="Textfeld 35">
-            <a:extLst>
-              <a:ext uri="{FF2B5EF4-FFF2-40B4-BE49-F238E27FC236}">
-                <a16:creationId xmlns:a16="http://schemas.microsoft.com/office/drawing/2014/main" id="{CC5EBC89-EC11-D05F-972F-25C74D3F6AF6}"/>
-              </a:ext>
-            </a:extLst>
-          </p:cNvPr>
-          <p:cNvSpPr txBox="1"/>
-          <p:nvPr/>
-        </p:nvSpPr>
-        <p:spPr>
-          <a:xfrm>
-            <a:off x="9758875" y="3546424"/>
-            <a:ext cx="1557286" cy="307777"/>
-          </a:xfrm>
-          <a:prstGeom prst="rect">
-            <a:avLst/>
-          </a:prstGeom>
-          <a:noFill/>
-        </p:spPr>
-        <p:txBody>
-          <a:bodyPr wrap="none" rtlCol="0">
-            <a:spAutoFit/>
-          </a:bodyPr>
-          <a:lstStyle/>
-          <a:p>
-            <a:r>
-              <a:rPr lang="de-DE" sz="1400" dirty="0">
-                <a:solidFill>
-                  <a:srgbClr val="267326"/>
-                </a:solidFill>
-              </a:rPr>
-              <a:t>z.B. Davies (1999)</a:t>
-            </a:r>
-          </a:p>
-        </p:txBody>
-      </p:sp>
-      <p:sp>
-        <p:nvSpPr>
-          <p:cNvPr id="37" name="Textfeld 36">
-            <a:extLst>
-              <a:ext uri="{FF2B5EF4-FFF2-40B4-BE49-F238E27FC236}">
-                <a16:creationId xmlns:a16="http://schemas.microsoft.com/office/drawing/2014/main" id="{E27860B8-97EC-A66B-5F1E-D7D8195B8483}"/>
-              </a:ext>
-            </a:extLst>
-          </p:cNvPr>
-          <p:cNvSpPr txBox="1"/>
-          <p:nvPr/>
-        </p:nvSpPr>
-        <p:spPr>
-          <a:xfrm>
-            <a:off x="11776375" y="3564608"/>
-            <a:ext cx="1624932" cy="307777"/>
-          </a:xfrm>
-          <a:prstGeom prst="rect">
-            <a:avLst/>
-          </a:prstGeom>
-          <a:noFill/>
-        </p:spPr>
-        <p:txBody>
-          <a:bodyPr wrap="none" rtlCol="0">
-            <a:spAutoFit/>
-          </a:bodyPr>
-          <a:lstStyle/>
-          <a:p>
-            <a:r>
-              <a:rPr lang="de-DE" sz="1400" dirty="0">
-                <a:solidFill>
-                  <a:srgbClr val="267326"/>
-                </a:solidFill>
-              </a:rPr>
-              <a:t>z.B. Demski (2017)</a:t>
-            </a:r>
-          </a:p>
-        </p:txBody>
-      </p:sp>
-      <p:sp>
-        <p:nvSpPr>
-          <p:cNvPr id="38" name="Rechteck 37">
-            <a:extLst>
-              <a:ext uri="{FF2B5EF4-FFF2-40B4-BE49-F238E27FC236}">
-                <a16:creationId xmlns:a16="http://schemas.microsoft.com/office/drawing/2014/main" id="{BA943768-1ED0-0FED-D2AE-E9EB2C6F5EBF}"/>
+            <a:endParaRPr lang="de-DE">
+              <a:solidFill>
+                <a:schemeClr val="tx1"/>
+              </a:solidFill>
+            </a:endParaRPr>
+          </a:p>
+        </p:txBody>
+      </p:sp>
+      <p:sp>
+        <p:nvSpPr>
+          <p:cNvPr id="15" name="Rechteck 14">
+            <a:extLst>
+              <a:ext uri="{FF2B5EF4-FFF2-40B4-BE49-F238E27FC236}">
+                <a16:creationId xmlns:a16="http://schemas.microsoft.com/office/drawing/2014/main" id="{B125DB4E-06A0-5666-621D-5733B916C306}"/>
               </a:ext>
             </a:extLst>
           </p:cNvPr>
@@ -4936,8 +4885,8 @@
         </p:nvSpPr>
         <p:spPr>
           <a:xfrm>
-            <a:off x="146304" y="365761"/>
-            <a:ext cx="13496543" cy="5212080"/>
+            <a:off x="325821" y="566929"/>
+            <a:ext cx="11597955" cy="6108191"/>
           </a:xfrm>
           <a:prstGeom prst="rect">
             <a:avLst/>
@@ -4945,7 +4894,7 @@
           <a:noFill/>
           <a:ln>
             <a:solidFill>
-              <a:srgbClr val="267326"/>
+              <a:schemeClr val="tx1"/>
             </a:solidFill>
             <a:prstDash val="lgDash"/>
           </a:ln>
@@ -4969,14 +4918,18 @@
           <a:lstStyle/>
           <a:p>
             <a:pPr algn="ctr"/>
-            <a:endParaRPr lang="de-DE"/>
+            <a:endParaRPr lang="de-DE">
+              <a:solidFill>
+                <a:schemeClr val="tx1"/>
+              </a:solidFill>
+            </a:endParaRPr>
           </a:p>
         </p:txBody>
       </p:sp>
     </p:spTree>
     <p:extLst>
       <p:ext uri="{BB962C8B-B14F-4D97-AF65-F5344CB8AC3E}">
-        <p14:creationId xmlns:p14="http://schemas.microsoft.com/office/powerpoint/2010/main" val="1130844199"/>
+        <p14:creationId xmlns:p14="http://schemas.microsoft.com/office/powerpoint/2010/main" val="292220802"/>
       </p:ext>
     </p:extLst>
   </p:cSld>
@@ -4987,7 +4940,7 @@
 </file>
 
 <file path=ppt/slides/slide11.xml><?xml version="1.0" encoding="utf-8"?>
-<p:sld xmlns:a="http://schemas.openxmlformats.org/drawingml/2006/main" xmlns:r="http://schemas.openxmlformats.org/officeDocument/2006/relationships" xmlns:p="http://schemas.openxmlformats.org/presentationml/2006/main">
+<p:sld xmlns:a="http://schemas.openxmlformats.org/drawingml/2006/main" xmlns:r="http://schemas.openxmlformats.org/officeDocument/2006/relationships" xmlns:p="http://schemas.openxmlformats.org/presentationml/2006/main" show="0">
   <p:cSld>
     <p:spTree>
       <p:nvGrpSpPr>
@@ -5065,311 +5018,6 @@
       </p:sp>
       <p:sp>
         <p:nvSpPr>
-          <p:cNvPr id="5" name="Rechteck 4">
-            <a:extLst>
-              <a:ext uri="{FF2B5EF4-FFF2-40B4-BE49-F238E27FC236}">
-                <a16:creationId xmlns:a16="http://schemas.microsoft.com/office/drawing/2014/main" id="{813A00E2-14B9-69AD-3FDC-FE2C0F50B239}"/>
-              </a:ext>
-            </a:extLst>
-          </p:cNvPr>
-          <p:cNvSpPr/>
-          <p:nvPr/>
-        </p:nvSpPr>
-        <p:spPr>
-          <a:xfrm>
-            <a:off x="1420775" y="5141355"/>
-            <a:ext cx="1751935" cy="667265"/>
-          </a:xfrm>
-          <a:prstGeom prst="rect">
-            <a:avLst/>
-          </a:prstGeom>
-          <a:noFill/>
-          <a:ln>
-            <a:solidFill>
-              <a:srgbClr val="267326"/>
-            </a:solidFill>
-          </a:ln>
-        </p:spPr>
-        <p:style>
-          <a:lnRef idx="2">
-            <a:schemeClr val="accent6"/>
-          </a:lnRef>
-          <a:fillRef idx="1">
-            <a:schemeClr val="lt1"/>
-          </a:fillRef>
-          <a:effectRef idx="0">
-            <a:schemeClr val="accent6"/>
-          </a:effectRef>
-          <a:fontRef idx="minor">
-            <a:schemeClr val="dk1"/>
-          </a:fontRef>
-        </p:style>
-        <p:txBody>
-          <a:bodyPr rtlCol="0" anchor="ctr"/>
-          <a:lstStyle/>
-          <a:p>
-            <a:pPr algn="ctr"/>
-            <a:r>
-              <a:rPr lang="de-DE" sz="1400" dirty="0">
-                <a:solidFill>
-                  <a:srgbClr val="267326"/>
-                </a:solidFill>
-                <a:latin typeface="Arial" panose="020B0604020202020204" pitchFamily="34" charset="0"/>
-                <a:cs typeface="Arial" panose="020B0604020202020204" pitchFamily="34" charset="0"/>
-              </a:rPr>
-              <a:t>Weitere quantitative Studien</a:t>
-            </a:r>
-          </a:p>
-        </p:txBody>
-      </p:sp>
-      <p:sp>
-        <p:nvSpPr>
-          <p:cNvPr id="6" name="Rechteck 5">
-            <a:extLst>
-              <a:ext uri="{FF2B5EF4-FFF2-40B4-BE49-F238E27FC236}">
-                <a16:creationId xmlns:a16="http://schemas.microsoft.com/office/drawing/2014/main" id="{3136C698-4542-2946-ABF7-3C1BAA02DEE4}"/>
-              </a:ext>
-            </a:extLst>
-          </p:cNvPr>
-          <p:cNvSpPr/>
-          <p:nvPr/>
-        </p:nvSpPr>
-        <p:spPr>
-          <a:xfrm>
-            <a:off x="1420776" y="4281249"/>
-            <a:ext cx="1751935" cy="667265"/>
-          </a:xfrm>
-          <a:prstGeom prst="rect">
-            <a:avLst/>
-          </a:prstGeom>
-          <a:noFill/>
-          <a:ln>
-            <a:solidFill>
-              <a:srgbClr val="267326"/>
-            </a:solidFill>
-          </a:ln>
-        </p:spPr>
-        <p:style>
-          <a:lnRef idx="2">
-            <a:schemeClr val="accent6"/>
-          </a:lnRef>
-          <a:fillRef idx="1">
-            <a:schemeClr val="lt1"/>
-          </a:fillRef>
-          <a:effectRef idx="0">
-            <a:schemeClr val="accent6"/>
-          </a:effectRef>
-          <a:fontRef idx="minor">
-            <a:schemeClr val="dk1"/>
-          </a:fontRef>
-        </p:style>
-        <p:txBody>
-          <a:bodyPr rtlCol="0" anchor="ctr"/>
-          <a:lstStyle/>
-          <a:p>
-            <a:pPr algn="ctr"/>
-            <a:r>
-              <a:rPr lang="de-DE" sz="1400" dirty="0">
-                <a:solidFill>
-                  <a:srgbClr val="267326"/>
-                </a:solidFill>
-                <a:latin typeface="Arial" panose="020B0604020202020204" pitchFamily="34" charset="0"/>
-                <a:cs typeface="Arial" panose="020B0604020202020204" pitchFamily="34" charset="0"/>
-              </a:rPr>
-              <a:t>Qualitative Studien</a:t>
-            </a:r>
-          </a:p>
-        </p:txBody>
-      </p:sp>
-      <p:sp>
-        <p:nvSpPr>
-          <p:cNvPr id="8" name="Rechteck 7">
-            <a:extLst>
-              <a:ext uri="{FF2B5EF4-FFF2-40B4-BE49-F238E27FC236}">
-                <a16:creationId xmlns:a16="http://schemas.microsoft.com/office/drawing/2014/main" id="{12D9CDB9-B82B-007E-9EA4-548F2A516E40}"/>
-              </a:ext>
-            </a:extLst>
-          </p:cNvPr>
-          <p:cNvSpPr/>
-          <p:nvPr/>
-        </p:nvSpPr>
-        <p:spPr>
-          <a:xfrm>
-            <a:off x="5414704" y="2652256"/>
-            <a:ext cx="1751935" cy="667265"/>
-          </a:xfrm>
-          <a:prstGeom prst="rect">
-            <a:avLst/>
-          </a:prstGeom>
-          <a:noFill/>
-          <a:ln>
-            <a:solidFill>
-              <a:srgbClr val="267326"/>
-            </a:solidFill>
-          </a:ln>
-        </p:spPr>
-        <p:style>
-          <a:lnRef idx="2">
-            <a:schemeClr val="accent6"/>
-          </a:lnRef>
-          <a:fillRef idx="1">
-            <a:schemeClr val="lt1"/>
-          </a:fillRef>
-          <a:effectRef idx="0">
-            <a:schemeClr val="accent6"/>
-          </a:effectRef>
-          <a:fontRef idx="minor">
-            <a:schemeClr val="dk1"/>
-          </a:fontRef>
-        </p:style>
-        <p:txBody>
-          <a:bodyPr rtlCol="0" anchor="ctr"/>
-          <a:lstStyle/>
-          <a:p>
-            <a:pPr algn="ctr"/>
-            <a:r>
-              <a:rPr lang="de-DE" sz="1400" dirty="0">
-                <a:solidFill>
-                  <a:srgbClr val="267326"/>
-                </a:solidFill>
-                <a:latin typeface="Arial" panose="020B0604020202020204" pitchFamily="34" charset="0"/>
-                <a:cs typeface="Arial" panose="020B0604020202020204" pitchFamily="34" charset="0"/>
-              </a:rPr>
-              <a:t>Theorien</a:t>
-            </a:r>
-          </a:p>
-        </p:txBody>
-      </p:sp>
-      <p:sp>
-        <p:nvSpPr>
-          <p:cNvPr id="9" name="Rechteck 8">
-            <a:extLst>
-              <a:ext uri="{FF2B5EF4-FFF2-40B4-BE49-F238E27FC236}">
-                <a16:creationId xmlns:a16="http://schemas.microsoft.com/office/drawing/2014/main" id="{8D7DC1E7-2996-5505-CFAC-9FAA738918F7}"/>
-              </a:ext>
-            </a:extLst>
-          </p:cNvPr>
-          <p:cNvSpPr/>
-          <p:nvPr/>
-        </p:nvSpPr>
-        <p:spPr>
-          <a:xfrm>
-            <a:off x="7696481" y="2655458"/>
-            <a:ext cx="1751935" cy="667265"/>
-          </a:xfrm>
-          <a:prstGeom prst="rect">
-            <a:avLst/>
-          </a:prstGeom>
-          <a:noFill/>
-          <a:ln>
-            <a:solidFill>
-              <a:srgbClr val="267326"/>
-            </a:solidFill>
-          </a:ln>
-        </p:spPr>
-        <p:style>
-          <a:lnRef idx="2">
-            <a:schemeClr val="accent6"/>
-          </a:lnRef>
-          <a:fillRef idx="1">
-            <a:schemeClr val="lt1"/>
-          </a:fillRef>
-          <a:effectRef idx="0">
-            <a:schemeClr val="accent6"/>
-          </a:effectRef>
-          <a:fontRef idx="minor">
-            <a:schemeClr val="dk1"/>
-          </a:fontRef>
-        </p:style>
-        <p:txBody>
-          <a:bodyPr rtlCol="0" anchor="ctr"/>
-          <a:lstStyle/>
-          <a:p>
-            <a:pPr algn="ctr"/>
-            <a:r>
-              <a:rPr lang="de-DE" sz="1400" i="1" dirty="0" err="1">
-                <a:solidFill>
-                  <a:srgbClr val="267326"/>
-                </a:solidFill>
-                <a:latin typeface="Arial" panose="020B0604020202020204" pitchFamily="34" charset="0"/>
-                <a:cs typeface="Arial" panose="020B0604020202020204" pitchFamily="34" charset="0"/>
-              </a:rPr>
-              <a:t>Practitioner</a:t>
-            </a:r>
-            <a:r>
-              <a:rPr lang="de-DE" sz="1400" i="1" dirty="0">
-                <a:solidFill>
-                  <a:srgbClr val="267326"/>
-                </a:solidFill>
-                <a:latin typeface="Arial" panose="020B0604020202020204" pitchFamily="34" charset="0"/>
-                <a:cs typeface="Arial" panose="020B0604020202020204" pitchFamily="34" charset="0"/>
-              </a:rPr>
-              <a:t> Research</a:t>
-            </a:r>
-          </a:p>
-        </p:txBody>
-      </p:sp>
-      <p:sp>
-        <p:nvSpPr>
-          <p:cNvPr id="10" name="Rechteck 9">
-            <a:extLst>
-              <a:ext uri="{FF2B5EF4-FFF2-40B4-BE49-F238E27FC236}">
-                <a16:creationId xmlns:a16="http://schemas.microsoft.com/office/drawing/2014/main" id="{A3072E32-FB14-1601-6113-5503BAC5B58C}"/>
-              </a:ext>
-            </a:extLst>
-          </p:cNvPr>
-          <p:cNvSpPr/>
-          <p:nvPr/>
-        </p:nvSpPr>
-        <p:spPr>
-          <a:xfrm>
-            <a:off x="9975048" y="2646066"/>
-            <a:ext cx="1736651" cy="667265"/>
-          </a:xfrm>
-          <a:prstGeom prst="rect">
-            <a:avLst/>
-          </a:prstGeom>
-          <a:noFill/>
-          <a:ln>
-            <a:solidFill>
-              <a:srgbClr val="267326"/>
-            </a:solidFill>
-          </a:ln>
-        </p:spPr>
-        <p:style>
-          <a:lnRef idx="2">
-            <a:schemeClr val="accent6"/>
-          </a:lnRef>
-          <a:fillRef idx="1">
-            <a:schemeClr val="lt1"/>
-          </a:fillRef>
-          <a:effectRef idx="0">
-            <a:schemeClr val="accent6"/>
-          </a:effectRef>
-          <a:fontRef idx="minor">
-            <a:schemeClr val="dk1"/>
-          </a:fontRef>
-        </p:style>
-        <p:txBody>
-          <a:bodyPr rtlCol="0" anchor="ctr"/>
-          <a:lstStyle/>
-          <a:p>
-            <a:pPr algn="ctr"/>
-            <a:r>
-              <a:rPr lang="de-DE" sz="1400" dirty="0">
-                <a:solidFill>
-                  <a:srgbClr val="267326"/>
-                </a:solidFill>
-                <a:latin typeface="Arial" panose="020B0604020202020204" pitchFamily="34" charset="0"/>
-                <a:cs typeface="Arial" panose="020B0604020202020204" pitchFamily="34" charset="0"/>
-              </a:rPr>
-              <a:t>Lokale Schuldaten</a:t>
-            </a:r>
-          </a:p>
-        </p:txBody>
-      </p:sp>
-      <p:sp>
-        <p:nvSpPr>
           <p:cNvPr id="11" name="Textfeld 10">
             <a:extLst>
               <a:ext uri="{FF2B5EF4-FFF2-40B4-BE49-F238E27FC236}">
@@ -5443,7 +5091,7 @@
                   <a:srgbClr val="267326"/>
                 </a:solidFill>
               </a:rPr>
-              <a:t>evidenzbasiert</a:t>
+              <a:t>evidenzinformiert</a:t>
             </a:r>
           </a:p>
           <a:p>
@@ -5476,251 +5124,6 @@
       </p:sp>
       <p:sp>
         <p:nvSpPr>
-          <p:cNvPr id="28" name="Textfeld 27">
-            <a:extLst>
-              <a:ext uri="{FF2B5EF4-FFF2-40B4-BE49-F238E27FC236}">
-                <a16:creationId xmlns:a16="http://schemas.microsoft.com/office/drawing/2014/main" id="{D5B47C85-87A1-588A-F415-77FEFA76E215}"/>
-              </a:ext>
-            </a:extLst>
-          </p:cNvPr>
-          <p:cNvSpPr txBox="1"/>
-          <p:nvPr/>
-        </p:nvSpPr>
-        <p:spPr>
-          <a:xfrm>
-            <a:off x="1507128" y="3587651"/>
-            <a:ext cx="1579228" cy="307777"/>
-          </a:xfrm>
-          <a:prstGeom prst="rect">
-            <a:avLst/>
-          </a:prstGeom>
-          <a:noFill/>
-        </p:spPr>
-        <p:txBody>
-          <a:bodyPr wrap="square" rtlCol="0">
-            <a:spAutoFit/>
-          </a:bodyPr>
-          <a:lstStyle/>
-          <a:p>
-            <a:r>
-              <a:rPr lang="de-DE" sz="1400" dirty="0">
-                <a:solidFill>
-                  <a:srgbClr val="267326"/>
-                </a:solidFill>
-              </a:rPr>
-              <a:t>z.B. Slavin (2002)</a:t>
-            </a:r>
-          </a:p>
-        </p:txBody>
-      </p:sp>
-      <p:sp>
-        <p:nvSpPr>
-          <p:cNvPr id="30" name="Textfeld 29">
-            <a:extLst>
-              <a:ext uri="{FF2B5EF4-FFF2-40B4-BE49-F238E27FC236}">
-                <a16:creationId xmlns:a16="http://schemas.microsoft.com/office/drawing/2014/main" id="{71284AD3-28C9-81ED-7497-7CC593164B39}"/>
-              </a:ext>
-            </a:extLst>
-          </p:cNvPr>
-          <p:cNvSpPr txBox="1"/>
-          <p:nvPr/>
-        </p:nvSpPr>
-        <p:spPr>
-          <a:xfrm>
-            <a:off x="3278234" y="4923471"/>
-            <a:ext cx="1750864" cy="307777"/>
-          </a:xfrm>
-          <a:prstGeom prst="rect">
-            <a:avLst/>
-          </a:prstGeom>
-          <a:noFill/>
-        </p:spPr>
-        <p:txBody>
-          <a:bodyPr wrap="none" rtlCol="0">
-            <a:spAutoFit/>
-          </a:bodyPr>
-          <a:lstStyle/>
-          <a:p>
-            <a:r>
-              <a:rPr lang="de-DE" sz="1400" dirty="0">
-                <a:solidFill>
-                  <a:srgbClr val="267326"/>
-                </a:solidFill>
-              </a:rPr>
-              <a:t>z.B. </a:t>
-            </a:r>
-            <a:r>
-              <a:rPr lang="de-DE" sz="1400" dirty="0" err="1">
-                <a:solidFill>
-                  <a:srgbClr val="267326"/>
-                </a:solidFill>
-              </a:rPr>
-              <a:t>Goldacre</a:t>
-            </a:r>
-            <a:r>
-              <a:rPr lang="de-DE" sz="1400" dirty="0">
-                <a:solidFill>
-                  <a:srgbClr val="267326"/>
-                </a:solidFill>
-              </a:rPr>
-              <a:t> (2023)</a:t>
-            </a:r>
-          </a:p>
-        </p:txBody>
-      </p:sp>
-      <p:sp>
-        <p:nvSpPr>
-          <p:cNvPr id="32" name="Textfeld 31">
-            <a:extLst>
-              <a:ext uri="{FF2B5EF4-FFF2-40B4-BE49-F238E27FC236}">
-                <a16:creationId xmlns:a16="http://schemas.microsoft.com/office/drawing/2014/main" id="{92B17574-7060-8B56-04FF-B6B3685C3000}"/>
-              </a:ext>
-            </a:extLst>
-          </p:cNvPr>
-          <p:cNvSpPr txBox="1"/>
-          <p:nvPr/>
-        </p:nvSpPr>
-        <p:spPr>
-          <a:xfrm>
-            <a:off x="5616209" y="3569363"/>
-            <a:ext cx="1348923" cy="523220"/>
-          </a:xfrm>
-          <a:prstGeom prst="rect">
-            <a:avLst/>
-          </a:prstGeom>
-          <a:noFill/>
-        </p:spPr>
-        <p:txBody>
-          <a:bodyPr wrap="square" rtlCol="0">
-            <a:spAutoFit/>
-          </a:bodyPr>
-          <a:lstStyle/>
-          <a:p>
-            <a:r>
-              <a:rPr lang="de-DE" sz="1400" dirty="0">
-                <a:solidFill>
-                  <a:srgbClr val="267326"/>
-                </a:solidFill>
-              </a:rPr>
-              <a:t>z.B. </a:t>
-            </a:r>
-            <a:r>
-              <a:rPr lang="de-DE" sz="1400" dirty="0" err="1">
-                <a:solidFill>
-                  <a:srgbClr val="267326"/>
-                </a:solidFill>
-              </a:rPr>
-              <a:t>Rochnia</a:t>
-            </a:r>
-            <a:r>
-              <a:rPr lang="de-DE" sz="1400" dirty="0">
-                <a:solidFill>
-                  <a:srgbClr val="267326"/>
-                </a:solidFill>
-              </a:rPr>
-              <a:t> &amp; </a:t>
-            </a:r>
-          </a:p>
-          <a:p>
-            <a:r>
-              <a:rPr lang="de-DE" sz="1400" dirty="0" err="1">
-                <a:solidFill>
-                  <a:srgbClr val="267326"/>
-                </a:solidFill>
-              </a:rPr>
-              <a:t>Gräsel</a:t>
-            </a:r>
-            <a:r>
-              <a:rPr lang="de-DE" sz="1400" dirty="0">
-                <a:solidFill>
-                  <a:srgbClr val="267326"/>
-                </a:solidFill>
-              </a:rPr>
-              <a:t> (2022)</a:t>
-            </a:r>
-          </a:p>
-        </p:txBody>
-      </p:sp>
-      <p:sp>
-        <p:nvSpPr>
-          <p:cNvPr id="33" name="Textfeld 32">
-            <a:extLst>
-              <a:ext uri="{FF2B5EF4-FFF2-40B4-BE49-F238E27FC236}">
-                <a16:creationId xmlns:a16="http://schemas.microsoft.com/office/drawing/2014/main" id="{C8D5919B-9485-8B16-9F78-BC2690CC008B}"/>
-              </a:ext>
-            </a:extLst>
-          </p:cNvPr>
-          <p:cNvSpPr txBox="1"/>
-          <p:nvPr/>
-        </p:nvSpPr>
-        <p:spPr>
-          <a:xfrm>
-            <a:off x="7797180" y="3621024"/>
-            <a:ext cx="1557286" cy="307777"/>
-          </a:xfrm>
-          <a:prstGeom prst="rect">
-            <a:avLst/>
-          </a:prstGeom>
-          <a:noFill/>
-        </p:spPr>
-        <p:txBody>
-          <a:bodyPr wrap="none" rtlCol="0">
-            <a:spAutoFit/>
-          </a:bodyPr>
-          <a:lstStyle/>
-          <a:p>
-            <a:r>
-              <a:rPr lang="de-DE" sz="1400" dirty="0">
-                <a:solidFill>
-                  <a:srgbClr val="267326"/>
-                </a:solidFill>
-              </a:rPr>
-              <a:t>z.B. Davies (1999)</a:t>
-            </a:r>
-          </a:p>
-        </p:txBody>
-      </p:sp>
-      <p:sp>
-        <p:nvSpPr>
-          <p:cNvPr id="34" name="Textfeld 33">
-            <a:extLst>
-              <a:ext uri="{FF2B5EF4-FFF2-40B4-BE49-F238E27FC236}">
-                <a16:creationId xmlns:a16="http://schemas.microsoft.com/office/drawing/2014/main" id="{10E3B606-FC9A-58ED-3D48-44BC9C134BE2}"/>
-              </a:ext>
-            </a:extLst>
-          </p:cNvPr>
-          <p:cNvSpPr txBox="1"/>
-          <p:nvPr/>
-        </p:nvSpPr>
-        <p:spPr>
-          <a:xfrm>
-            <a:off x="10030907" y="3621024"/>
-            <a:ext cx="1624932" cy="307777"/>
-          </a:xfrm>
-          <a:prstGeom prst="rect">
-            <a:avLst/>
-          </a:prstGeom>
-          <a:noFill/>
-        </p:spPr>
-        <p:txBody>
-          <a:bodyPr wrap="none" rtlCol="0">
-            <a:spAutoFit/>
-          </a:bodyPr>
-          <a:lstStyle/>
-          <a:p>
-            <a:r>
-              <a:rPr lang="de-DE" sz="1400" dirty="0">
-                <a:solidFill>
-                  <a:srgbClr val="267326"/>
-                </a:solidFill>
-              </a:rPr>
-              <a:t>z.B. Demski (2017)</a:t>
-            </a:r>
-          </a:p>
-        </p:txBody>
-      </p:sp>
-      <p:sp>
-        <p:nvSpPr>
           <p:cNvPr id="3" name="Rechteck 2">
             <a:extLst>
               <a:ext uri="{FF2B5EF4-FFF2-40B4-BE49-F238E27FC236}">
@@ -5733,8 +5136,8 @@
         </p:nvSpPr>
         <p:spPr>
           <a:xfrm>
-            <a:off x="565454" y="928754"/>
-            <a:ext cx="6895725" cy="5362318"/>
+            <a:off x="565454" y="1060704"/>
+            <a:ext cx="6895725" cy="3383280"/>
           </a:xfrm>
           <a:prstGeom prst="rect">
             <a:avLst/>
@@ -5772,10 +5175,10 @@
       </p:sp>
       <p:sp>
         <p:nvSpPr>
-          <p:cNvPr id="7" name="Rechteck 6">
-            <a:extLst>
-              <a:ext uri="{FF2B5EF4-FFF2-40B4-BE49-F238E27FC236}">
-                <a16:creationId xmlns:a16="http://schemas.microsoft.com/office/drawing/2014/main" id="{9B5DCD2A-5BCF-BE82-8E01-B7D39E001677}"/>
+          <p:cNvPr id="2" name="Rechteck 1">
+            <a:extLst>
+              <a:ext uri="{FF2B5EF4-FFF2-40B4-BE49-F238E27FC236}">
+                <a16:creationId xmlns:a16="http://schemas.microsoft.com/office/drawing/2014/main" id="{237382A4-B696-E1A0-13B2-3288EB92CEE6}"/>
               </a:ext>
             </a:extLst>
           </p:cNvPr>
@@ -5784,8 +5187,8 @@
         </p:nvSpPr>
         <p:spPr>
           <a:xfrm>
-            <a:off x="763097" y="1280159"/>
-            <a:ext cx="2566788" cy="2812423"/>
+            <a:off x="451945" y="749808"/>
+            <a:ext cx="9057815" cy="4096512"/>
           </a:xfrm>
           <a:prstGeom prst="rect">
             <a:avLst/>
@@ -5823,10 +5226,10 @@
       </p:sp>
       <p:sp>
         <p:nvSpPr>
-          <p:cNvPr id="12" name="Rechteck 11">
-            <a:extLst>
-              <a:ext uri="{FF2B5EF4-FFF2-40B4-BE49-F238E27FC236}">
-                <a16:creationId xmlns:a16="http://schemas.microsoft.com/office/drawing/2014/main" id="{6E6951BE-EA64-8C76-62D5-A069F0FCE261}"/>
+          <p:cNvPr id="15" name="Rechteck 14">
+            <a:extLst>
+              <a:ext uri="{FF2B5EF4-FFF2-40B4-BE49-F238E27FC236}">
+                <a16:creationId xmlns:a16="http://schemas.microsoft.com/office/drawing/2014/main" id="{B125DB4E-06A0-5666-621D-5733B916C306}"/>
               </a:ext>
             </a:extLst>
           </p:cNvPr>
@@ -5835,8 +5238,8 @@
         </p:nvSpPr>
         <p:spPr>
           <a:xfrm>
-            <a:off x="670978" y="1115568"/>
-            <a:ext cx="4504526" cy="4992624"/>
+            <a:off x="325821" y="566929"/>
+            <a:ext cx="11250483" cy="4681727"/>
           </a:xfrm>
           <a:prstGeom prst="rect">
             <a:avLst/>
@@ -5874,10 +5277,10 @@
       </p:sp>
       <p:sp>
         <p:nvSpPr>
-          <p:cNvPr id="2" name="Rechteck 1">
-            <a:extLst>
-              <a:ext uri="{FF2B5EF4-FFF2-40B4-BE49-F238E27FC236}">
-                <a16:creationId xmlns:a16="http://schemas.microsoft.com/office/drawing/2014/main" id="{237382A4-B696-E1A0-13B2-3288EB92CEE6}"/>
+          <p:cNvPr id="24" name="Rechteck 23">
+            <a:extLst>
+              <a:ext uri="{FF2B5EF4-FFF2-40B4-BE49-F238E27FC236}">
+                <a16:creationId xmlns:a16="http://schemas.microsoft.com/office/drawing/2014/main" id="{F4092A3B-48B6-1413-A791-A9391EE24DC9}"/>
               </a:ext>
             </a:extLst>
           </p:cNvPr>
@@ -5886,8 +5289,485 @@
         </p:nvSpPr>
         <p:spPr>
           <a:xfrm>
-            <a:off x="451945" y="749808"/>
-            <a:ext cx="9295559" cy="5742432"/>
+            <a:off x="3484489" y="2639176"/>
+            <a:ext cx="1751935" cy="667265"/>
+          </a:xfrm>
+          <a:prstGeom prst="rect">
+            <a:avLst/>
+          </a:prstGeom>
+          <a:noFill/>
+          <a:ln>
+            <a:solidFill>
+              <a:srgbClr val="267326"/>
+            </a:solidFill>
+          </a:ln>
+        </p:spPr>
+        <p:style>
+          <a:lnRef idx="2">
+            <a:schemeClr val="accent6"/>
+          </a:lnRef>
+          <a:fillRef idx="1">
+            <a:schemeClr val="lt1"/>
+          </a:fillRef>
+          <a:effectRef idx="0">
+            <a:schemeClr val="accent6"/>
+          </a:effectRef>
+          <a:fontRef idx="minor">
+            <a:schemeClr val="dk1"/>
+          </a:fontRef>
+        </p:style>
+        <p:txBody>
+          <a:bodyPr rtlCol="0" anchor="ctr"/>
+          <a:lstStyle/>
+          <a:p>
+            <a:pPr algn="ctr"/>
+            <a:r>
+              <a:rPr lang="de-DE" sz="1400" dirty="0">
+                <a:solidFill>
+                  <a:srgbClr val="267326"/>
+                </a:solidFill>
+                <a:latin typeface="Arial" panose="020B0604020202020204" pitchFamily="34" charset="0"/>
+                <a:cs typeface="Arial" panose="020B0604020202020204" pitchFamily="34" charset="0"/>
+              </a:rPr>
+              <a:t>Weitere quantitative Studien</a:t>
+            </a:r>
+          </a:p>
+        </p:txBody>
+      </p:sp>
+      <p:sp>
+        <p:nvSpPr>
+          <p:cNvPr id="25" name="Rechteck 24">
+            <a:extLst>
+              <a:ext uri="{FF2B5EF4-FFF2-40B4-BE49-F238E27FC236}">
+                <a16:creationId xmlns:a16="http://schemas.microsoft.com/office/drawing/2014/main" id="{0CA9DD72-F862-7D7D-E346-FF48A6D62ADB}"/>
+              </a:ext>
+            </a:extLst>
+          </p:cNvPr>
+          <p:cNvSpPr/>
+          <p:nvPr/>
+        </p:nvSpPr>
+        <p:spPr>
+          <a:xfrm>
+            <a:off x="5543510" y="2639176"/>
+            <a:ext cx="1751935" cy="667265"/>
+          </a:xfrm>
+          <a:prstGeom prst="rect">
+            <a:avLst/>
+          </a:prstGeom>
+          <a:noFill/>
+          <a:ln>
+            <a:solidFill>
+              <a:srgbClr val="267326"/>
+            </a:solidFill>
+          </a:ln>
+        </p:spPr>
+        <p:style>
+          <a:lnRef idx="2">
+            <a:schemeClr val="accent6"/>
+          </a:lnRef>
+          <a:fillRef idx="1">
+            <a:schemeClr val="lt1"/>
+          </a:fillRef>
+          <a:effectRef idx="0">
+            <a:schemeClr val="accent6"/>
+          </a:effectRef>
+          <a:fontRef idx="minor">
+            <a:schemeClr val="dk1"/>
+          </a:fontRef>
+        </p:style>
+        <p:txBody>
+          <a:bodyPr rtlCol="0" anchor="ctr"/>
+          <a:lstStyle/>
+          <a:p>
+            <a:pPr algn="ctr"/>
+            <a:r>
+              <a:rPr lang="de-DE" sz="1400" dirty="0">
+                <a:solidFill>
+                  <a:srgbClr val="267326"/>
+                </a:solidFill>
+                <a:latin typeface="Arial" panose="020B0604020202020204" pitchFamily="34" charset="0"/>
+                <a:cs typeface="Arial" panose="020B0604020202020204" pitchFamily="34" charset="0"/>
+              </a:rPr>
+              <a:t>Qualitative Studien</a:t>
+            </a:r>
+          </a:p>
+        </p:txBody>
+      </p:sp>
+      <p:sp>
+        <p:nvSpPr>
+          <p:cNvPr id="26" name="Rechteck 25">
+            <a:extLst>
+              <a:ext uri="{FF2B5EF4-FFF2-40B4-BE49-F238E27FC236}">
+                <a16:creationId xmlns:a16="http://schemas.microsoft.com/office/drawing/2014/main" id="{B3BCC734-F491-5BC2-E118-5450AC084F4E}"/>
+              </a:ext>
+            </a:extLst>
+          </p:cNvPr>
+          <p:cNvSpPr/>
+          <p:nvPr/>
+        </p:nvSpPr>
+        <p:spPr>
+          <a:xfrm>
+            <a:off x="7602531" y="2646066"/>
+            <a:ext cx="1751935" cy="667265"/>
+          </a:xfrm>
+          <a:prstGeom prst="rect">
+            <a:avLst/>
+          </a:prstGeom>
+          <a:noFill/>
+          <a:ln>
+            <a:solidFill>
+              <a:srgbClr val="267326"/>
+            </a:solidFill>
+          </a:ln>
+        </p:spPr>
+        <p:style>
+          <a:lnRef idx="2">
+            <a:schemeClr val="accent6"/>
+          </a:lnRef>
+          <a:fillRef idx="1">
+            <a:schemeClr val="lt1"/>
+          </a:fillRef>
+          <a:effectRef idx="0">
+            <a:schemeClr val="accent6"/>
+          </a:effectRef>
+          <a:fontRef idx="minor">
+            <a:schemeClr val="dk1"/>
+          </a:fontRef>
+        </p:style>
+        <p:txBody>
+          <a:bodyPr rtlCol="0" anchor="ctr"/>
+          <a:lstStyle/>
+          <a:p>
+            <a:pPr algn="ctr"/>
+            <a:r>
+              <a:rPr lang="de-DE" sz="1400" dirty="0">
+                <a:solidFill>
+                  <a:srgbClr val="267326"/>
+                </a:solidFill>
+                <a:latin typeface="Arial" panose="020B0604020202020204" pitchFamily="34" charset="0"/>
+                <a:cs typeface="Arial" panose="020B0604020202020204" pitchFamily="34" charset="0"/>
+              </a:rPr>
+              <a:t>Theorien</a:t>
+            </a:r>
+          </a:p>
+        </p:txBody>
+      </p:sp>
+      <p:sp>
+        <p:nvSpPr>
+          <p:cNvPr id="27" name="Rechteck 26">
+            <a:extLst>
+              <a:ext uri="{FF2B5EF4-FFF2-40B4-BE49-F238E27FC236}">
+                <a16:creationId xmlns:a16="http://schemas.microsoft.com/office/drawing/2014/main" id="{2B73AD53-BE4B-B72B-9DE0-C248A911CE7E}"/>
+              </a:ext>
+            </a:extLst>
+          </p:cNvPr>
+          <p:cNvSpPr/>
+          <p:nvPr/>
+        </p:nvSpPr>
+        <p:spPr>
+          <a:xfrm>
+            <a:off x="9661552" y="2630534"/>
+            <a:ext cx="1751935" cy="667265"/>
+          </a:xfrm>
+          <a:prstGeom prst="rect">
+            <a:avLst/>
+          </a:prstGeom>
+          <a:noFill/>
+          <a:ln>
+            <a:solidFill>
+              <a:srgbClr val="267326"/>
+            </a:solidFill>
+          </a:ln>
+        </p:spPr>
+        <p:style>
+          <a:lnRef idx="2">
+            <a:schemeClr val="accent6"/>
+          </a:lnRef>
+          <a:fillRef idx="1">
+            <a:schemeClr val="lt1"/>
+          </a:fillRef>
+          <a:effectRef idx="0">
+            <a:schemeClr val="accent6"/>
+          </a:effectRef>
+          <a:fontRef idx="minor">
+            <a:schemeClr val="dk1"/>
+          </a:fontRef>
+        </p:style>
+        <p:txBody>
+          <a:bodyPr rtlCol="0" anchor="ctr"/>
+          <a:lstStyle/>
+          <a:p>
+            <a:pPr algn="ctr"/>
+            <a:r>
+              <a:rPr lang="de-DE" sz="1400" i="1" dirty="0" err="1">
+                <a:solidFill>
+                  <a:srgbClr val="267326"/>
+                </a:solidFill>
+                <a:latin typeface="Arial" panose="020B0604020202020204" pitchFamily="34" charset="0"/>
+                <a:cs typeface="Arial" panose="020B0604020202020204" pitchFamily="34" charset="0"/>
+              </a:rPr>
+              <a:t>Practitioner</a:t>
+            </a:r>
+            <a:r>
+              <a:rPr lang="de-DE" sz="1400" i="1" dirty="0">
+                <a:solidFill>
+                  <a:srgbClr val="267326"/>
+                </a:solidFill>
+                <a:latin typeface="Arial" panose="020B0604020202020204" pitchFamily="34" charset="0"/>
+                <a:cs typeface="Arial" panose="020B0604020202020204" pitchFamily="34" charset="0"/>
+              </a:rPr>
+              <a:t> Research</a:t>
+            </a:r>
+          </a:p>
+        </p:txBody>
+      </p:sp>
+      <p:sp>
+        <p:nvSpPr>
+          <p:cNvPr id="29" name="Rechteck 28">
+            <a:extLst>
+              <a:ext uri="{FF2B5EF4-FFF2-40B4-BE49-F238E27FC236}">
+                <a16:creationId xmlns:a16="http://schemas.microsoft.com/office/drawing/2014/main" id="{A2DD669B-C696-682A-2A37-B473BF4168F9}"/>
+              </a:ext>
+            </a:extLst>
+          </p:cNvPr>
+          <p:cNvSpPr/>
+          <p:nvPr/>
+        </p:nvSpPr>
+        <p:spPr>
+          <a:xfrm>
+            <a:off x="11720516" y="2624680"/>
+            <a:ext cx="1736651" cy="667265"/>
+          </a:xfrm>
+          <a:prstGeom prst="rect">
+            <a:avLst/>
+          </a:prstGeom>
+          <a:noFill/>
+          <a:ln>
+            <a:solidFill>
+              <a:srgbClr val="267326"/>
+            </a:solidFill>
+          </a:ln>
+        </p:spPr>
+        <p:style>
+          <a:lnRef idx="2">
+            <a:schemeClr val="accent6"/>
+          </a:lnRef>
+          <a:fillRef idx="1">
+            <a:schemeClr val="lt1"/>
+          </a:fillRef>
+          <a:effectRef idx="0">
+            <a:schemeClr val="accent6"/>
+          </a:effectRef>
+          <a:fontRef idx="minor">
+            <a:schemeClr val="dk1"/>
+          </a:fontRef>
+        </p:style>
+        <p:txBody>
+          <a:bodyPr rtlCol="0" anchor="ctr"/>
+          <a:lstStyle/>
+          <a:p>
+            <a:pPr algn="ctr"/>
+            <a:r>
+              <a:rPr lang="de-DE" sz="1400" dirty="0">
+                <a:solidFill>
+                  <a:srgbClr val="267326"/>
+                </a:solidFill>
+                <a:latin typeface="Arial" panose="020B0604020202020204" pitchFamily="34" charset="0"/>
+                <a:cs typeface="Arial" panose="020B0604020202020204" pitchFamily="34" charset="0"/>
+              </a:rPr>
+              <a:t>Lokale Schuldaten</a:t>
+            </a:r>
+          </a:p>
+        </p:txBody>
+      </p:sp>
+      <p:sp>
+        <p:nvSpPr>
+          <p:cNvPr id="31" name="Textfeld 30">
+            <a:extLst>
+              <a:ext uri="{FF2B5EF4-FFF2-40B4-BE49-F238E27FC236}">
+                <a16:creationId xmlns:a16="http://schemas.microsoft.com/office/drawing/2014/main" id="{3F1DE700-358D-EABD-CCAE-81CFB2068168}"/>
+              </a:ext>
+            </a:extLst>
+          </p:cNvPr>
+          <p:cNvSpPr txBox="1"/>
+          <p:nvPr/>
+        </p:nvSpPr>
+        <p:spPr>
+          <a:xfrm>
+            <a:off x="3136646" y="3547223"/>
+            <a:ext cx="2257798" cy="307777"/>
+          </a:xfrm>
+          <a:prstGeom prst="rect">
+            <a:avLst/>
+          </a:prstGeom>
+          <a:noFill/>
+        </p:spPr>
+        <p:txBody>
+          <a:bodyPr wrap="none" rtlCol="0">
+            <a:spAutoFit/>
+          </a:bodyPr>
+          <a:lstStyle/>
+          <a:p>
+            <a:r>
+              <a:rPr lang="de-DE" sz="1400" dirty="0">
+                <a:solidFill>
+                  <a:srgbClr val="267326"/>
+                </a:solidFill>
+              </a:rPr>
+              <a:t>z.B. </a:t>
+            </a:r>
+            <a:r>
+              <a:rPr lang="de-DE" sz="1400" dirty="0" err="1">
+                <a:solidFill>
+                  <a:srgbClr val="267326"/>
+                </a:solidFill>
+              </a:rPr>
+              <a:t>Shavelson</a:t>
+            </a:r>
+            <a:r>
+              <a:rPr lang="de-DE" sz="1400" dirty="0">
+                <a:solidFill>
+                  <a:srgbClr val="267326"/>
+                </a:solidFill>
+              </a:rPr>
+              <a:t> et al. (2021)</a:t>
+            </a:r>
+          </a:p>
+        </p:txBody>
+      </p:sp>
+      <p:sp>
+        <p:nvSpPr>
+          <p:cNvPr id="35" name="Textfeld 34">
+            <a:extLst>
+              <a:ext uri="{FF2B5EF4-FFF2-40B4-BE49-F238E27FC236}">
+                <a16:creationId xmlns:a16="http://schemas.microsoft.com/office/drawing/2014/main" id="{08A48DBE-B49F-6D14-87A8-418FBC88F99A}"/>
+              </a:ext>
+            </a:extLst>
+          </p:cNvPr>
+          <p:cNvSpPr txBox="1"/>
+          <p:nvPr/>
+        </p:nvSpPr>
+        <p:spPr>
+          <a:xfrm>
+            <a:off x="7587303" y="3546424"/>
+            <a:ext cx="1751934" cy="307777"/>
+          </a:xfrm>
+          <a:prstGeom prst="rect">
+            <a:avLst/>
+          </a:prstGeom>
+          <a:noFill/>
+        </p:spPr>
+        <p:txBody>
+          <a:bodyPr wrap="square" rtlCol="0">
+            <a:spAutoFit/>
+          </a:bodyPr>
+          <a:lstStyle/>
+          <a:p>
+            <a:r>
+              <a:rPr lang="de-DE" sz="1400" dirty="0">
+                <a:solidFill>
+                  <a:srgbClr val="267326"/>
+                </a:solidFill>
+              </a:rPr>
+              <a:t>z.B. Ferguson (2021)</a:t>
+            </a:r>
+          </a:p>
+        </p:txBody>
+      </p:sp>
+      <p:sp>
+        <p:nvSpPr>
+          <p:cNvPr id="36" name="Textfeld 35">
+            <a:extLst>
+              <a:ext uri="{FF2B5EF4-FFF2-40B4-BE49-F238E27FC236}">
+                <a16:creationId xmlns:a16="http://schemas.microsoft.com/office/drawing/2014/main" id="{CC5EBC89-EC11-D05F-972F-25C74D3F6AF6}"/>
+              </a:ext>
+            </a:extLst>
+          </p:cNvPr>
+          <p:cNvSpPr txBox="1"/>
+          <p:nvPr/>
+        </p:nvSpPr>
+        <p:spPr>
+          <a:xfrm>
+            <a:off x="9758875" y="3546424"/>
+            <a:ext cx="805798" cy="307777"/>
+          </a:xfrm>
+          <a:prstGeom prst="rect">
+            <a:avLst/>
+          </a:prstGeom>
+          <a:noFill/>
+        </p:spPr>
+        <p:txBody>
+          <a:bodyPr wrap="none" rtlCol="0">
+            <a:spAutoFit/>
+          </a:bodyPr>
+          <a:lstStyle/>
+          <a:p>
+            <a:r>
+              <a:rPr lang="de-DE" sz="1400" dirty="0">
+                <a:solidFill>
+                  <a:srgbClr val="267326"/>
+                </a:solidFill>
+              </a:rPr>
+              <a:t>z.B. XXX</a:t>
+            </a:r>
+          </a:p>
+        </p:txBody>
+      </p:sp>
+      <p:sp>
+        <p:nvSpPr>
+          <p:cNvPr id="37" name="Textfeld 36">
+            <a:extLst>
+              <a:ext uri="{FF2B5EF4-FFF2-40B4-BE49-F238E27FC236}">
+                <a16:creationId xmlns:a16="http://schemas.microsoft.com/office/drawing/2014/main" id="{E27860B8-97EC-A66B-5F1E-D7D8195B8483}"/>
+              </a:ext>
+            </a:extLst>
+          </p:cNvPr>
+          <p:cNvSpPr txBox="1"/>
+          <p:nvPr/>
+        </p:nvSpPr>
+        <p:spPr>
+          <a:xfrm>
+            <a:off x="11776375" y="3546423"/>
+            <a:ext cx="1957972" cy="307777"/>
+          </a:xfrm>
+          <a:prstGeom prst="rect">
+            <a:avLst/>
+          </a:prstGeom>
+          <a:noFill/>
+        </p:spPr>
+        <p:txBody>
+          <a:bodyPr wrap="none" rtlCol="0">
+            <a:spAutoFit/>
+          </a:bodyPr>
+          <a:lstStyle/>
+          <a:p>
+            <a:r>
+              <a:rPr lang="de-DE" sz="1400" dirty="0">
+                <a:solidFill>
+                  <a:srgbClr val="267326"/>
+                </a:solidFill>
+              </a:rPr>
+              <a:t>z.B. Schildkamp (2019)</a:t>
+            </a:r>
+          </a:p>
+        </p:txBody>
+      </p:sp>
+      <p:sp>
+        <p:nvSpPr>
+          <p:cNvPr id="38" name="Rechteck 37">
+            <a:extLst>
+              <a:ext uri="{FF2B5EF4-FFF2-40B4-BE49-F238E27FC236}">
+                <a16:creationId xmlns:a16="http://schemas.microsoft.com/office/drawing/2014/main" id="{BA943768-1ED0-0FED-D2AE-E9EB2C6F5EBF}"/>
+              </a:ext>
+            </a:extLst>
+          </p:cNvPr>
+          <p:cNvSpPr/>
+          <p:nvPr/>
+        </p:nvSpPr>
+        <p:spPr>
+          <a:xfrm>
+            <a:off x="146304" y="365761"/>
+            <a:ext cx="13496543" cy="5212080"/>
           </a:xfrm>
           <a:prstGeom prst="rect">
             <a:avLst/>
@@ -5923,61 +5803,10 @@
           </a:p>
         </p:txBody>
       </p:sp>
-      <p:sp>
-        <p:nvSpPr>
-          <p:cNvPr id="15" name="Rechteck 14">
-            <a:extLst>
-              <a:ext uri="{FF2B5EF4-FFF2-40B4-BE49-F238E27FC236}">
-                <a16:creationId xmlns:a16="http://schemas.microsoft.com/office/drawing/2014/main" id="{B125DB4E-06A0-5666-621D-5733B916C306}"/>
-              </a:ext>
-            </a:extLst>
-          </p:cNvPr>
-          <p:cNvSpPr/>
-          <p:nvPr/>
-        </p:nvSpPr>
-        <p:spPr>
-          <a:xfrm>
-            <a:off x="325821" y="566929"/>
-            <a:ext cx="11597955" cy="6108191"/>
-          </a:xfrm>
-          <a:prstGeom prst="rect">
-            <a:avLst/>
-          </a:prstGeom>
-          <a:noFill/>
-          <a:ln>
-            <a:solidFill>
-              <a:srgbClr val="267326"/>
-            </a:solidFill>
-            <a:prstDash val="lgDash"/>
-          </a:ln>
-        </p:spPr>
-        <p:style>
-          <a:lnRef idx="2">
-            <a:schemeClr val="accent6"/>
-          </a:lnRef>
-          <a:fillRef idx="1">
-            <a:schemeClr val="lt1"/>
-          </a:fillRef>
-          <a:effectRef idx="0">
-            <a:schemeClr val="accent6"/>
-          </a:effectRef>
-          <a:fontRef idx="minor">
-            <a:schemeClr val="dk1"/>
-          </a:fontRef>
-        </p:style>
-        <p:txBody>
-          <a:bodyPr rtlCol="0" anchor="ctr"/>
-          <a:lstStyle/>
-          <a:p>
-            <a:pPr algn="ctr"/>
-            <a:endParaRPr lang="de-DE"/>
-          </a:p>
-        </p:txBody>
-      </p:sp>
     </p:spTree>
     <p:extLst>
       <p:ext uri="{BB962C8B-B14F-4D97-AF65-F5344CB8AC3E}">
-        <p14:creationId xmlns:p14="http://schemas.microsoft.com/office/powerpoint/2010/main" val="292220802"/>
+        <p14:creationId xmlns:p14="http://schemas.microsoft.com/office/powerpoint/2010/main" val="3475301405"/>
       </p:ext>
     </p:extLst>
   </p:cSld>
@@ -6027,7 +5856,7 @@
           <a:noFill/>
           <a:ln>
             <a:solidFill>
-              <a:srgbClr val="267326"/>
+              <a:schemeClr val="tx1"/>
             </a:solidFill>
           </a:ln>
           <a:effectLst/>
@@ -6054,7 +5883,7 @@
             <a:r>
               <a:rPr lang="de-DE" sz="1400" dirty="0">
                 <a:solidFill>
-                  <a:srgbClr val="267326"/>
+                  <a:schemeClr val="tx1"/>
                 </a:solidFill>
                 <a:latin typeface="Arial" panose="020B0604020202020204" pitchFamily="34" charset="0"/>
                 <a:cs typeface="Arial" panose="020B0604020202020204" pitchFamily="34" charset="0"/>
@@ -6094,9 +5923,6 @@
           <a:p>
             <a:r>
               <a:rPr lang="de-DE" sz="2400" b="1" dirty="0">
-                <a:solidFill>
-                  <a:srgbClr val="267326"/>
-                </a:solidFill>
                 <a:latin typeface="Arial" panose="020B0604020202020204" pitchFamily="34" charset="0"/>
                 <a:cs typeface="Arial" panose="020B0604020202020204" pitchFamily="34" charset="0"/>
               </a:rPr>
@@ -6120,7 +5946,7 @@
         <p:spPr>
           <a:xfrm>
             <a:off x="925091" y="1415140"/>
-            <a:ext cx="2377505" cy="707886"/>
+            <a:ext cx="2559398" cy="707886"/>
           </a:xfrm>
           <a:prstGeom prst="rect">
             <a:avLst/>
@@ -6134,37 +5960,21 @@
           <a:lstStyle/>
           <a:p>
             <a:r>
-              <a:rPr lang="de-DE" sz="2000" b="1" dirty="0">
-                <a:solidFill>
-                  <a:srgbClr val="267326"/>
-                </a:solidFill>
-              </a:rPr>
+              <a:rPr lang="de-DE" sz="2000" b="1" dirty="0"/>
               <a:t>evidenzinformiert</a:t>
             </a:r>
           </a:p>
           <a:p>
             <a:r>
-              <a:rPr lang="de-DE" sz="2000" b="1" dirty="0">
-                <a:solidFill>
-                  <a:srgbClr val="267326"/>
-                </a:solidFill>
-              </a:rPr>
+              <a:rPr lang="de-DE" sz="2000" b="1" dirty="0"/>
               <a:t>(</a:t>
             </a:r>
             <a:r>
-              <a:rPr lang="de-DE" sz="2000" b="1" dirty="0" err="1">
-                <a:solidFill>
-                  <a:srgbClr val="267326"/>
-                </a:solidFill>
-              </a:rPr>
-              <a:t>evidence-based</a:t>
-            </a:r>
-            <a:r>
-              <a:rPr lang="de-DE" sz="2000" b="1" dirty="0">
-                <a:solidFill>
-                  <a:srgbClr val="267326"/>
-                </a:solidFill>
-              </a:rPr>
+              <a:rPr lang="de-DE" sz="2000" b="1" dirty="0" err="1"/>
+              <a:t>evidence-informed</a:t>
+            </a:r>
+            <a:r>
+              <a:rPr lang="de-DE" sz="2000" b="1" dirty="0"/>
               <a:t>)</a:t>
             </a:r>
           </a:p>
@@ -6193,7 +6003,7 @@
           <a:noFill/>
           <a:ln>
             <a:solidFill>
-              <a:srgbClr val="267326"/>
+              <a:schemeClr val="tx1"/>
             </a:solidFill>
             <a:prstDash val="lgDash"/>
           </a:ln>
@@ -6217,7 +6027,11 @@
           <a:lstStyle/>
           <a:p>
             <a:pPr algn="ctr"/>
-            <a:endParaRPr lang="de-DE"/>
+            <a:endParaRPr lang="de-DE">
+              <a:solidFill>
+                <a:schemeClr val="tx1"/>
+              </a:solidFill>
+            </a:endParaRPr>
           </a:p>
         </p:txBody>
       </p:sp>
@@ -6244,7 +6058,7 @@
           <a:noFill/>
           <a:ln>
             <a:solidFill>
-              <a:srgbClr val="267326"/>
+              <a:schemeClr val="tx1"/>
             </a:solidFill>
             <a:prstDash val="lgDash"/>
           </a:ln>
@@ -6268,7 +6082,11 @@
           <a:lstStyle/>
           <a:p>
             <a:pPr algn="ctr"/>
-            <a:endParaRPr lang="de-DE"/>
+            <a:endParaRPr lang="de-DE">
+              <a:solidFill>
+                <a:schemeClr val="tx1"/>
+              </a:solidFill>
+            </a:endParaRPr>
           </a:p>
         </p:txBody>
       </p:sp>
@@ -6295,7 +6113,7 @@
           <a:noFill/>
           <a:ln>
             <a:solidFill>
-              <a:srgbClr val="267326"/>
+              <a:schemeClr val="tx1"/>
             </a:solidFill>
             <a:prstDash val="lgDash"/>
           </a:ln>
@@ -6319,7 +6137,11 @@
           <a:lstStyle/>
           <a:p>
             <a:pPr algn="ctr"/>
-            <a:endParaRPr lang="de-DE"/>
+            <a:endParaRPr lang="de-DE">
+              <a:solidFill>
+                <a:schemeClr val="tx1"/>
+              </a:solidFill>
+            </a:endParaRPr>
           </a:p>
         </p:txBody>
       </p:sp>
@@ -6337,7 +6159,7 @@
         </p:nvSpPr>
         <p:spPr>
           <a:xfrm>
-            <a:off x="3484489" y="2639176"/>
+            <a:off x="3484489" y="2652354"/>
             <a:ext cx="1751935" cy="667265"/>
           </a:xfrm>
           <a:prstGeom prst="rect">
@@ -6346,7 +6168,7 @@
           <a:noFill/>
           <a:ln>
             <a:solidFill>
-              <a:srgbClr val="267326"/>
+              <a:schemeClr val="tx1"/>
             </a:solidFill>
           </a:ln>
         </p:spPr>
@@ -6372,7 +6194,7 @@
             <a:r>
               <a:rPr lang="de-DE" sz="1400" dirty="0">
                 <a:solidFill>
-                  <a:srgbClr val="267326"/>
+                  <a:schemeClr val="tx1"/>
                 </a:solidFill>
                 <a:latin typeface="Arial" panose="020B0604020202020204" pitchFamily="34" charset="0"/>
                 <a:cs typeface="Arial" panose="020B0604020202020204" pitchFamily="34" charset="0"/>
@@ -6396,7 +6218,7 @@
         </p:nvSpPr>
         <p:spPr>
           <a:xfrm>
-            <a:off x="5543510" y="2639176"/>
+            <a:off x="5548201" y="2646066"/>
             <a:ext cx="1751935" cy="667265"/>
           </a:xfrm>
           <a:prstGeom prst="rect">
@@ -6405,7 +6227,7 @@
           <a:noFill/>
           <a:ln>
             <a:solidFill>
-              <a:srgbClr val="267326"/>
+              <a:schemeClr val="tx1"/>
             </a:solidFill>
           </a:ln>
         </p:spPr>
@@ -6431,7 +6253,7 @@
             <a:r>
               <a:rPr lang="de-DE" sz="1400" dirty="0">
                 <a:solidFill>
-                  <a:srgbClr val="267326"/>
+                  <a:schemeClr val="tx1"/>
                 </a:solidFill>
                 <a:latin typeface="Arial" panose="020B0604020202020204" pitchFamily="34" charset="0"/>
                 <a:cs typeface="Arial" panose="020B0604020202020204" pitchFamily="34" charset="0"/>
@@ -6455,7 +6277,7 @@
         </p:nvSpPr>
         <p:spPr>
           <a:xfrm>
-            <a:off x="7602531" y="2646066"/>
+            <a:off x="7602531" y="2652354"/>
             <a:ext cx="1751935" cy="667265"/>
           </a:xfrm>
           <a:prstGeom prst="rect">
@@ -6464,7 +6286,7 @@
           <a:noFill/>
           <a:ln>
             <a:solidFill>
-              <a:srgbClr val="267326"/>
+              <a:schemeClr val="tx1"/>
             </a:solidFill>
           </a:ln>
         </p:spPr>
@@ -6490,7 +6312,7 @@
             <a:r>
               <a:rPr lang="de-DE" sz="1400" dirty="0">
                 <a:solidFill>
-                  <a:srgbClr val="267326"/>
+                  <a:schemeClr val="tx1"/>
                 </a:solidFill>
                 <a:latin typeface="Arial" panose="020B0604020202020204" pitchFamily="34" charset="0"/>
                 <a:cs typeface="Arial" panose="020B0604020202020204" pitchFamily="34" charset="0"/>
@@ -6514,7 +6336,7 @@
         </p:nvSpPr>
         <p:spPr>
           <a:xfrm>
-            <a:off x="9661552" y="2630534"/>
+            <a:off x="9651112" y="2646066"/>
             <a:ext cx="1751935" cy="667265"/>
           </a:xfrm>
           <a:prstGeom prst="rect">
@@ -6523,7 +6345,7 @@
           <a:noFill/>
           <a:ln>
             <a:solidFill>
-              <a:srgbClr val="267326"/>
+              <a:schemeClr val="tx1"/>
             </a:solidFill>
           </a:ln>
         </p:spPr>
@@ -6549,7 +6371,7 @@
             <a:r>
               <a:rPr lang="de-DE" sz="1400" i="1" dirty="0" err="1">
                 <a:solidFill>
-                  <a:srgbClr val="267326"/>
+                  <a:schemeClr val="tx1"/>
                 </a:solidFill>
                 <a:latin typeface="Arial" panose="020B0604020202020204" pitchFamily="34" charset="0"/>
                 <a:cs typeface="Arial" panose="020B0604020202020204" pitchFamily="34" charset="0"/>
@@ -6559,7 +6381,7 @@
             <a:r>
               <a:rPr lang="de-DE" sz="1400" i="1" dirty="0">
                 <a:solidFill>
-                  <a:srgbClr val="267326"/>
+                  <a:schemeClr val="tx1"/>
                 </a:solidFill>
                 <a:latin typeface="Arial" panose="020B0604020202020204" pitchFamily="34" charset="0"/>
                 <a:cs typeface="Arial" panose="020B0604020202020204" pitchFamily="34" charset="0"/>
@@ -6583,7 +6405,7 @@
         </p:nvSpPr>
         <p:spPr>
           <a:xfrm>
-            <a:off x="11720516" y="2624680"/>
+            <a:off x="11717656" y="2646066"/>
             <a:ext cx="1736651" cy="667265"/>
           </a:xfrm>
           <a:prstGeom prst="rect">
@@ -6592,7 +6414,7 @@
           <a:noFill/>
           <a:ln>
             <a:solidFill>
-              <a:srgbClr val="267326"/>
+              <a:schemeClr val="tx1"/>
             </a:solidFill>
           </a:ln>
         </p:spPr>
@@ -6618,12 +6440,12 @@
             <a:r>
               <a:rPr lang="de-DE" sz="1400" dirty="0">
                 <a:solidFill>
-                  <a:srgbClr val="267326"/>
+                  <a:schemeClr val="tx1"/>
                 </a:solidFill>
                 <a:latin typeface="Arial" panose="020B0604020202020204" pitchFamily="34" charset="0"/>
                 <a:cs typeface="Arial" panose="020B0604020202020204" pitchFamily="34" charset="0"/>
               </a:rPr>
-              <a:t>Lokale Schuldaten</a:t>
+              <a:t>Daten</a:t>
             </a:r>
           </a:p>
         </p:txBody>
@@ -6657,27 +6479,15 @@
           <a:lstStyle/>
           <a:p>
             <a:r>
-              <a:rPr lang="de-DE" sz="1400" dirty="0">
-                <a:solidFill>
-                  <a:srgbClr val="267326"/>
-                </a:solidFill>
-              </a:rPr>
+              <a:rPr lang="de-DE" sz="1400" dirty="0"/>
               <a:t>z.B. </a:t>
             </a:r>
             <a:r>
-              <a:rPr lang="de-DE" sz="1400" dirty="0" err="1">
-                <a:solidFill>
-                  <a:srgbClr val="267326"/>
-                </a:solidFill>
-              </a:rPr>
+              <a:rPr lang="de-DE" sz="1400" dirty="0" err="1"/>
               <a:t>Shavelson</a:t>
             </a:r>
             <a:r>
-              <a:rPr lang="de-DE" sz="1400" dirty="0">
-                <a:solidFill>
-                  <a:srgbClr val="267326"/>
-                </a:solidFill>
-              </a:rPr>
+              <a:rPr lang="de-DE" sz="1400" dirty="0"/>
               <a:t> et al. (2021)</a:t>
             </a:r>
           </a:p>
@@ -6712,11 +6522,7 @@
           <a:lstStyle/>
           <a:p>
             <a:r>
-              <a:rPr lang="de-DE" sz="1400" dirty="0">
-                <a:solidFill>
-                  <a:srgbClr val="267326"/>
-                </a:solidFill>
-              </a:rPr>
+              <a:rPr lang="de-DE" sz="1400" dirty="0"/>
               <a:t>z.B. Ferguson (2021)</a:t>
             </a:r>
           </a:p>
@@ -6737,7 +6543,7 @@
         <p:spPr>
           <a:xfrm>
             <a:off x="9758875" y="3546424"/>
-            <a:ext cx="805798" cy="307777"/>
+            <a:ext cx="1398909" cy="307777"/>
           </a:xfrm>
           <a:prstGeom prst="rect">
             <a:avLst/>
@@ -6751,12 +6557,8 @@
           <a:lstStyle/>
           <a:p>
             <a:r>
-              <a:rPr lang="de-DE" sz="1400" dirty="0">
-                <a:solidFill>
-                  <a:srgbClr val="267326"/>
-                </a:solidFill>
-              </a:rPr>
-              <a:t>z.B. XXX</a:t>
+              <a:rPr lang="de-DE" sz="1400" dirty="0"/>
+              <a:t>z.B. Cain (2015)</a:t>
             </a:r>
           </a:p>
         </p:txBody>
@@ -6775,7 +6577,7 @@
         </p:nvSpPr>
         <p:spPr>
           <a:xfrm>
-            <a:off x="11776375" y="3546423"/>
+            <a:off x="11609855" y="3546423"/>
             <a:ext cx="1957972" cy="307777"/>
           </a:xfrm>
           <a:prstGeom prst="rect">
@@ -6790,11 +6592,7 @@
           <a:lstStyle/>
           <a:p>
             <a:r>
-              <a:rPr lang="de-DE" sz="1400" dirty="0">
-                <a:solidFill>
-                  <a:srgbClr val="267326"/>
-                </a:solidFill>
-              </a:rPr>
+              <a:rPr lang="de-DE" sz="1400" dirty="0"/>
               <a:t>z.B. Schildkamp (2019)</a:t>
             </a:r>
           </a:p>
@@ -6823,7 +6621,7 @@
           <a:noFill/>
           <a:ln>
             <a:solidFill>
-              <a:srgbClr val="267326"/>
+              <a:schemeClr val="tx1"/>
             </a:solidFill>
             <a:prstDash val="lgDash"/>
           </a:ln>
@@ -6847,884 +6645,11 @@
           <a:lstStyle/>
           <a:p>
             <a:pPr algn="ctr"/>
-            <a:endParaRPr lang="de-DE"/>
-          </a:p>
-        </p:txBody>
-      </p:sp>
-    </p:spTree>
-    <p:extLst>
-      <p:ext uri="{BB962C8B-B14F-4D97-AF65-F5344CB8AC3E}">
-        <p14:creationId xmlns:p14="http://schemas.microsoft.com/office/powerpoint/2010/main" val="3475301405"/>
-      </p:ext>
-    </p:extLst>
-  </p:cSld>
-  <p:clrMapOvr>
-    <a:masterClrMapping/>
-  </p:clrMapOvr>
-</p:sld>
-</file>
-
-<file path=ppt/slides/slide13.xml><?xml version="1.0" encoding="utf-8"?>
-<p:sld xmlns:a="http://schemas.openxmlformats.org/drawingml/2006/main" xmlns:r="http://schemas.openxmlformats.org/officeDocument/2006/relationships" xmlns:p="http://schemas.openxmlformats.org/presentationml/2006/main">
-  <p:cSld>
-    <p:spTree>
-      <p:nvGrpSpPr>
-        <p:cNvPr id="1" name=""/>
-        <p:cNvGrpSpPr/>
-        <p:nvPr/>
-      </p:nvGrpSpPr>
-      <p:grpSpPr>
-        <a:xfrm>
-          <a:off x="0" y="0"/>
-          <a:ext cx="0" cy="0"/>
-          <a:chOff x="0" y="0"/>
-          <a:chExt cx="0" cy="0"/>
-        </a:xfrm>
-      </p:grpSpPr>
-      <p:sp>
-        <p:nvSpPr>
-          <p:cNvPr id="4" name="Rechteck 3">
-            <a:extLst>
-              <a:ext uri="{FF2B5EF4-FFF2-40B4-BE49-F238E27FC236}">
-                <a16:creationId xmlns:a16="http://schemas.microsoft.com/office/drawing/2014/main" id="{93C182CB-43A4-F159-EF0C-E4F4EE1E7E00}"/>
-              </a:ext>
-            </a:extLst>
-          </p:cNvPr>
-          <p:cNvSpPr/>
-          <p:nvPr/>
-        </p:nvSpPr>
-        <p:spPr>
-          <a:xfrm>
-            <a:off x="1420777" y="2646066"/>
-            <a:ext cx="1751935" cy="667265"/>
-          </a:xfrm>
-          <a:prstGeom prst="rect">
-            <a:avLst/>
-          </a:prstGeom>
-          <a:noFill/>
-          <a:ln>
-            <a:solidFill>
-              <a:srgbClr val="267326"/>
-            </a:solidFill>
-          </a:ln>
-          <a:effectLst/>
-        </p:spPr>
-        <p:style>
-          <a:lnRef idx="2">
-            <a:schemeClr val="accent6"/>
-          </a:lnRef>
-          <a:fillRef idx="1">
-            <a:schemeClr val="lt1"/>
-          </a:fillRef>
-          <a:effectRef idx="0">
-            <a:schemeClr val="accent6"/>
-          </a:effectRef>
-          <a:fontRef idx="minor">
-            <a:schemeClr val="dk1"/>
-          </a:fontRef>
-        </p:style>
-        <p:txBody>
-          <a:bodyPr rtlCol="0" anchor="ctr"/>
-          <a:lstStyle/>
-          <a:p>
-            <a:pPr algn="ctr"/>
-            <a:r>
-              <a:rPr lang="de-DE" sz="1400" dirty="0">
-                <a:solidFill>
-                  <a:srgbClr val="267326"/>
-                </a:solidFill>
-                <a:latin typeface="Arial" panose="020B0604020202020204" pitchFamily="34" charset="0"/>
-                <a:cs typeface="Arial" panose="020B0604020202020204" pitchFamily="34" charset="0"/>
-              </a:rPr>
-              <a:t>Randomisierte kontrollierte Studien</a:t>
-            </a:r>
-          </a:p>
-        </p:txBody>
-      </p:sp>
-      <p:sp>
-        <p:nvSpPr>
-          <p:cNvPr id="11" name="Textfeld 10">
-            <a:extLst>
-              <a:ext uri="{FF2B5EF4-FFF2-40B4-BE49-F238E27FC236}">
-                <a16:creationId xmlns:a16="http://schemas.microsoft.com/office/drawing/2014/main" id="{C03CADEF-FD3C-D687-70DB-1CAE81ADD3DA}"/>
-              </a:ext>
-            </a:extLst>
-          </p:cNvPr>
-          <p:cNvSpPr txBox="1"/>
-          <p:nvPr/>
-        </p:nvSpPr>
-        <p:spPr>
-          <a:xfrm rot="16200000">
-            <a:off x="294207" y="2734370"/>
-            <a:ext cx="1336386" cy="461665"/>
-          </a:xfrm>
-          <a:prstGeom prst="rect">
-            <a:avLst/>
-          </a:prstGeom>
-          <a:noFill/>
-        </p:spPr>
-        <p:txBody>
-          <a:bodyPr wrap="square" rtlCol="0">
-            <a:spAutoFit/>
-          </a:bodyPr>
-          <a:lstStyle/>
-          <a:p>
-            <a:r>
-              <a:rPr lang="de-DE" sz="2400" b="1" dirty="0">
-                <a:solidFill>
-                  <a:srgbClr val="267326"/>
-                </a:solidFill>
-                <a:latin typeface="Arial" panose="020B0604020202020204" pitchFamily="34" charset="0"/>
-                <a:cs typeface="Arial" panose="020B0604020202020204" pitchFamily="34" charset="0"/>
-              </a:rPr>
-              <a:t>Evidenz</a:t>
-            </a:r>
-          </a:p>
-        </p:txBody>
-      </p:sp>
-      <p:sp>
-        <p:nvSpPr>
-          <p:cNvPr id="22" name="Textfeld 21">
-            <a:extLst>
-              <a:ext uri="{FF2B5EF4-FFF2-40B4-BE49-F238E27FC236}">
-                <a16:creationId xmlns:a16="http://schemas.microsoft.com/office/drawing/2014/main" id="{EDD953E8-2C4E-56C9-C932-0B31CA2AF3D0}"/>
-              </a:ext>
-            </a:extLst>
-          </p:cNvPr>
-          <p:cNvSpPr txBox="1"/>
-          <p:nvPr/>
-        </p:nvSpPr>
-        <p:spPr>
-          <a:xfrm>
-            <a:off x="925091" y="1415140"/>
-            <a:ext cx="2559398" cy="707886"/>
-          </a:xfrm>
-          <a:prstGeom prst="rect">
-            <a:avLst/>
-          </a:prstGeom>
-          <a:noFill/>
-        </p:spPr>
-        <p:txBody>
-          <a:bodyPr wrap="square" rtlCol="0">
-            <a:spAutoFit/>
-          </a:bodyPr>
-          <a:lstStyle/>
-          <a:p>
-            <a:r>
-              <a:rPr lang="de-DE" sz="2000" b="1" dirty="0">
-                <a:solidFill>
-                  <a:srgbClr val="267326"/>
-                </a:solidFill>
-              </a:rPr>
-              <a:t>evidenzinformiert</a:t>
-            </a:r>
-          </a:p>
-          <a:p>
-            <a:r>
-              <a:rPr lang="de-DE" sz="2000" b="1" dirty="0">
-                <a:solidFill>
-                  <a:srgbClr val="267326"/>
-                </a:solidFill>
-              </a:rPr>
-              <a:t>(</a:t>
-            </a:r>
-            <a:r>
-              <a:rPr lang="de-DE" sz="2000" b="1" dirty="0" err="1">
-                <a:solidFill>
-                  <a:srgbClr val="267326"/>
-                </a:solidFill>
-              </a:rPr>
-              <a:t>evidence-informed</a:t>
-            </a:r>
-            <a:r>
-              <a:rPr lang="de-DE" sz="2000" b="1" dirty="0">
-                <a:solidFill>
-                  <a:srgbClr val="267326"/>
-                </a:solidFill>
-              </a:rPr>
-              <a:t>)</a:t>
-            </a:r>
-          </a:p>
-        </p:txBody>
-      </p:sp>
-      <p:sp>
-        <p:nvSpPr>
-          <p:cNvPr id="3" name="Rechteck 2">
-            <a:extLst>
-              <a:ext uri="{FF2B5EF4-FFF2-40B4-BE49-F238E27FC236}">
-                <a16:creationId xmlns:a16="http://schemas.microsoft.com/office/drawing/2014/main" id="{C4354048-59EF-17BA-48F2-FD6974B6480C}"/>
-              </a:ext>
-            </a:extLst>
-          </p:cNvPr>
-          <p:cNvSpPr/>
-          <p:nvPr/>
-        </p:nvSpPr>
-        <p:spPr>
-          <a:xfrm>
-            <a:off x="565454" y="1060704"/>
-            <a:ext cx="6895725" cy="3383280"/>
-          </a:xfrm>
-          <a:prstGeom prst="rect">
-            <a:avLst/>
-          </a:prstGeom>
-          <a:noFill/>
-          <a:ln>
-            <a:solidFill>
-              <a:srgbClr val="267326"/>
-            </a:solidFill>
-            <a:prstDash val="lgDash"/>
-          </a:ln>
-        </p:spPr>
-        <p:style>
-          <a:lnRef idx="2">
-            <a:schemeClr val="accent6"/>
-          </a:lnRef>
-          <a:fillRef idx="1">
-            <a:schemeClr val="lt1"/>
-          </a:fillRef>
-          <a:effectRef idx="0">
-            <a:schemeClr val="accent6"/>
-          </a:effectRef>
-          <a:fontRef idx="minor">
-            <a:schemeClr val="dk1"/>
-          </a:fontRef>
-        </p:style>
-        <p:txBody>
-          <a:bodyPr rtlCol="0" anchor="ctr"/>
-          <a:lstStyle/>
-          <a:p>
-            <a:pPr algn="ctr"/>
-            <a:endParaRPr lang="de-DE"/>
-          </a:p>
-        </p:txBody>
-      </p:sp>
-      <p:sp>
-        <p:nvSpPr>
-          <p:cNvPr id="2" name="Rechteck 1">
-            <a:extLst>
-              <a:ext uri="{FF2B5EF4-FFF2-40B4-BE49-F238E27FC236}">
-                <a16:creationId xmlns:a16="http://schemas.microsoft.com/office/drawing/2014/main" id="{237382A4-B696-E1A0-13B2-3288EB92CEE6}"/>
-              </a:ext>
-            </a:extLst>
-          </p:cNvPr>
-          <p:cNvSpPr/>
-          <p:nvPr/>
-        </p:nvSpPr>
-        <p:spPr>
-          <a:xfrm>
-            <a:off x="451945" y="749808"/>
-            <a:ext cx="9057815" cy="4096512"/>
-          </a:xfrm>
-          <a:prstGeom prst="rect">
-            <a:avLst/>
-          </a:prstGeom>
-          <a:noFill/>
-          <a:ln>
-            <a:solidFill>
-              <a:srgbClr val="267326"/>
-            </a:solidFill>
-            <a:prstDash val="lgDash"/>
-          </a:ln>
-        </p:spPr>
-        <p:style>
-          <a:lnRef idx="2">
-            <a:schemeClr val="accent6"/>
-          </a:lnRef>
-          <a:fillRef idx="1">
-            <a:schemeClr val="lt1"/>
-          </a:fillRef>
-          <a:effectRef idx="0">
-            <a:schemeClr val="accent6"/>
-          </a:effectRef>
-          <a:fontRef idx="minor">
-            <a:schemeClr val="dk1"/>
-          </a:fontRef>
-        </p:style>
-        <p:txBody>
-          <a:bodyPr rtlCol="0" anchor="ctr"/>
-          <a:lstStyle/>
-          <a:p>
-            <a:pPr algn="ctr"/>
-            <a:endParaRPr lang="de-DE"/>
-          </a:p>
-        </p:txBody>
-      </p:sp>
-      <p:sp>
-        <p:nvSpPr>
-          <p:cNvPr id="15" name="Rechteck 14">
-            <a:extLst>
-              <a:ext uri="{FF2B5EF4-FFF2-40B4-BE49-F238E27FC236}">
-                <a16:creationId xmlns:a16="http://schemas.microsoft.com/office/drawing/2014/main" id="{B125DB4E-06A0-5666-621D-5733B916C306}"/>
-              </a:ext>
-            </a:extLst>
-          </p:cNvPr>
-          <p:cNvSpPr/>
-          <p:nvPr/>
-        </p:nvSpPr>
-        <p:spPr>
-          <a:xfrm>
-            <a:off x="325821" y="566929"/>
-            <a:ext cx="11250483" cy="4681727"/>
-          </a:xfrm>
-          <a:prstGeom prst="rect">
-            <a:avLst/>
-          </a:prstGeom>
-          <a:noFill/>
-          <a:ln>
-            <a:solidFill>
-              <a:srgbClr val="267326"/>
-            </a:solidFill>
-            <a:prstDash val="lgDash"/>
-          </a:ln>
-        </p:spPr>
-        <p:style>
-          <a:lnRef idx="2">
-            <a:schemeClr val="accent6"/>
-          </a:lnRef>
-          <a:fillRef idx="1">
-            <a:schemeClr val="lt1"/>
-          </a:fillRef>
-          <a:effectRef idx="0">
-            <a:schemeClr val="accent6"/>
-          </a:effectRef>
-          <a:fontRef idx="minor">
-            <a:schemeClr val="dk1"/>
-          </a:fontRef>
-        </p:style>
-        <p:txBody>
-          <a:bodyPr rtlCol="0" anchor="ctr"/>
-          <a:lstStyle/>
-          <a:p>
-            <a:pPr algn="ctr"/>
-            <a:endParaRPr lang="de-DE"/>
-          </a:p>
-        </p:txBody>
-      </p:sp>
-      <p:sp>
-        <p:nvSpPr>
-          <p:cNvPr id="24" name="Rechteck 23">
-            <a:extLst>
-              <a:ext uri="{FF2B5EF4-FFF2-40B4-BE49-F238E27FC236}">
-                <a16:creationId xmlns:a16="http://schemas.microsoft.com/office/drawing/2014/main" id="{F4092A3B-48B6-1413-A791-A9391EE24DC9}"/>
-              </a:ext>
-            </a:extLst>
-          </p:cNvPr>
-          <p:cNvSpPr/>
-          <p:nvPr/>
-        </p:nvSpPr>
-        <p:spPr>
-          <a:xfrm>
-            <a:off x="3484489" y="2639176"/>
-            <a:ext cx="1751935" cy="667265"/>
-          </a:xfrm>
-          <a:prstGeom prst="rect">
-            <a:avLst/>
-          </a:prstGeom>
-          <a:noFill/>
-          <a:ln>
-            <a:solidFill>
-              <a:srgbClr val="267326"/>
-            </a:solidFill>
-          </a:ln>
-        </p:spPr>
-        <p:style>
-          <a:lnRef idx="2">
-            <a:schemeClr val="accent6"/>
-          </a:lnRef>
-          <a:fillRef idx="1">
-            <a:schemeClr val="lt1"/>
-          </a:fillRef>
-          <a:effectRef idx="0">
-            <a:schemeClr val="accent6"/>
-          </a:effectRef>
-          <a:fontRef idx="minor">
-            <a:schemeClr val="dk1"/>
-          </a:fontRef>
-        </p:style>
-        <p:txBody>
-          <a:bodyPr rtlCol="0" anchor="ctr"/>
-          <a:lstStyle/>
-          <a:p>
-            <a:pPr algn="ctr"/>
-            <a:r>
-              <a:rPr lang="de-DE" sz="1400" dirty="0">
-                <a:solidFill>
-                  <a:srgbClr val="267326"/>
-                </a:solidFill>
-                <a:latin typeface="Arial" panose="020B0604020202020204" pitchFamily="34" charset="0"/>
-                <a:cs typeface="Arial" panose="020B0604020202020204" pitchFamily="34" charset="0"/>
-              </a:rPr>
-              <a:t>Weitere quantitative Studien</a:t>
-            </a:r>
-          </a:p>
-        </p:txBody>
-      </p:sp>
-      <p:sp>
-        <p:nvSpPr>
-          <p:cNvPr id="25" name="Rechteck 24">
-            <a:extLst>
-              <a:ext uri="{FF2B5EF4-FFF2-40B4-BE49-F238E27FC236}">
-                <a16:creationId xmlns:a16="http://schemas.microsoft.com/office/drawing/2014/main" id="{0CA9DD72-F862-7D7D-E346-FF48A6D62ADB}"/>
-              </a:ext>
-            </a:extLst>
-          </p:cNvPr>
-          <p:cNvSpPr/>
-          <p:nvPr/>
-        </p:nvSpPr>
-        <p:spPr>
-          <a:xfrm>
-            <a:off x="5543510" y="2639176"/>
-            <a:ext cx="1751935" cy="667265"/>
-          </a:xfrm>
-          <a:prstGeom prst="rect">
-            <a:avLst/>
-          </a:prstGeom>
-          <a:noFill/>
-          <a:ln>
-            <a:solidFill>
-              <a:srgbClr val="267326"/>
-            </a:solidFill>
-          </a:ln>
-        </p:spPr>
-        <p:style>
-          <a:lnRef idx="2">
-            <a:schemeClr val="accent6"/>
-          </a:lnRef>
-          <a:fillRef idx="1">
-            <a:schemeClr val="lt1"/>
-          </a:fillRef>
-          <a:effectRef idx="0">
-            <a:schemeClr val="accent6"/>
-          </a:effectRef>
-          <a:fontRef idx="minor">
-            <a:schemeClr val="dk1"/>
-          </a:fontRef>
-        </p:style>
-        <p:txBody>
-          <a:bodyPr rtlCol="0" anchor="ctr"/>
-          <a:lstStyle/>
-          <a:p>
-            <a:pPr algn="ctr"/>
-            <a:r>
-              <a:rPr lang="de-DE" sz="1400" dirty="0">
-                <a:solidFill>
-                  <a:srgbClr val="267326"/>
-                </a:solidFill>
-                <a:latin typeface="Arial" panose="020B0604020202020204" pitchFamily="34" charset="0"/>
-                <a:cs typeface="Arial" panose="020B0604020202020204" pitchFamily="34" charset="0"/>
-              </a:rPr>
-              <a:t>Qualitative Studien</a:t>
-            </a:r>
-          </a:p>
-        </p:txBody>
-      </p:sp>
-      <p:sp>
-        <p:nvSpPr>
-          <p:cNvPr id="26" name="Rechteck 25">
-            <a:extLst>
-              <a:ext uri="{FF2B5EF4-FFF2-40B4-BE49-F238E27FC236}">
-                <a16:creationId xmlns:a16="http://schemas.microsoft.com/office/drawing/2014/main" id="{B3BCC734-F491-5BC2-E118-5450AC084F4E}"/>
-              </a:ext>
-            </a:extLst>
-          </p:cNvPr>
-          <p:cNvSpPr/>
-          <p:nvPr/>
-        </p:nvSpPr>
-        <p:spPr>
-          <a:xfrm>
-            <a:off x="7602531" y="2646066"/>
-            <a:ext cx="1751935" cy="667265"/>
-          </a:xfrm>
-          <a:prstGeom prst="rect">
-            <a:avLst/>
-          </a:prstGeom>
-          <a:noFill/>
-          <a:ln>
-            <a:solidFill>
-              <a:srgbClr val="267326"/>
-            </a:solidFill>
-          </a:ln>
-        </p:spPr>
-        <p:style>
-          <a:lnRef idx="2">
-            <a:schemeClr val="accent6"/>
-          </a:lnRef>
-          <a:fillRef idx="1">
-            <a:schemeClr val="lt1"/>
-          </a:fillRef>
-          <a:effectRef idx="0">
-            <a:schemeClr val="accent6"/>
-          </a:effectRef>
-          <a:fontRef idx="minor">
-            <a:schemeClr val="dk1"/>
-          </a:fontRef>
-        </p:style>
-        <p:txBody>
-          <a:bodyPr rtlCol="0" anchor="ctr"/>
-          <a:lstStyle/>
-          <a:p>
-            <a:pPr algn="ctr"/>
-            <a:r>
-              <a:rPr lang="de-DE" sz="1400" dirty="0">
-                <a:solidFill>
-                  <a:srgbClr val="267326"/>
-                </a:solidFill>
-                <a:latin typeface="Arial" panose="020B0604020202020204" pitchFamily="34" charset="0"/>
-                <a:cs typeface="Arial" panose="020B0604020202020204" pitchFamily="34" charset="0"/>
-              </a:rPr>
-              <a:t>Theorien</a:t>
-            </a:r>
-          </a:p>
-        </p:txBody>
-      </p:sp>
-      <p:sp>
-        <p:nvSpPr>
-          <p:cNvPr id="27" name="Rechteck 26">
-            <a:extLst>
-              <a:ext uri="{FF2B5EF4-FFF2-40B4-BE49-F238E27FC236}">
-                <a16:creationId xmlns:a16="http://schemas.microsoft.com/office/drawing/2014/main" id="{2B73AD53-BE4B-B72B-9DE0-C248A911CE7E}"/>
-              </a:ext>
-            </a:extLst>
-          </p:cNvPr>
-          <p:cNvSpPr/>
-          <p:nvPr/>
-        </p:nvSpPr>
-        <p:spPr>
-          <a:xfrm>
-            <a:off x="9661552" y="2630534"/>
-            <a:ext cx="1751935" cy="667265"/>
-          </a:xfrm>
-          <a:prstGeom prst="rect">
-            <a:avLst/>
-          </a:prstGeom>
-          <a:noFill/>
-          <a:ln>
-            <a:solidFill>
-              <a:srgbClr val="267326"/>
-            </a:solidFill>
-          </a:ln>
-        </p:spPr>
-        <p:style>
-          <a:lnRef idx="2">
-            <a:schemeClr val="accent6"/>
-          </a:lnRef>
-          <a:fillRef idx="1">
-            <a:schemeClr val="lt1"/>
-          </a:fillRef>
-          <a:effectRef idx="0">
-            <a:schemeClr val="accent6"/>
-          </a:effectRef>
-          <a:fontRef idx="minor">
-            <a:schemeClr val="dk1"/>
-          </a:fontRef>
-        </p:style>
-        <p:txBody>
-          <a:bodyPr rtlCol="0" anchor="ctr"/>
-          <a:lstStyle/>
-          <a:p>
-            <a:pPr algn="ctr"/>
-            <a:r>
-              <a:rPr lang="de-DE" sz="1400" i="1" dirty="0" err="1">
-                <a:solidFill>
-                  <a:srgbClr val="267326"/>
-                </a:solidFill>
-                <a:latin typeface="Arial" panose="020B0604020202020204" pitchFamily="34" charset="0"/>
-                <a:cs typeface="Arial" panose="020B0604020202020204" pitchFamily="34" charset="0"/>
-              </a:rPr>
-              <a:t>Practitioner</a:t>
-            </a:r>
-            <a:r>
-              <a:rPr lang="de-DE" sz="1400" i="1" dirty="0">
-                <a:solidFill>
-                  <a:srgbClr val="267326"/>
-                </a:solidFill>
-                <a:latin typeface="Arial" panose="020B0604020202020204" pitchFamily="34" charset="0"/>
-                <a:cs typeface="Arial" panose="020B0604020202020204" pitchFamily="34" charset="0"/>
-              </a:rPr>
-              <a:t> Research</a:t>
-            </a:r>
-          </a:p>
-        </p:txBody>
-      </p:sp>
-      <p:sp>
-        <p:nvSpPr>
-          <p:cNvPr id="29" name="Rechteck 28">
-            <a:extLst>
-              <a:ext uri="{FF2B5EF4-FFF2-40B4-BE49-F238E27FC236}">
-                <a16:creationId xmlns:a16="http://schemas.microsoft.com/office/drawing/2014/main" id="{A2DD669B-C696-682A-2A37-B473BF4168F9}"/>
-              </a:ext>
-            </a:extLst>
-          </p:cNvPr>
-          <p:cNvSpPr/>
-          <p:nvPr/>
-        </p:nvSpPr>
-        <p:spPr>
-          <a:xfrm>
-            <a:off x="11720516" y="2624680"/>
-            <a:ext cx="1736651" cy="667265"/>
-          </a:xfrm>
-          <a:prstGeom prst="rect">
-            <a:avLst/>
-          </a:prstGeom>
-          <a:noFill/>
-          <a:ln>
-            <a:solidFill>
-              <a:srgbClr val="267326"/>
-            </a:solidFill>
-          </a:ln>
-        </p:spPr>
-        <p:style>
-          <a:lnRef idx="2">
-            <a:schemeClr val="accent6"/>
-          </a:lnRef>
-          <a:fillRef idx="1">
-            <a:schemeClr val="lt1"/>
-          </a:fillRef>
-          <a:effectRef idx="0">
-            <a:schemeClr val="accent6"/>
-          </a:effectRef>
-          <a:fontRef idx="minor">
-            <a:schemeClr val="dk1"/>
-          </a:fontRef>
-        </p:style>
-        <p:txBody>
-          <a:bodyPr rtlCol="0" anchor="ctr"/>
-          <a:lstStyle/>
-          <a:p>
-            <a:pPr algn="ctr"/>
-            <a:r>
-              <a:rPr lang="de-DE" sz="1400" dirty="0">
-                <a:solidFill>
-                  <a:srgbClr val="267326"/>
-                </a:solidFill>
-                <a:latin typeface="Arial" panose="020B0604020202020204" pitchFamily="34" charset="0"/>
-                <a:cs typeface="Arial" panose="020B0604020202020204" pitchFamily="34" charset="0"/>
-              </a:rPr>
-              <a:t>Lokale Schuldaten</a:t>
-            </a:r>
-          </a:p>
-        </p:txBody>
-      </p:sp>
-      <p:sp>
-        <p:nvSpPr>
-          <p:cNvPr id="31" name="Textfeld 30">
-            <a:extLst>
-              <a:ext uri="{FF2B5EF4-FFF2-40B4-BE49-F238E27FC236}">
-                <a16:creationId xmlns:a16="http://schemas.microsoft.com/office/drawing/2014/main" id="{3F1DE700-358D-EABD-CCAE-81CFB2068168}"/>
-              </a:ext>
-            </a:extLst>
-          </p:cNvPr>
-          <p:cNvSpPr txBox="1"/>
-          <p:nvPr/>
-        </p:nvSpPr>
-        <p:spPr>
-          <a:xfrm>
-            <a:off x="3136646" y="3547223"/>
-            <a:ext cx="2257798" cy="307777"/>
-          </a:xfrm>
-          <a:prstGeom prst="rect">
-            <a:avLst/>
-          </a:prstGeom>
-          <a:noFill/>
-        </p:spPr>
-        <p:txBody>
-          <a:bodyPr wrap="none" rtlCol="0">
-            <a:spAutoFit/>
-          </a:bodyPr>
-          <a:lstStyle/>
-          <a:p>
-            <a:r>
-              <a:rPr lang="de-DE" sz="1400" dirty="0">
-                <a:solidFill>
-                  <a:srgbClr val="267326"/>
-                </a:solidFill>
-              </a:rPr>
-              <a:t>z.B. </a:t>
-            </a:r>
-            <a:r>
-              <a:rPr lang="de-DE" sz="1400" dirty="0" err="1">
-                <a:solidFill>
-                  <a:srgbClr val="267326"/>
-                </a:solidFill>
-              </a:rPr>
-              <a:t>Shavelson</a:t>
-            </a:r>
-            <a:r>
-              <a:rPr lang="de-DE" sz="1400" dirty="0">
-                <a:solidFill>
-                  <a:srgbClr val="267326"/>
-                </a:solidFill>
-              </a:rPr>
-              <a:t> et al. (2021)</a:t>
-            </a:r>
-          </a:p>
-        </p:txBody>
-      </p:sp>
-      <p:sp>
-        <p:nvSpPr>
-          <p:cNvPr id="35" name="Textfeld 34">
-            <a:extLst>
-              <a:ext uri="{FF2B5EF4-FFF2-40B4-BE49-F238E27FC236}">
-                <a16:creationId xmlns:a16="http://schemas.microsoft.com/office/drawing/2014/main" id="{08A48DBE-B49F-6D14-87A8-418FBC88F99A}"/>
-              </a:ext>
-            </a:extLst>
-          </p:cNvPr>
-          <p:cNvSpPr txBox="1"/>
-          <p:nvPr/>
-        </p:nvSpPr>
-        <p:spPr>
-          <a:xfrm>
-            <a:off x="7587303" y="3546424"/>
-            <a:ext cx="1751934" cy="307777"/>
-          </a:xfrm>
-          <a:prstGeom prst="rect">
-            <a:avLst/>
-          </a:prstGeom>
-          <a:noFill/>
-        </p:spPr>
-        <p:txBody>
-          <a:bodyPr wrap="square" rtlCol="0">
-            <a:spAutoFit/>
-          </a:bodyPr>
-          <a:lstStyle/>
-          <a:p>
-            <a:r>
-              <a:rPr lang="de-DE" sz="1400" dirty="0">
-                <a:solidFill>
-                  <a:srgbClr val="267326"/>
-                </a:solidFill>
-              </a:rPr>
-              <a:t>z.B. Ferguson (2021)</a:t>
-            </a:r>
-          </a:p>
-        </p:txBody>
-      </p:sp>
-      <p:sp>
-        <p:nvSpPr>
-          <p:cNvPr id="36" name="Textfeld 35">
-            <a:extLst>
-              <a:ext uri="{FF2B5EF4-FFF2-40B4-BE49-F238E27FC236}">
-                <a16:creationId xmlns:a16="http://schemas.microsoft.com/office/drawing/2014/main" id="{CC5EBC89-EC11-D05F-972F-25C74D3F6AF6}"/>
-              </a:ext>
-            </a:extLst>
-          </p:cNvPr>
-          <p:cNvSpPr txBox="1"/>
-          <p:nvPr/>
-        </p:nvSpPr>
-        <p:spPr>
-          <a:xfrm>
-            <a:off x="9758875" y="3546424"/>
-            <a:ext cx="805798" cy="307777"/>
-          </a:xfrm>
-          <a:prstGeom prst="rect">
-            <a:avLst/>
-          </a:prstGeom>
-          <a:noFill/>
-        </p:spPr>
-        <p:txBody>
-          <a:bodyPr wrap="none" rtlCol="0">
-            <a:spAutoFit/>
-          </a:bodyPr>
-          <a:lstStyle/>
-          <a:p>
-            <a:r>
-              <a:rPr lang="de-DE" sz="1400" dirty="0">
-                <a:solidFill>
-                  <a:srgbClr val="267326"/>
-                </a:solidFill>
-              </a:rPr>
-              <a:t>z.B. XXX</a:t>
-            </a:r>
-          </a:p>
-        </p:txBody>
-      </p:sp>
-      <p:sp>
-        <p:nvSpPr>
-          <p:cNvPr id="37" name="Textfeld 36">
-            <a:extLst>
-              <a:ext uri="{FF2B5EF4-FFF2-40B4-BE49-F238E27FC236}">
-                <a16:creationId xmlns:a16="http://schemas.microsoft.com/office/drawing/2014/main" id="{E27860B8-97EC-A66B-5F1E-D7D8195B8483}"/>
-              </a:ext>
-            </a:extLst>
-          </p:cNvPr>
-          <p:cNvSpPr txBox="1"/>
-          <p:nvPr/>
-        </p:nvSpPr>
-        <p:spPr>
-          <a:xfrm>
-            <a:off x="11609855" y="3546423"/>
-            <a:ext cx="1957972" cy="307777"/>
-          </a:xfrm>
-          <a:prstGeom prst="rect">
-            <a:avLst/>
-          </a:prstGeom>
-          <a:noFill/>
-        </p:spPr>
-        <p:txBody>
-          <a:bodyPr wrap="none" rtlCol="0">
-            <a:spAutoFit/>
-          </a:bodyPr>
-          <a:lstStyle/>
-          <a:p>
-            <a:r>
-              <a:rPr lang="de-DE" sz="1400" dirty="0">
-                <a:solidFill>
-                  <a:srgbClr val="267326"/>
-                </a:solidFill>
-              </a:rPr>
-              <a:t>z.B. Schildkamp (2019)</a:t>
-            </a:r>
-          </a:p>
-        </p:txBody>
-      </p:sp>
-      <p:sp>
-        <p:nvSpPr>
-          <p:cNvPr id="38" name="Rechteck 37">
-            <a:extLst>
-              <a:ext uri="{FF2B5EF4-FFF2-40B4-BE49-F238E27FC236}">
-                <a16:creationId xmlns:a16="http://schemas.microsoft.com/office/drawing/2014/main" id="{BA943768-1ED0-0FED-D2AE-E9EB2C6F5EBF}"/>
-              </a:ext>
-            </a:extLst>
-          </p:cNvPr>
-          <p:cNvSpPr/>
-          <p:nvPr/>
-        </p:nvSpPr>
-        <p:spPr>
-          <a:xfrm>
-            <a:off x="146304" y="365761"/>
-            <a:ext cx="13496543" cy="5212080"/>
-          </a:xfrm>
-          <a:prstGeom prst="rect">
-            <a:avLst/>
-          </a:prstGeom>
-          <a:noFill/>
-          <a:ln>
-            <a:solidFill>
-              <a:srgbClr val="267326"/>
-            </a:solidFill>
-            <a:prstDash val="lgDash"/>
-          </a:ln>
-        </p:spPr>
-        <p:style>
-          <a:lnRef idx="2">
-            <a:schemeClr val="accent6"/>
-          </a:lnRef>
-          <a:fillRef idx="1">
-            <a:schemeClr val="lt1"/>
-          </a:fillRef>
-          <a:effectRef idx="0">
-            <a:schemeClr val="accent6"/>
-          </a:effectRef>
-          <a:fontRef idx="minor">
-            <a:schemeClr val="dk1"/>
-          </a:fontRef>
-        </p:style>
-        <p:txBody>
-          <a:bodyPr rtlCol="0" anchor="ctr"/>
-          <a:lstStyle/>
-          <a:p>
-            <a:pPr algn="ctr"/>
-            <a:endParaRPr lang="de-DE"/>
+            <a:endParaRPr lang="de-DE">
+              <a:solidFill>
+                <a:schemeClr val="tx1"/>
+              </a:solidFill>
+            </a:endParaRPr>
           </a:p>
         </p:txBody>
       </p:sp>
@@ -7732,2524 +6657,6 @@
     <p:extLst>
       <p:ext uri="{BB962C8B-B14F-4D97-AF65-F5344CB8AC3E}">
         <p14:creationId xmlns:p14="http://schemas.microsoft.com/office/powerpoint/2010/main" val="3283165126"/>
-      </p:ext>
-    </p:extLst>
-  </p:cSld>
-  <p:clrMapOvr>
-    <a:masterClrMapping/>
-  </p:clrMapOvr>
-</p:sld>
-</file>
-
-<file path=ppt/slides/slide14.xml><?xml version="1.0" encoding="utf-8"?>
-<p:sld xmlns:a="http://schemas.openxmlformats.org/drawingml/2006/main" xmlns:r="http://schemas.openxmlformats.org/officeDocument/2006/relationships" xmlns:p="http://schemas.openxmlformats.org/presentationml/2006/main" show="0">
-  <p:cSld>
-    <p:spTree>
-      <p:nvGrpSpPr>
-        <p:cNvPr id="1" name=""/>
-        <p:cNvGrpSpPr/>
-        <p:nvPr/>
-      </p:nvGrpSpPr>
-      <p:grpSpPr>
-        <a:xfrm>
-          <a:off x="0" y="0"/>
-          <a:ext cx="0" cy="0"/>
-          <a:chOff x="0" y="0"/>
-          <a:chExt cx="0" cy="0"/>
-        </a:xfrm>
-      </p:grpSpPr>
-      <p:sp>
-        <p:nvSpPr>
-          <p:cNvPr id="4" name="Rechteck 3">
-            <a:extLst>
-              <a:ext uri="{FF2B5EF4-FFF2-40B4-BE49-F238E27FC236}">
-                <a16:creationId xmlns:a16="http://schemas.microsoft.com/office/drawing/2014/main" id="{93C182CB-43A4-F159-EF0C-E4F4EE1E7E00}"/>
-              </a:ext>
-            </a:extLst>
-          </p:cNvPr>
-          <p:cNvSpPr/>
-          <p:nvPr/>
-        </p:nvSpPr>
-        <p:spPr>
-          <a:xfrm>
-            <a:off x="5918972" y="840263"/>
-            <a:ext cx="2150076" cy="667265"/>
-          </a:xfrm>
-          <a:prstGeom prst="rect">
-            <a:avLst/>
-          </a:prstGeom>
-          <a:ln>
-            <a:solidFill>
-              <a:schemeClr val="tx1"/>
-            </a:solidFill>
-          </a:ln>
-          <a:effectLst/>
-        </p:spPr>
-        <p:style>
-          <a:lnRef idx="2">
-            <a:schemeClr val="accent6"/>
-          </a:lnRef>
-          <a:fillRef idx="1">
-            <a:schemeClr val="lt1"/>
-          </a:fillRef>
-          <a:effectRef idx="0">
-            <a:schemeClr val="accent6"/>
-          </a:effectRef>
-          <a:fontRef idx="minor">
-            <a:schemeClr val="dk1"/>
-          </a:fontRef>
-        </p:style>
-        <p:txBody>
-          <a:bodyPr rtlCol="0" anchor="ctr"/>
-          <a:lstStyle/>
-          <a:p>
-            <a:pPr algn="ctr"/>
-            <a:r>
-              <a:rPr lang="de-DE" sz="1400" dirty="0">
-                <a:latin typeface="Arial" panose="020B0604020202020204" pitchFamily="34" charset="0"/>
-                <a:cs typeface="Arial" panose="020B0604020202020204" pitchFamily="34" charset="0"/>
-              </a:rPr>
-              <a:t>Randomisierte kontrollierte Studien</a:t>
-            </a:r>
-          </a:p>
-        </p:txBody>
-      </p:sp>
-      <p:sp>
-        <p:nvSpPr>
-          <p:cNvPr id="5" name="Rechteck 4">
-            <a:extLst>
-              <a:ext uri="{FF2B5EF4-FFF2-40B4-BE49-F238E27FC236}">
-                <a16:creationId xmlns:a16="http://schemas.microsoft.com/office/drawing/2014/main" id="{813A00E2-14B9-69AD-3FDC-FE2C0F50B239}"/>
-              </a:ext>
-            </a:extLst>
-          </p:cNvPr>
-          <p:cNvSpPr/>
-          <p:nvPr/>
-        </p:nvSpPr>
-        <p:spPr>
-          <a:xfrm>
-            <a:off x="5918972" y="1715532"/>
-            <a:ext cx="2150076" cy="667265"/>
-          </a:xfrm>
-          <a:prstGeom prst="rect">
-            <a:avLst/>
-          </a:prstGeom>
-          <a:ln>
-            <a:solidFill>
-              <a:schemeClr val="tx1"/>
-            </a:solidFill>
-          </a:ln>
-        </p:spPr>
-        <p:style>
-          <a:lnRef idx="2">
-            <a:schemeClr val="accent6"/>
-          </a:lnRef>
-          <a:fillRef idx="1">
-            <a:schemeClr val="lt1"/>
-          </a:fillRef>
-          <a:effectRef idx="0">
-            <a:schemeClr val="accent6"/>
-          </a:effectRef>
-          <a:fontRef idx="minor">
-            <a:schemeClr val="dk1"/>
-          </a:fontRef>
-        </p:style>
-        <p:txBody>
-          <a:bodyPr rtlCol="0" anchor="ctr"/>
-          <a:lstStyle/>
-          <a:p>
-            <a:pPr algn="ctr"/>
-            <a:r>
-              <a:rPr lang="de-DE" sz="1400" dirty="0">
-                <a:latin typeface="Arial" panose="020B0604020202020204" pitchFamily="34" charset="0"/>
-                <a:cs typeface="Arial" panose="020B0604020202020204" pitchFamily="34" charset="0"/>
-              </a:rPr>
-              <a:t>weitere quantitative Studien</a:t>
-            </a:r>
-          </a:p>
-        </p:txBody>
-      </p:sp>
-      <p:sp>
-        <p:nvSpPr>
-          <p:cNvPr id="6" name="Rechteck 5">
-            <a:extLst>
-              <a:ext uri="{FF2B5EF4-FFF2-40B4-BE49-F238E27FC236}">
-                <a16:creationId xmlns:a16="http://schemas.microsoft.com/office/drawing/2014/main" id="{3136C698-4542-2946-ABF7-3C1BAA02DEE4}"/>
-              </a:ext>
-            </a:extLst>
-          </p:cNvPr>
-          <p:cNvSpPr/>
-          <p:nvPr/>
-        </p:nvSpPr>
-        <p:spPr>
-          <a:xfrm>
-            <a:off x="5918972" y="2590801"/>
-            <a:ext cx="2150076" cy="667265"/>
-          </a:xfrm>
-          <a:prstGeom prst="rect">
-            <a:avLst/>
-          </a:prstGeom>
-          <a:ln>
-            <a:solidFill>
-              <a:schemeClr val="tx1"/>
-            </a:solidFill>
-          </a:ln>
-        </p:spPr>
-        <p:style>
-          <a:lnRef idx="2">
-            <a:schemeClr val="accent6"/>
-          </a:lnRef>
-          <a:fillRef idx="1">
-            <a:schemeClr val="lt1"/>
-          </a:fillRef>
-          <a:effectRef idx="0">
-            <a:schemeClr val="accent6"/>
-          </a:effectRef>
-          <a:fontRef idx="minor">
-            <a:schemeClr val="dk1"/>
-          </a:fontRef>
-        </p:style>
-        <p:txBody>
-          <a:bodyPr rtlCol="0" anchor="ctr"/>
-          <a:lstStyle/>
-          <a:p>
-            <a:pPr algn="ctr"/>
-            <a:r>
-              <a:rPr lang="de-DE" sz="1400" dirty="0">
-                <a:latin typeface="Arial" panose="020B0604020202020204" pitchFamily="34" charset="0"/>
-                <a:cs typeface="Arial" panose="020B0604020202020204" pitchFamily="34" charset="0"/>
-              </a:rPr>
-              <a:t>qualitative Studien</a:t>
-            </a:r>
-          </a:p>
-        </p:txBody>
-      </p:sp>
-      <p:sp>
-        <p:nvSpPr>
-          <p:cNvPr id="8" name="Rechteck 7">
-            <a:extLst>
-              <a:ext uri="{FF2B5EF4-FFF2-40B4-BE49-F238E27FC236}">
-                <a16:creationId xmlns:a16="http://schemas.microsoft.com/office/drawing/2014/main" id="{12D9CDB9-B82B-007E-9EA4-548F2A516E40}"/>
-              </a:ext>
-            </a:extLst>
-          </p:cNvPr>
-          <p:cNvSpPr/>
-          <p:nvPr/>
-        </p:nvSpPr>
-        <p:spPr>
-          <a:xfrm>
-            <a:off x="5918972" y="3469803"/>
-            <a:ext cx="2150076" cy="667265"/>
-          </a:xfrm>
-          <a:prstGeom prst="rect">
-            <a:avLst/>
-          </a:prstGeom>
-          <a:ln>
-            <a:solidFill>
-              <a:schemeClr val="tx1"/>
-            </a:solidFill>
-          </a:ln>
-        </p:spPr>
-        <p:style>
-          <a:lnRef idx="2">
-            <a:schemeClr val="accent6"/>
-          </a:lnRef>
-          <a:fillRef idx="1">
-            <a:schemeClr val="lt1"/>
-          </a:fillRef>
-          <a:effectRef idx="0">
-            <a:schemeClr val="accent6"/>
-          </a:effectRef>
-          <a:fontRef idx="minor">
-            <a:schemeClr val="dk1"/>
-          </a:fontRef>
-        </p:style>
-        <p:txBody>
-          <a:bodyPr rtlCol="0" anchor="ctr"/>
-          <a:lstStyle/>
-          <a:p>
-            <a:pPr algn="ctr"/>
-            <a:r>
-              <a:rPr lang="de-DE" sz="1400" dirty="0">
-                <a:latin typeface="Arial" panose="020B0604020202020204" pitchFamily="34" charset="0"/>
-                <a:cs typeface="Arial" panose="020B0604020202020204" pitchFamily="34" charset="0"/>
-              </a:rPr>
-              <a:t>Theorien</a:t>
-            </a:r>
-          </a:p>
-        </p:txBody>
-      </p:sp>
-      <p:sp>
-        <p:nvSpPr>
-          <p:cNvPr id="9" name="Rechteck 8">
-            <a:extLst>
-              <a:ext uri="{FF2B5EF4-FFF2-40B4-BE49-F238E27FC236}">
-                <a16:creationId xmlns:a16="http://schemas.microsoft.com/office/drawing/2014/main" id="{8D7DC1E7-2996-5505-CFAC-9FAA738918F7}"/>
-              </a:ext>
-            </a:extLst>
-          </p:cNvPr>
-          <p:cNvSpPr/>
-          <p:nvPr/>
-        </p:nvSpPr>
-        <p:spPr>
-          <a:xfrm>
-            <a:off x="5918972" y="4346003"/>
-            <a:ext cx="2150076" cy="667265"/>
-          </a:xfrm>
-          <a:prstGeom prst="rect">
-            <a:avLst/>
-          </a:prstGeom>
-          <a:ln>
-            <a:solidFill>
-              <a:schemeClr val="tx1"/>
-            </a:solidFill>
-          </a:ln>
-        </p:spPr>
-        <p:style>
-          <a:lnRef idx="2">
-            <a:schemeClr val="accent6"/>
-          </a:lnRef>
-          <a:fillRef idx="1">
-            <a:schemeClr val="lt1"/>
-          </a:fillRef>
-          <a:effectRef idx="0">
-            <a:schemeClr val="accent6"/>
-          </a:effectRef>
-          <a:fontRef idx="minor">
-            <a:schemeClr val="dk1"/>
-          </a:fontRef>
-        </p:style>
-        <p:txBody>
-          <a:bodyPr rtlCol="0" anchor="ctr"/>
-          <a:lstStyle/>
-          <a:p>
-            <a:pPr algn="ctr"/>
-            <a:r>
-              <a:rPr lang="de-DE" sz="1400" i="1" dirty="0" err="1">
-                <a:latin typeface="Arial" panose="020B0604020202020204" pitchFamily="34" charset="0"/>
-                <a:cs typeface="Arial" panose="020B0604020202020204" pitchFamily="34" charset="0"/>
-              </a:rPr>
-              <a:t>Practitioner</a:t>
-            </a:r>
-            <a:r>
-              <a:rPr lang="de-DE" sz="1400" i="1" dirty="0">
-                <a:latin typeface="Arial" panose="020B0604020202020204" pitchFamily="34" charset="0"/>
-                <a:cs typeface="Arial" panose="020B0604020202020204" pitchFamily="34" charset="0"/>
-              </a:rPr>
-              <a:t> Research</a:t>
-            </a:r>
-          </a:p>
-        </p:txBody>
-      </p:sp>
-      <p:sp>
-        <p:nvSpPr>
-          <p:cNvPr id="10" name="Rechteck 9">
-            <a:extLst>
-              <a:ext uri="{FF2B5EF4-FFF2-40B4-BE49-F238E27FC236}">
-                <a16:creationId xmlns:a16="http://schemas.microsoft.com/office/drawing/2014/main" id="{A3072E32-FB14-1601-6113-5503BAC5B58C}"/>
-              </a:ext>
-            </a:extLst>
-          </p:cNvPr>
-          <p:cNvSpPr/>
-          <p:nvPr/>
-        </p:nvSpPr>
-        <p:spPr>
-          <a:xfrm>
-            <a:off x="5918972" y="5220252"/>
-            <a:ext cx="2150076" cy="667265"/>
-          </a:xfrm>
-          <a:prstGeom prst="rect">
-            <a:avLst/>
-          </a:prstGeom>
-          <a:ln>
-            <a:solidFill>
-              <a:schemeClr val="tx1"/>
-            </a:solidFill>
-          </a:ln>
-        </p:spPr>
-        <p:style>
-          <a:lnRef idx="2">
-            <a:schemeClr val="accent6"/>
-          </a:lnRef>
-          <a:fillRef idx="1">
-            <a:schemeClr val="lt1"/>
-          </a:fillRef>
-          <a:effectRef idx="0">
-            <a:schemeClr val="accent6"/>
-          </a:effectRef>
-          <a:fontRef idx="minor">
-            <a:schemeClr val="dk1"/>
-          </a:fontRef>
-        </p:style>
-        <p:txBody>
-          <a:bodyPr rtlCol="0" anchor="ctr"/>
-          <a:lstStyle/>
-          <a:p>
-            <a:pPr algn="ctr"/>
-            <a:r>
-              <a:rPr lang="de-DE" sz="1400" dirty="0">
-                <a:latin typeface="Arial" panose="020B0604020202020204" pitchFamily="34" charset="0"/>
-                <a:cs typeface="Arial" panose="020B0604020202020204" pitchFamily="34" charset="0"/>
-              </a:rPr>
-              <a:t>Data</a:t>
-            </a:r>
-          </a:p>
-        </p:txBody>
-      </p:sp>
-      <p:sp>
-        <p:nvSpPr>
-          <p:cNvPr id="11" name="Textfeld 10">
-            <a:extLst>
-              <a:ext uri="{FF2B5EF4-FFF2-40B4-BE49-F238E27FC236}">
-                <a16:creationId xmlns:a16="http://schemas.microsoft.com/office/drawing/2014/main" id="{C03CADEF-FD3C-D687-70DB-1CAE81ADD3DA}"/>
-              </a:ext>
-            </a:extLst>
-          </p:cNvPr>
-          <p:cNvSpPr txBox="1"/>
-          <p:nvPr/>
-        </p:nvSpPr>
-        <p:spPr>
-          <a:xfrm>
-            <a:off x="6251629" y="-29132"/>
-            <a:ext cx="1314450" cy="461665"/>
-          </a:xfrm>
-          <a:prstGeom prst="rect">
-            <a:avLst/>
-          </a:prstGeom>
-          <a:noFill/>
-        </p:spPr>
-        <p:txBody>
-          <a:bodyPr wrap="square" rtlCol="0">
-            <a:spAutoFit/>
-          </a:bodyPr>
-          <a:lstStyle/>
-          <a:p>
-            <a:r>
-              <a:rPr lang="de-DE" sz="2400" dirty="0">
-                <a:latin typeface="Arial" panose="020B0604020202020204" pitchFamily="34" charset="0"/>
-                <a:cs typeface="Arial" panose="020B0604020202020204" pitchFamily="34" charset="0"/>
-              </a:rPr>
-              <a:t>Evidenz</a:t>
-            </a:r>
-          </a:p>
-        </p:txBody>
-      </p:sp>
-      <p:sp>
-        <p:nvSpPr>
-          <p:cNvPr id="22" name="Textfeld 21">
-            <a:extLst>
-              <a:ext uri="{FF2B5EF4-FFF2-40B4-BE49-F238E27FC236}">
-                <a16:creationId xmlns:a16="http://schemas.microsoft.com/office/drawing/2014/main" id="{EDD953E8-2C4E-56C9-C932-0B31CA2AF3D0}"/>
-              </a:ext>
-            </a:extLst>
-          </p:cNvPr>
-          <p:cNvSpPr txBox="1"/>
-          <p:nvPr/>
-        </p:nvSpPr>
-        <p:spPr>
-          <a:xfrm>
-            <a:off x="8156267" y="821553"/>
-            <a:ext cx="2474332" cy="707886"/>
-          </a:xfrm>
-          <a:prstGeom prst="rect">
-            <a:avLst/>
-          </a:prstGeom>
-          <a:noFill/>
-        </p:spPr>
-        <p:txBody>
-          <a:bodyPr wrap="none" rtlCol="0">
-            <a:spAutoFit/>
-          </a:bodyPr>
-          <a:lstStyle/>
-          <a:p>
-            <a:r>
-              <a:rPr lang="de-DE" sz="2000" dirty="0"/>
-              <a:t>evidenzinformiert</a:t>
-            </a:r>
-          </a:p>
-          <a:p>
-            <a:r>
-              <a:rPr lang="de-DE" sz="2000" dirty="0"/>
-              <a:t>(</a:t>
-            </a:r>
-            <a:r>
-              <a:rPr lang="de-DE" sz="2000" dirty="0" err="1"/>
-              <a:t>evidence-informed</a:t>
-            </a:r>
-            <a:r>
-              <a:rPr lang="de-DE" sz="2000" dirty="0"/>
-              <a:t>)</a:t>
-            </a:r>
-          </a:p>
-        </p:txBody>
-      </p:sp>
-      <p:sp>
-        <p:nvSpPr>
-          <p:cNvPr id="23" name="Oval 22">
-            <a:extLst>
-              <a:ext uri="{FF2B5EF4-FFF2-40B4-BE49-F238E27FC236}">
-                <a16:creationId xmlns:a16="http://schemas.microsoft.com/office/drawing/2014/main" id="{7DFCC480-89F0-AAF3-79CE-3853E8226168}"/>
-              </a:ext>
-            </a:extLst>
-          </p:cNvPr>
-          <p:cNvSpPr/>
-          <p:nvPr/>
-        </p:nvSpPr>
-        <p:spPr>
-          <a:xfrm rot="20870258">
-            <a:off x="3932127" y="217638"/>
-            <a:ext cx="8575874" cy="4710242"/>
-          </a:xfrm>
-          <a:prstGeom prst="ellipse">
-            <a:avLst/>
-          </a:prstGeom>
-          <a:noFill/>
-          <a:ln>
-            <a:solidFill>
-              <a:srgbClr val="FF0000"/>
-            </a:solidFill>
-          </a:ln>
-        </p:spPr>
-        <p:style>
-          <a:lnRef idx="2">
-            <a:schemeClr val="accent1">
-              <a:shade val="15000"/>
-            </a:schemeClr>
-          </a:lnRef>
-          <a:fillRef idx="1">
-            <a:schemeClr val="accent1"/>
-          </a:fillRef>
-          <a:effectRef idx="0">
-            <a:schemeClr val="accent1"/>
-          </a:effectRef>
-          <a:fontRef idx="minor">
-            <a:schemeClr val="lt1"/>
-          </a:fontRef>
-        </p:style>
-        <p:txBody>
-          <a:bodyPr rtlCol="0" anchor="ctr"/>
-          <a:lstStyle/>
-          <a:p>
-            <a:pPr algn="ctr"/>
-            <a:endParaRPr lang="de-DE" dirty="0">
-              <a:solidFill>
-                <a:srgbClr val="FF0000"/>
-              </a:solidFill>
-            </a:endParaRPr>
-          </a:p>
-        </p:txBody>
-      </p:sp>
-      <p:sp>
-        <p:nvSpPr>
-          <p:cNvPr id="24" name="Oval 23">
-            <a:extLst>
-              <a:ext uri="{FF2B5EF4-FFF2-40B4-BE49-F238E27FC236}">
-                <a16:creationId xmlns:a16="http://schemas.microsoft.com/office/drawing/2014/main" id="{6B12C35D-BC0B-8A8B-FB41-2755E5A6ACA7}"/>
-              </a:ext>
-            </a:extLst>
-          </p:cNvPr>
-          <p:cNvSpPr/>
-          <p:nvPr/>
-        </p:nvSpPr>
-        <p:spPr>
-          <a:xfrm rot="20870258">
-            <a:off x="3500400" y="193035"/>
-            <a:ext cx="9659572" cy="5920494"/>
-          </a:xfrm>
-          <a:prstGeom prst="ellipse">
-            <a:avLst/>
-          </a:prstGeom>
-          <a:noFill/>
-          <a:ln>
-            <a:solidFill>
-              <a:schemeClr val="tx1"/>
-            </a:solidFill>
-          </a:ln>
-        </p:spPr>
-        <p:style>
-          <a:lnRef idx="2">
-            <a:schemeClr val="accent1">
-              <a:shade val="15000"/>
-            </a:schemeClr>
-          </a:lnRef>
-          <a:fillRef idx="1">
-            <a:schemeClr val="accent1"/>
-          </a:fillRef>
-          <a:effectRef idx="0">
-            <a:schemeClr val="accent1"/>
-          </a:effectRef>
-          <a:fontRef idx="minor">
-            <a:schemeClr val="lt1"/>
-          </a:fontRef>
-        </p:style>
-        <p:txBody>
-          <a:bodyPr rtlCol="0" anchor="ctr"/>
-          <a:lstStyle/>
-          <a:p>
-            <a:pPr algn="ctr"/>
-            <a:r>
-              <a:rPr lang="de-DE" dirty="0"/>
-              <a:t>v</a:t>
-            </a:r>
-          </a:p>
-        </p:txBody>
-      </p:sp>
-      <p:sp>
-        <p:nvSpPr>
-          <p:cNvPr id="25" name="Oval 24">
-            <a:extLst>
-              <a:ext uri="{FF2B5EF4-FFF2-40B4-BE49-F238E27FC236}">
-                <a16:creationId xmlns:a16="http://schemas.microsoft.com/office/drawing/2014/main" id="{5A734FFB-4838-A40D-EBE4-16B4C0B2F06B}"/>
-              </a:ext>
-            </a:extLst>
-          </p:cNvPr>
-          <p:cNvSpPr/>
-          <p:nvPr/>
-        </p:nvSpPr>
-        <p:spPr>
-          <a:xfrm rot="20964910">
-            <a:off x="4747996" y="263030"/>
-            <a:ext cx="6832638" cy="3824013"/>
-          </a:xfrm>
-          <a:prstGeom prst="ellipse">
-            <a:avLst/>
-          </a:prstGeom>
-          <a:noFill/>
-          <a:ln>
-            <a:solidFill>
-              <a:schemeClr val="tx1"/>
-            </a:solidFill>
-          </a:ln>
-        </p:spPr>
-        <p:style>
-          <a:lnRef idx="2">
-            <a:schemeClr val="accent6"/>
-          </a:lnRef>
-          <a:fillRef idx="1">
-            <a:schemeClr val="lt1"/>
-          </a:fillRef>
-          <a:effectRef idx="0">
-            <a:schemeClr val="accent6"/>
-          </a:effectRef>
-          <a:fontRef idx="minor">
-            <a:schemeClr val="dk1"/>
-          </a:fontRef>
-        </p:style>
-        <p:txBody>
-          <a:bodyPr rtlCol="0" anchor="ctr"/>
-          <a:lstStyle/>
-          <a:p>
-            <a:pPr algn="ctr"/>
-            <a:endParaRPr lang="de-DE" dirty="0"/>
-          </a:p>
-        </p:txBody>
-      </p:sp>
-      <p:sp>
-        <p:nvSpPr>
-          <p:cNvPr id="2" name="Textfeld 1">
-            <a:extLst>
-              <a:ext uri="{FF2B5EF4-FFF2-40B4-BE49-F238E27FC236}">
-                <a16:creationId xmlns:a16="http://schemas.microsoft.com/office/drawing/2014/main" id="{9D7868E6-B0F7-32E1-6908-D97C677D89AF}"/>
-              </a:ext>
-            </a:extLst>
-          </p:cNvPr>
-          <p:cNvSpPr txBox="1"/>
-          <p:nvPr/>
-        </p:nvSpPr>
-        <p:spPr>
-          <a:xfrm>
-            <a:off x="8503895" y="1972137"/>
-            <a:ext cx="1779077" cy="369332"/>
-          </a:xfrm>
-          <a:prstGeom prst="rect">
-            <a:avLst/>
-          </a:prstGeom>
-          <a:noFill/>
-        </p:spPr>
-        <p:txBody>
-          <a:bodyPr wrap="none" rtlCol="0">
-            <a:spAutoFit/>
-          </a:bodyPr>
-          <a:lstStyle/>
-          <a:p>
-            <a:r>
-              <a:rPr lang="de-DE" dirty="0"/>
-              <a:t>Ferguson (2021)</a:t>
-            </a:r>
-          </a:p>
-        </p:txBody>
-      </p:sp>
-      <p:sp>
-        <p:nvSpPr>
-          <p:cNvPr id="3" name="Textfeld 2">
-            <a:extLst>
-              <a:ext uri="{FF2B5EF4-FFF2-40B4-BE49-F238E27FC236}">
-                <a16:creationId xmlns:a16="http://schemas.microsoft.com/office/drawing/2014/main" id="{37F84F58-33F2-2471-32FB-960793DB5091}"/>
-              </a:ext>
-            </a:extLst>
-          </p:cNvPr>
-          <p:cNvSpPr txBox="1"/>
-          <p:nvPr/>
-        </p:nvSpPr>
-        <p:spPr>
-          <a:xfrm>
-            <a:off x="8204229" y="2642380"/>
-            <a:ext cx="2426370" cy="369332"/>
-          </a:xfrm>
-          <a:prstGeom prst="rect">
-            <a:avLst/>
-          </a:prstGeom>
-          <a:noFill/>
-        </p:spPr>
-        <p:txBody>
-          <a:bodyPr wrap="none" rtlCol="0">
-            <a:spAutoFit/>
-          </a:bodyPr>
-          <a:lstStyle/>
-          <a:p>
-            <a:r>
-              <a:rPr lang="de-DE" dirty="0" err="1"/>
-              <a:t>Shavelson</a:t>
-            </a:r>
-            <a:r>
-              <a:rPr lang="de-DE" dirty="0"/>
-              <a:t> et al. (2021)</a:t>
-            </a:r>
-          </a:p>
-        </p:txBody>
-      </p:sp>
-      <p:sp>
-        <p:nvSpPr>
-          <p:cNvPr id="7" name="Textfeld 6">
-            <a:extLst>
-              <a:ext uri="{FF2B5EF4-FFF2-40B4-BE49-F238E27FC236}">
-                <a16:creationId xmlns:a16="http://schemas.microsoft.com/office/drawing/2014/main" id="{E6F9191E-AB6C-942E-CC7D-AB26C77C0DF0}"/>
-              </a:ext>
-            </a:extLst>
-          </p:cNvPr>
-          <p:cNvSpPr txBox="1"/>
-          <p:nvPr/>
-        </p:nvSpPr>
-        <p:spPr>
-          <a:xfrm>
-            <a:off x="8372640" y="5078879"/>
-            <a:ext cx="2041585" cy="369332"/>
-          </a:xfrm>
-          <a:prstGeom prst="rect">
-            <a:avLst/>
-          </a:prstGeom>
-          <a:noFill/>
-        </p:spPr>
-        <p:txBody>
-          <a:bodyPr wrap="none" rtlCol="0">
-            <a:spAutoFit/>
-          </a:bodyPr>
-          <a:lstStyle/>
-          <a:p>
-            <a:r>
-              <a:rPr lang="de-DE" dirty="0"/>
-              <a:t>Schildkamp (2019)</a:t>
-            </a:r>
-          </a:p>
-        </p:txBody>
-      </p:sp>
-    </p:spTree>
-    <p:extLst>
-      <p:ext uri="{BB962C8B-B14F-4D97-AF65-F5344CB8AC3E}">
-        <p14:creationId xmlns:p14="http://schemas.microsoft.com/office/powerpoint/2010/main" val="1467230754"/>
-      </p:ext>
-    </p:extLst>
-  </p:cSld>
-  <p:clrMapOvr>
-    <a:masterClrMapping/>
-  </p:clrMapOvr>
-</p:sld>
-</file>
-
-<file path=ppt/slides/slide15.xml><?xml version="1.0" encoding="utf-8"?>
-<p:sld xmlns:a="http://schemas.openxmlformats.org/drawingml/2006/main" xmlns:r="http://schemas.openxmlformats.org/officeDocument/2006/relationships" xmlns:p="http://schemas.openxmlformats.org/presentationml/2006/main" show="0">
-  <p:cSld>
-    <p:spTree>
-      <p:nvGrpSpPr>
-        <p:cNvPr id="1" name=""/>
-        <p:cNvGrpSpPr/>
-        <p:nvPr/>
-      </p:nvGrpSpPr>
-      <p:grpSpPr>
-        <a:xfrm>
-          <a:off x="0" y="0"/>
-          <a:ext cx="0" cy="0"/>
-          <a:chOff x="0" y="0"/>
-          <a:chExt cx="0" cy="0"/>
-        </a:xfrm>
-      </p:grpSpPr>
-      <p:sp>
-        <p:nvSpPr>
-          <p:cNvPr id="4" name="Rechteck 3">
-            <a:extLst>
-              <a:ext uri="{FF2B5EF4-FFF2-40B4-BE49-F238E27FC236}">
-                <a16:creationId xmlns:a16="http://schemas.microsoft.com/office/drawing/2014/main" id="{93C182CB-43A4-F159-EF0C-E4F4EE1E7E00}"/>
-              </a:ext>
-            </a:extLst>
-          </p:cNvPr>
-          <p:cNvSpPr/>
-          <p:nvPr/>
-        </p:nvSpPr>
-        <p:spPr>
-          <a:xfrm>
-            <a:off x="5918972" y="840263"/>
-            <a:ext cx="2150076" cy="667265"/>
-          </a:xfrm>
-          <a:prstGeom prst="rect">
-            <a:avLst/>
-          </a:prstGeom>
-          <a:ln>
-            <a:solidFill>
-              <a:schemeClr val="tx1"/>
-            </a:solidFill>
-          </a:ln>
-          <a:effectLst/>
-        </p:spPr>
-        <p:style>
-          <a:lnRef idx="2">
-            <a:schemeClr val="accent6"/>
-          </a:lnRef>
-          <a:fillRef idx="1">
-            <a:schemeClr val="lt1"/>
-          </a:fillRef>
-          <a:effectRef idx="0">
-            <a:schemeClr val="accent6"/>
-          </a:effectRef>
-          <a:fontRef idx="minor">
-            <a:schemeClr val="dk1"/>
-          </a:fontRef>
-        </p:style>
-        <p:txBody>
-          <a:bodyPr rtlCol="0" anchor="ctr"/>
-          <a:lstStyle/>
-          <a:p>
-            <a:pPr algn="ctr"/>
-            <a:r>
-              <a:rPr lang="de-DE" sz="1400" dirty="0">
-                <a:latin typeface="Arial" panose="020B0604020202020204" pitchFamily="34" charset="0"/>
-                <a:cs typeface="Arial" panose="020B0604020202020204" pitchFamily="34" charset="0"/>
-              </a:rPr>
-              <a:t>Randomisierte kontrollierte Studien</a:t>
-            </a:r>
-          </a:p>
-        </p:txBody>
-      </p:sp>
-      <p:sp>
-        <p:nvSpPr>
-          <p:cNvPr id="5" name="Rechteck 4">
-            <a:extLst>
-              <a:ext uri="{FF2B5EF4-FFF2-40B4-BE49-F238E27FC236}">
-                <a16:creationId xmlns:a16="http://schemas.microsoft.com/office/drawing/2014/main" id="{813A00E2-14B9-69AD-3FDC-FE2C0F50B239}"/>
-              </a:ext>
-            </a:extLst>
-          </p:cNvPr>
-          <p:cNvSpPr/>
-          <p:nvPr/>
-        </p:nvSpPr>
-        <p:spPr>
-          <a:xfrm>
-            <a:off x="5918972" y="1715532"/>
-            <a:ext cx="2150076" cy="667265"/>
-          </a:xfrm>
-          <a:prstGeom prst="rect">
-            <a:avLst/>
-          </a:prstGeom>
-          <a:ln>
-            <a:solidFill>
-              <a:schemeClr val="tx1"/>
-            </a:solidFill>
-          </a:ln>
-        </p:spPr>
-        <p:style>
-          <a:lnRef idx="2">
-            <a:schemeClr val="accent6"/>
-          </a:lnRef>
-          <a:fillRef idx="1">
-            <a:schemeClr val="lt1"/>
-          </a:fillRef>
-          <a:effectRef idx="0">
-            <a:schemeClr val="accent6"/>
-          </a:effectRef>
-          <a:fontRef idx="minor">
-            <a:schemeClr val="dk1"/>
-          </a:fontRef>
-        </p:style>
-        <p:txBody>
-          <a:bodyPr rtlCol="0" anchor="ctr"/>
-          <a:lstStyle/>
-          <a:p>
-            <a:pPr algn="ctr"/>
-            <a:r>
-              <a:rPr lang="de-DE" sz="1400" dirty="0">
-                <a:latin typeface="Arial" panose="020B0604020202020204" pitchFamily="34" charset="0"/>
-                <a:cs typeface="Arial" panose="020B0604020202020204" pitchFamily="34" charset="0"/>
-              </a:rPr>
-              <a:t>weitere quantitative Studien</a:t>
-            </a:r>
-          </a:p>
-        </p:txBody>
-      </p:sp>
-      <p:sp>
-        <p:nvSpPr>
-          <p:cNvPr id="6" name="Rechteck 5">
-            <a:extLst>
-              <a:ext uri="{FF2B5EF4-FFF2-40B4-BE49-F238E27FC236}">
-                <a16:creationId xmlns:a16="http://schemas.microsoft.com/office/drawing/2014/main" id="{3136C698-4542-2946-ABF7-3C1BAA02DEE4}"/>
-              </a:ext>
-            </a:extLst>
-          </p:cNvPr>
-          <p:cNvSpPr/>
-          <p:nvPr/>
-        </p:nvSpPr>
-        <p:spPr>
-          <a:xfrm>
-            <a:off x="5918972" y="2590801"/>
-            <a:ext cx="2150076" cy="667265"/>
-          </a:xfrm>
-          <a:prstGeom prst="rect">
-            <a:avLst/>
-          </a:prstGeom>
-          <a:ln>
-            <a:solidFill>
-              <a:schemeClr val="tx1"/>
-            </a:solidFill>
-          </a:ln>
-        </p:spPr>
-        <p:style>
-          <a:lnRef idx="2">
-            <a:schemeClr val="accent6"/>
-          </a:lnRef>
-          <a:fillRef idx="1">
-            <a:schemeClr val="lt1"/>
-          </a:fillRef>
-          <a:effectRef idx="0">
-            <a:schemeClr val="accent6"/>
-          </a:effectRef>
-          <a:fontRef idx="minor">
-            <a:schemeClr val="dk1"/>
-          </a:fontRef>
-        </p:style>
-        <p:txBody>
-          <a:bodyPr rtlCol="0" anchor="ctr"/>
-          <a:lstStyle/>
-          <a:p>
-            <a:pPr algn="ctr"/>
-            <a:r>
-              <a:rPr lang="de-DE" sz="1400" dirty="0">
-                <a:latin typeface="Arial" panose="020B0604020202020204" pitchFamily="34" charset="0"/>
-                <a:cs typeface="Arial" panose="020B0604020202020204" pitchFamily="34" charset="0"/>
-              </a:rPr>
-              <a:t>qualitative Studien</a:t>
-            </a:r>
-          </a:p>
-        </p:txBody>
-      </p:sp>
-      <p:sp>
-        <p:nvSpPr>
-          <p:cNvPr id="8" name="Rechteck 7">
-            <a:extLst>
-              <a:ext uri="{FF2B5EF4-FFF2-40B4-BE49-F238E27FC236}">
-                <a16:creationId xmlns:a16="http://schemas.microsoft.com/office/drawing/2014/main" id="{12D9CDB9-B82B-007E-9EA4-548F2A516E40}"/>
-              </a:ext>
-            </a:extLst>
-          </p:cNvPr>
-          <p:cNvSpPr/>
-          <p:nvPr/>
-        </p:nvSpPr>
-        <p:spPr>
-          <a:xfrm>
-            <a:off x="5918972" y="3469803"/>
-            <a:ext cx="2150076" cy="667265"/>
-          </a:xfrm>
-          <a:prstGeom prst="rect">
-            <a:avLst/>
-          </a:prstGeom>
-          <a:ln>
-            <a:solidFill>
-              <a:schemeClr val="tx1"/>
-            </a:solidFill>
-          </a:ln>
-        </p:spPr>
-        <p:style>
-          <a:lnRef idx="2">
-            <a:schemeClr val="accent6"/>
-          </a:lnRef>
-          <a:fillRef idx="1">
-            <a:schemeClr val="lt1"/>
-          </a:fillRef>
-          <a:effectRef idx="0">
-            <a:schemeClr val="accent6"/>
-          </a:effectRef>
-          <a:fontRef idx="minor">
-            <a:schemeClr val="dk1"/>
-          </a:fontRef>
-        </p:style>
-        <p:txBody>
-          <a:bodyPr rtlCol="0" anchor="ctr"/>
-          <a:lstStyle/>
-          <a:p>
-            <a:pPr algn="ctr"/>
-            <a:r>
-              <a:rPr lang="de-DE" sz="1400" dirty="0">
-                <a:latin typeface="Arial" panose="020B0604020202020204" pitchFamily="34" charset="0"/>
-                <a:cs typeface="Arial" panose="020B0604020202020204" pitchFamily="34" charset="0"/>
-              </a:rPr>
-              <a:t>Theorien</a:t>
-            </a:r>
-          </a:p>
-        </p:txBody>
-      </p:sp>
-      <p:sp>
-        <p:nvSpPr>
-          <p:cNvPr id="9" name="Rechteck 8">
-            <a:extLst>
-              <a:ext uri="{FF2B5EF4-FFF2-40B4-BE49-F238E27FC236}">
-                <a16:creationId xmlns:a16="http://schemas.microsoft.com/office/drawing/2014/main" id="{8D7DC1E7-2996-5505-CFAC-9FAA738918F7}"/>
-              </a:ext>
-            </a:extLst>
-          </p:cNvPr>
-          <p:cNvSpPr/>
-          <p:nvPr/>
-        </p:nvSpPr>
-        <p:spPr>
-          <a:xfrm>
-            <a:off x="5918972" y="4346003"/>
-            <a:ext cx="2150076" cy="667265"/>
-          </a:xfrm>
-          <a:prstGeom prst="rect">
-            <a:avLst/>
-          </a:prstGeom>
-          <a:ln>
-            <a:solidFill>
-              <a:schemeClr val="tx1"/>
-            </a:solidFill>
-          </a:ln>
-        </p:spPr>
-        <p:style>
-          <a:lnRef idx="2">
-            <a:schemeClr val="accent6"/>
-          </a:lnRef>
-          <a:fillRef idx="1">
-            <a:schemeClr val="lt1"/>
-          </a:fillRef>
-          <a:effectRef idx="0">
-            <a:schemeClr val="accent6"/>
-          </a:effectRef>
-          <a:fontRef idx="minor">
-            <a:schemeClr val="dk1"/>
-          </a:fontRef>
-        </p:style>
-        <p:txBody>
-          <a:bodyPr rtlCol="0" anchor="ctr"/>
-          <a:lstStyle/>
-          <a:p>
-            <a:pPr algn="ctr"/>
-            <a:r>
-              <a:rPr lang="de-DE" sz="1400" i="1" dirty="0" err="1">
-                <a:latin typeface="Arial" panose="020B0604020202020204" pitchFamily="34" charset="0"/>
-                <a:cs typeface="Arial" panose="020B0604020202020204" pitchFamily="34" charset="0"/>
-              </a:rPr>
-              <a:t>Practitioner</a:t>
-            </a:r>
-            <a:r>
-              <a:rPr lang="de-DE" sz="1400" i="1" dirty="0">
-                <a:latin typeface="Arial" panose="020B0604020202020204" pitchFamily="34" charset="0"/>
-                <a:cs typeface="Arial" panose="020B0604020202020204" pitchFamily="34" charset="0"/>
-              </a:rPr>
-              <a:t> Research</a:t>
-            </a:r>
-          </a:p>
-        </p:txBody>
-      </p:sp>
-      <p:sp>
-        <p:nvSpPr>
-          <p:cNvPr id="10" name="Rechteck 9">
-            <a:extLst>
-              <a:ext uri="{FF2B5EF4-FFF2-40B4-BE49-F238E27FC236}">
-                <a16:creationId xmlns:a16="http://schemas.microsoft.com/office/drawing/2014/main" id="{A3072E32-FB14-1601-6113-5503BAC5B58C}"/>
-              </a:ext>
-            </a:extLst>
-          </p:cNvPr>
-          <p:cNvSpPr/>
-          <p:nvPr/>
-        </p:nvSpPr>
-        <p:spPr>
-          <a:xfrm>
-            <a:off x="5918972" y="5220252"/>
-            <a:ext cx="2150076" cy="667265"/>
-          </a:xfrm>
-          <a:prstGeom prst="rect">
-            <a:avLst/>
-          </a:prstGeom>
-          <a:ln>
-            <a:solidFill>
-              <a:schemeClr val="tx1"/>
-            </a:solidFill>
-          </a:ln>
-        </p:spPr>
-        <p:style>
-          <a:lnRef idx="2">
-            <a:schemeClr val="accent6"/>
-          </a:lnRef>
-          <a:fillRef idx="1">
-            <a:schemeClr val="lt1"/>
-          </a:fillRef>
-          <a:effectRef idx="0">
-            <a:schemeClr val="accent6"/>
-          </a:effectRef>
-          <a:fontRef idx="minor">
-            <a:schemeClr val="dk1"/>
-          </a:fontRef>
-        </p:style>
-        <p:txBody>
-          <a:bodyPr rtlCol="0" anchor="ctr"/>
-          <a:lstStyle/>
-          <a:p>
-            <a:pPr algn="ctr"/>
-            <a:r>
-              <a:rPr lang="de-DE" sz="1400" dirty="0">
-                <a:latin typeface="Arial" panose="020B0604020202020204" pitchFamily="34" charset="0"/>
-                <a:cs typeface="Arial" panose="020B0604020202020204" pitchFamily="34" charset="0"/>
-              </a:rPr>
-              <a:t>Data</a:t>
-            </a:r>
-          </a:p>
-        </p:txBody>
-      </p:sp>
-      <p:sp>
-        <p:nvSpPr>
-          <p:cNvPr id="11" name="Textfeld 10">
-            <a:extLst>
-              <a:ext uri="{FF2B5EF4-FFF2-40B4-BE49-F238E27FC236}">
-                <a16:creationId xmlns:a16="http://schemas.microsoft.com/office/drawing/2014/main" id="{C03CADEF-FD3C-D687-70DB-1CAE81ADD3DA}"/>
-              </a:ext>
-            </a:extLst>
-          </p:cNvPr>
-          <p:cNvSpPr txBox="1"/>
-          <p:nvPr/>
-        </p:nvSpPr>
-        <p:spPr>
-          <a:xfrm>
-            <a:off x="6251629" y="-29132"/>
-            <a:ext cx="1314450" cy="461665"/>
-          </a:xfrm>
-          <a:prstGeom prst="rect">
-            <a:avLst/>
-          </a:prstGeom>
-          <a:noFill/>
-        </p:spPr>
-        <p:txBody>
-          <a:bodyPr wrap="square" rtlCol="0">
-            <a:spAutoFit/>
-          </a:bodyPr>
-          <a:lstStyle/>
-          <a:p>
-            <a:r>
-              <a:rPr lang="de-DE" sz="2400" dirty="0">
-                <a:latin typeface="Arial" panose="020B0604020202020204" pitchFamily="34" charset="0"/>
-                <a:cs typeface="Arial" panose="020B0604020202020204" pitchFamily="34" charset="0"/>
-              </a:rPr>
-              <a:t>Evidenz</a:t>
-            </a:r>
-          </a:p>
-        </p:txBody>
-      </p:sp>
-      <p:sp>
-        <p:nvSpPr>
-          <p:cNvPr id="15" name="Textfeld 14">
-            <a:extLst>
-              <a:ext uri="{FF2B5EF4-FFF2-40B4-BE49-F238E27FC236}">
-                <a16:creationId xmlns:a16="http://schemas.microsoft.com/office/drawing/2014/main" id="{FD29D0EE-462A-AB6E-0FDE-59D64539DD3C}"/>
-              </a:ext>
-            </a:extLst>
-          </p:cNvPr>
-          <p:cNvSpPr txBox="1"/>
-          <p:nvPr/>
-        </p:nvSpPr>
-        <p:spPr>
-          <a:xfrm>
-            <a:off x="6804025" y="1375507"/>
-            <a:ext cx="300038" cy="461665"/>
-          </a:xfrm>
-          <a:prstGeom prst="rect">
-            <a:avLst/>
-          </a:prstGeom>
-          <a:noFill/>
-        </p:spPr>
-        <p:txBody>
-          <a:bodyPr wrap="square" rtlCol="0">
-            <a:spAutoFit/>
-          </a:bodyPr>
-          <a:lstStyle/>
-          <a:p>
-            <a:r>
-              <a:rPr lang="de-DE" sz="2400" dirty="0"/>
-              <a:t>+</a:t>
-            </a:r>
-          </a:p>
-        </p:txBody>
-      </p:sp>
-      <p:sp>
-        <p:nvSpPr>
-          <p:cNvPr id="16" name="Textfeld 15">
-            <a:extLst>
-              <a:ext uri="{FF2B5EF4-FFF2-40B4-BE49-F238E27FC236}">
-                <a16:creationId xmlns:a16="http://schemas.microsoft.com/office/drawing/2014/main" id="{0AE3724B-A8C7-EA25-A3C1-79E469E86720}"/>
-              </a:ext>
-            </a:extLst>
-          </p:cNvPr>
-          <p:cNvSpPr txBox="1"/>
-          <p:nvPr/>
-        </p:nvSpPr>
-        <p:spPr>
-          <a:xfrm>
-            <a:off x="6804025" y="2255966"/>
-            <a:ext cx="300038" cy="461665"/>
-          </a:xfrm>
-          <a:prstGeom prst="rect">
-            <a:avLst/>
-          </a:prstGeom>
-          <a:noFill/>
-        </p:spPr>
-        <p:txBody>
-          <a:bodyPr wrap="square" rtlCol="0">
-            <a:spAutoFit/>
-          </a:bodyPr>
-          <a:lstStyle/>
-          <a:p>
-            <a:r>
-              <a:rPr lang="de-DE" sz="2400" dirty="0"/>
-              <a:t>+</a:t>
-            </a:r>
-          </a:p>
-        </p:txBody>
-      </p:sp>
-      <p:sp>
-        <p:nvSpPr>
-          <p:cNvPr id="17" name="Textfeld 16">
-            <a:extLst>
-              <a:ext uri="{FF2B5EF4-FFF2-40B4-BE49-F238E27FC236}">
-                <a16:creationId xmlns:a16="http://schemas.microsoft.com/office/drawing/2014/main" id="{E1F312CA-33FE-76F0-41F0-957A5800EDED}"/>
-              </a:ext>
-            </a:extLst>
-          </p:cNvPr>
-          <p:cNvSpPr txBox="1"/>
-          <p:nvPr/>
-        </p:nvSpPr>
-        <p:spPr>
-          <a:xfrm>
-            <a:off x="6804025" y="3132522"/>
-            <a:ext cx="300038" cy="461665"/>
-          </a:xfrm>
-          <a:prstGeom prst="rect">
-            <a:avLst/>
-          </a:prstGeom>
-          <a:noFill/>
-        </p:spPr>
-        <p:txBody>
-          <a:bodyPr wrap="square" rtlCol="0">
-            <a:spAutoFit/>
-          </a:bodyPr>
-          <a:lstStyle/>
-          <a:p>
-            <a:r>
-              <a:rPr lang="de-DE" sz="2400" dirty="0"/>
-              <a:t>+</a:t>
-            </a:r>
-          </a:p>
-        </p:txBody>
-      </p:sp>
-      <p:sp>
-        <p:nvSpPr>
-          <p:cNvPr id="18" name="Textfeld 17">
-            <a:extLst>
-              <a:ext uri="{FF2B5EF4-FFF2-40B4-BE49-F238E27FC236}">
-                <a16:creationId xmlns:a16="http://schemas.microsoft.com/office/drawing/2014/main" id="{719119CC-CAA1-D4A9-60D4-4CEDCB44D193}"/>
-              </a:ext>
-            </a:extLst>
-          </p:cNvPr>
-          <p:cNvSpPr txBox="1"/>
-          <p:nvPr/>
-        </p:nvSpPr>
-        <p:spPr>
-          <a:xfrm>
-            <a:off x="6804025" y="4017189"/>
-            <a:ext cx="300038" cy="461665"/>
-          </a:xfrm>
-          <a:prstGeom prst="rect">
-            <a:avLst/>
-          </a:prstGeom>
-          <a:noFill/>
-        </p:spPr>
-        <p:txBody>
-          <a:bodyPr wrap="square" rtlCol="0">
-            <a:spAutoFit/>
-          </a:bodyPr>
-          <a:lstStyle/>
-          <a:p>
-            <a:r>
-              <a:rPr lang="de-DE" sz="2400" dirty="0"/>
-              <a:t>+</a:t>
-            </a:r>
-          </a:p>
-        </p:txBody>
-      </p:sp>
-      <p:sp>
-        <p:nvSpPr>
-          <p:cNvPr id="19" name="Textfeld 18">
-            <a:extLst>
-              <a:ext uri="{FF2B5EF4-FFF2-40B4-BE49-F238E27FC236}">
-                <a16:creationId xmlns:a16="http://schemas.microsoft.com/office/drawing/2014/main" id="{AF0C9B27-2976-49EC-3070-CF63FD15FFC9}"/>
-              </a:ext>
-            </a:extLst>
-          </p:cNvPr>
-          <p:cNvSpPr txBox="1"/>
-          <p:nvPr/>
-        </p:nvSpPr>
-        <p:spPr>
-          <a:xfrm>
-            <a:off x="6804025" y="4874522"/>
-            <a:ext cx="300038" cy="461665"/>
-          </a:xfrm>
-          <a:prstGeom prst="rect">
-            <a:avLst/>
-          </a:prstGeom>
-          <a:noFill/>
-        </p:spPr>
-        <p:txBody>
-          <a:bodyPr wrap="square" rtlCol="0">
-            <a:spAutoFit/>
-          </a:bodyPr>
-          <a:lstStyle/>
-          <a:p>
-            <a:r>
-              <a:rPr lang="de-DE" sz="2400" dirty="0"/>
-              <a:t>+</a:t>
-            </a:r>
-          </a:p>
-        </p:txBody>
-      </p:sp>
-      <p:sp>
-        <p:nvSpPr>
-          <p:cNvPr id="22" name="Textfeld 21">
-            <a:extLst>
-              <a:ext uri="{FF2B5EF4-FFF2-40B4-BE49-F238E27FC236}">
-                <a16:creationId xmlns:a16="http://schemas.microsoft.com/office/drawing/2014/main" id="{EDD953E8-2C4E-56C9-C932-0B31CA2AF3D0}"/>
-              </a:ext>
-            </a:extLst>
-          </p:cNvPr>
-          <p:cNvSpPr txBox="1"/>
-          <p:nvPr/>
-        </p:nvSpPr>
-        <p:spPr>
-          <a:xfrm>
-            <a:off x="8046341" y="488689"/>
-            <a:ext cx="2504788" cy="707886"/>
-          </a:xfrm>
-          <a:prstGeom prst="rect">
-            <a:avLst/>
-          </a:prstGeom>
-          <a:noFill/>
-        </p:spPr>
-        <p:txBody>
-          <a:bodyPr wrap="none" rtlCol="0">
-            <a:spAutoFit/>
-          </a:bodyPr>
-          <a:lstStyle/>
-          <a:p>
-            <a:r>
-              <a:rPr lang="de-DE" sz="2000" dirty="0"/>
-              <a:t>forschungsinformiert</a:t>
-            </a:r>
-          </a:p>
-          <a:p>
-            <a:r>
-              <a:rPr lang="de-DE" sz="2000" dirty="0"/>
-              <a:t>(</a:t>
-            </a:r>
-            <a:r>
-              <a:rPr lang="de-DE" sz="2000" dirty="0" err="1"/>
-              <a:t>research-informed</a:t>
-            </a:r>
-            <a:r>
-              <a:rPr lang="de-DE" sz="2000" dirty="0"/>
-              <a:t>)</a:t>
-            </a:r>
-          </a:p>
-        </p:txBody>
-      </p:sp>
-      <p:sp>
-        <p:nvSpPr>
-          <p:cNvPr id="23" name="Oval 22">
-            <a:extLst>
-              <a:ext uri="{FF2B5EF4-FFF2-40B4-BE49-F238E27FC236}">
-                <a16:creationId xmlns:a16="http://schemas.microsoft.com/office/drawing/2014/main" id="{7DFCC480-89F0-AAF3-79CE-3853E8226168}"/>
-              </a:ext>
-            </a:extLst>
-          </p:cNvPr>
-          <p:cNvSpPr/>
-          <p:nvPr/>
-        </p:nvSpPr>
-        <p:spPr>
-          <a:xfrm rot="20870258">
-            <a:off x="3937200" y="217098"/>
-            <a:ext cx="8575874" cy="4758407"/>
-          </a:xfrm>
-          <a:prstGeom prst="ellipse">
-            <a:avLst/>
-          </a:prstGeom>
-          <a:noFill/>
-          <a:ln>
-            <a:solidFill>
-              <a:schemeClr val="tx1"/>
-            </a:solidFill>
-          </a:ln>
-        </p:spPr>
-        <p:style>
-          <a:lnRef idx="2">
-            <a:schemeClr val="accent1">
-              <a:shade val="15000"/>
-            </a:schemeClr>
-          </a:lnRef>
-          <a:fillRef idx="1">
-            <a:schemeClr val="accent1"/>
-          </a:fillRef>
-          <a:effectRef idx="0">
-            <a:schemeClr val="accent1"/>
-          </a:effectRef>
-          <a:fontRef idx="minor">
-            <a:schemeClr val="lt1"/>
-          </a:fontRef>
-        </p:style>
-        <p:txBody>
-          <a:bodyPr rtlCol="0" anchor="ctr"/>
-          <a:lstStyle/>
-          <a:p>
-            <a:pPr algn="ctr"/>
-            <a:r>
-              <a:rPr lang="de-DE" dirty="0"/>
-              <a:t>v</a:t>
-            </a:r>
-          </a:p>
-        </p:txBody>
-      </p:sp>
-      <p:sp>
-        <p:nvSpPr>
-          <p:cNvPr id="24" name="Oval 23">
-            <a:extLst>
-              <a:ext uri="{FF2B5EF4-FFF2-40B4-BE49-F238E27FC236}">
-                <a16:creationId xmlns:a16="http://schemas.microsoft.com/office/drawing/2014/main" id="{6B12C35D-BC0B-8A8B-FB41-2755E5A6ACA7}"/>
-              </a:ext>
-            </a:extLst>
-          </p:cNvPr>
-          <p:cNvSpPr/>
-          <p:nvPr/>
-        </p:nvSpPr>
-        <p:spPr>
-          <a:xfrm rot="20870258">
-            <a:off x="3500400" y="193035"/>
-            <a:ext cx="9659572" cy="5920494"/>
-          </a:xfrm>
-          <a:prstGeom prst="ellipse">
-            <a:avLst/>
-          </a:prstGeom>
-          <a:noFill/>
-          <a:ln>
-            <a:solidFill>
-              <a:schemeClr val="tx1"/>
-            </a:solidFill>
-          </a:ln>
-        </p:spPr>
-        <p:style>
-          <a:lnRef idx="2">
-            <a:schemeClr val="accent1">
-              <a:shade val="15000"/>
-            </a:schemeClr>
-          </a:lnRef>
-          <a:fillRef idx="1">
-            <a:schemeClr val="accent1"/>
-          </a:fillRef>
-          <a:effectRef idx="0">
-            <a:schemeClr val="accent1"/>
-          </a:effectRef>
-          <a:fontRef idx="minor">
-            <a:schemeClr val="lt1"/>
-          </a:fontRef>
-        </p:style>
-        <p:txBody>
-          <a:bodyPr rtlCol="0" anchor="ctr"/>
-          <a:lstStyle/>
-          <a:p>
-            <a:pPr algn="ctr"/>
-            <a:r>
-              <a:rPr lang="de-DE" dirty="0"/>
-              <a:t>v</a:t>
-            </a:r>
-          </a:p>
-        </p:txBody>
-      </p:sp>
-      <p:sp>
-        <p:nvSpPr>
-          <p:cNvPr id="26" name="Oval 25">
-            <a:extLst>
-              <a:ext uri="{FF2B5EF4-FFF2-40B4-BE49-F238E27FC236}">
-                <a16:creationId xmlns:a16="http://schemas.microsoft.com/office/drawing/2014/main" id="{5BF103F4-6261-5AEE-5807-DB073B6ABF11}"/>
-              </a:ext>
-            </a:extLst>
-          </p:cNvPr>
-          <p:cNvSpPr/>
-          <p:nvPr/>
-        </p:nvSpPr>
-        <p:spPr>
-          <a:xfrm rot="21310295">
-            <a:off x="5104903" y="260381"/>
-            <a:ext cx="6134058" cy="3027735"/>
-          </a:xfrm>
-          <a:prstGeom prst="ellipse">
-            <a:avLst/>
-          </a:prstGeom>
-          <a:noFill/>
-          <a:ln>
-            <a:solidFill>
-              <a:schemeClr val="tx1"/>
-            </a:solidFill>
-          </a:ln>
-        </p:spPr>
-        <p:style>
-          <a:lnRef idx="2">
-            <a:schemeClr val="accent6"/>
-          </a:lnRef>
-          <a:fillRef idx="1">
-            <a:schemeClr val="lt1"/>
-          </a:fillRef>
-          <a:effectRef idx="0">
-            <a:schemeClr val="accent6"/>
-          </a:effectRef>
-          <a:fontRef idx="minor">
-            <a:schemeClr val="dk1"/>
-          </a:fontRef>
-        </p:style>
-        <p:txBody>
-          <a:bodyPr rtlCol="0" anchor="ctr"/>
-          <a:lstStyle/>
-          <a:p>
-            <a:pPr algn="ctr"/>
-            <a:endParaRPr lang="de-DE" dirty="0"/>
-          </a:p>
-        </p:txBody>
-      </p:sp>
-      <p:sp>
-        <p:nvSpPr>
-          <p:cNvPr id="2" name="Textfeld 1">
-            <a:extLst>
-              <a:ext uri="{FF2B5EF4-FFF2-40B4-BE49-F238E27FC236}">
-                <a16:creationId xmlns:a16="http://schemas.microsoft.com/office/drawing/2014/main" id="{58558134-F38A-D97D-D18C-75681C1430E9}"/>
-              </a:ext>
-            </a:extLst>
-          </p:cNvPr>
-          <p:cNvSpPr txBox="1"/>
-          <p:nvPr/>
-        </p:nvSpPr>
-        <p:spPr>
-          <a:xfrm>
-            <a:off x="8241378" y="1837065"/>
-            <a:ext cx="1953387" cy="646331"/>
-          </a:xfrm>
-          <a:prstGeom prst="rect">
-            <a:avLst/>
-          </a:prstGeom>
-          <a:noFill/>
-        </p:spPr>
-        <p:txBody>
-          <a:bodyPr wrap="square" rtlCol="0">
-            <a:spAutoFit/>
-          </a:bodyPr>
-          <a:lstStyle/>
-          <a:p>
-            <a:r>
-              <a:rPr lang="de-DE" i="1" dirty="0"/>
-              <a:t>Brown et al. (2017)</a:t>
-            </a:r>
-          </a:p>
-        </p:txBody>
-      </p:sp>
-      <p:sp>
-        <p:nvSpPr>
-          <p:cNvPr id="3" name="Textfeld 2">
-            <a:extLst>
-              <a:ext uri="{FF2B5EF4-FFF2-40B4-BE49-F238E27FC236}">
-                <a16:creationId xmlns:a16="http://schemas.microsoft.com/office/drawing/2014/main" id="{76796E08-4A19-3314-E9B0-39726CB41065}"/>
-              </a:ext>
-            </a:extLst>
-          </p:cNvPr>
-          <p:cNvSpPr txBox="1"/>
-          <p:nvPr/>
-        </p:nvSpPr>
-        <p:spPr>
-          <a:xfrm>
-            <a:off x="8241379" y="5094144"/>
-            <a:ext cx="1948785" cy="646331"/>
-          </a:xfrm>
-          <a:prstGeom prst="rect">
-            <a:avLst/>
-          </a:prstGeom>
-          <a:noFill/>
-        </p:spPr>
-        <p:txBody>
-          <a:bodyPr wrap="square" rtlCol="0">
-            <a:spAutoFit/>
-          </a:bodyPr>
-          <a:lstStyle/>
-          <a:p>
-            <a:r>
-              <a:rPr lang="de-DE" i="1" dirty="0"/>
-              <a:t>Groß </a:t>
-            </a:r>
-            <a:r>
-              <a:rPr lang="de-DE" i="1" dirty="0" err="1"/>
-              <a:t>Ophoff</a:t>
-            </a:r>
-            <a:r>
-              <a:rPr lang="de-DE" i="1" dirty="0"/>
-              <a:t> et al. (2023)</a:t>
-            </a:r>
-          </a:p>
-        </p:txBody>
-      </p:sp>
-      <p:sp>
-        <p:nvSpPr>
-          <p:cNvPr id="7" name="Textfeld 6">
-            <a:extLst>
-              <a:ext uri="{FF2B5EF4-FFF2-40B4-BE49-F238E27FC236}">
-                <a16:creationId xmlns:a16="http://schemas.microsoft.com/office/drawing/2014/main" id="{C34E5764-8B98-C1F2-C2DD-A6A2952ADB55}"/>
-              </a:ext>
-            </a:extLst>
-          </p:cNvPr>
-          <p:cNvSpPr txBox="1"/>
-          <p:nvPr/>
-        </p:nvSpPr>
-        <p:spPr>
-          <a:xfrm>
-            <a:off x="8301613" y="3409521"/>
-            <a:ext cx="1513655" cy="1200329"/>
-          </a:xfrm>
-          <a:prstGeom prst="rect">
-            <a:avLst/>
-          </a:prstGeom>
-          <a:noFill/>
-        </p:spPr>
-        <p:txBody>
-          <a:bodyPr wrap="square" rtlCol="0">
-            <a:spAutoFit/>
-          </a:bodyPr>
-          <a:lstStyle/>
-          <a:p>
-            <a:r>
-              <a:rPr lang="de-DE" i="1" dirty="0"/>
-              <a:t>Boyd (2022)</a:t>
-            </a:r>
-          </a:p>
-          <a:p>
-            <a:endParaRPr lang="de-DE" i="1" dirty="0"/>
-          </a:p>
-          <a:p>
-            <a:r>
-              <a:rPr lang="de-DE" i="1" dirty="0"/>
-              <a:t>Evans et al. (2017)</a:t>
-            </a:r>
-          </a:p>
-        </p:txBody>
-      </p:sp>
-    </p:spTree>
-    <p:extLst>
-      <p:ext uri="{BB962C8B-B14F-4D97-AF65-F5344CB8AC3E}">
-        <p14:creationId xmlns:p14="http://schemas.microsoft.com/office/powerpoint/2010/main" val="2172232383"/>
-      </p:ext>
-    </p:extLst>
-  </p:cSld>
-  <p:clrMapOvr>
-    <a:masterClrMapping/>
-  </p:clrMapOvr>
-</p:sld>
-</file>
-
-<file path=ppt/slides/slide16.xml><?xml version="1.0" encoding="utf-8"?>
-<p:sld xmlns:a="http://schemas.openxmlformats.org/drawingml/2006/main" xmlns:r="http://schemas.openxmlformats.org/officeDocument/2006/relationships" xmlns:p="http://schemas.openxmlformats.org/presentationml/2006/main" show="0">
-  <p:cSld>
-    <p:spTree>
-      <p:nvGrpSpPr>
-        <p:cNvPr id="1" name=""/>
-        <p:cNvGrpSpPr/>
-        <p:nvPr/>
-      </p:nvGrpSpPr>
-      <p:grpSpPr>
-        <a:xfrm>
-          <a:off x="0" y="0"/>
-          <a:ext cx="0" cy="0"/>
-          <a:chOff x="0" y="0"/>
-          <a:chExt cx="0" cy="0"/>
-        </a:xfrm>
-      </p:grpSpPr>
-      <p:sp>
-        <p:nvSpPr>
-          <p:cNvPr id="4" name="Rechteck 3">
-            <a:extLst>
-              <a:ext uri="{FF2B5EF4-FFF2-40B4-BE49-F238E27FC236}">
-                <a16:creationId xmlns:a16="http://schemas.microsoft.com/office/drawing/2014/main" id="{93C182CB-43A4-F159-EF0C-E4F4EE1E7E00}"/>
-              </a:ext>
-            </a:extLst>
-          </p:cNvPr>
-          <p:cNvSpPr/>
-          <p:nvPr/>
-        </p:nvSpPr>
-        <p:spPr>
-          <a:xfrm>
-            <a:off x="5918972" y="840263"/>
-            <a:ext cx="2150076" cy="667265"/>
-          </a:xfrm>
-          <a:prstGeom prst="rect">
-            <a:avLst/>
-          </a:prstGeom>
-          <a:ln>
-            <a:solidFill>
-              <a:schemeClr val="tx1"/>
-            </a:solidFill>
-          </a:ln>
-          <a:effectLst/>
-        </p:spPr>
-        <p:style>
-          <a:lnRef idx="2">
-            <a:schemeClr val="accent6"/>
-          </a:lnRef>
-          <a:fillRef idx="1">
-            <a:schemeClr val="lt1"/>
-          </a:fillRef>
-          <a:effectRef idx="0">
-            <a:schemeClr val="accent6"/>
-          </a:effectRef>
-          <a:fontRef idx="minor">
-            <a:schemeClr val="dk1"/>
-          </a:fontRef>
-        </p:style>
-        <p:txBody>
-          <a:bodyPr rtlCol="0" anchor="ctr"/>
-          <a:lstStyle/>
-          <a:p>
-            <a:pPr algn="ctr"/>
-            <a:r>
-              <a:rPr lang="de-DE" sz="1400" dirty="0">
-                <a:latin typeface="Arial" panose="020B0604020202020204" pitchFamily="34" charset="0"/>
-                <a:cs typeface="Arial" panose="020B0604020202020204" pitchFamily="34" charset="0"/>
-              </a:rPr>
-              <a:t>Randomisierte kontrollierte Studien</a:t>
-            </a:r>
-          </a:p>
-        </p:txBody>
-      </p:sp>
-      <p:sp>
-        <p:nvSpPr>
-          <p:cNvPr id="5" name="Rechteck 4">
-            <a:extLst>
-              <a:ext uri="{FF2B5EF4-FFF2-40B4-BE49-F238E27FC236}">
-                <a16:creationId xmlns:a16="http://schemas.microsoft.com/office/drawing/2014/main" id="{813A00E2-14B9-69AD-3FDC-FE2C0F50B239}"/>
-              </a:ext>
-            </a:extLst>
-          </p:cNvPr>
-          <p:cNvSpPr/>
-          <p:nvPr/>
-        </p:nvSpPr>
-        <p:spPr>
-          <a:xfrm>
-            <a:off x="5918972" y="1715532"/>
-            <a:ext cx="2150076" cy="667265"/>
-          </a:xfrm>
-          <a:prstGeom prst="rect">
-            <a:avLst/>
-          </a:prstGeom>
-          <a:ln>
-            <a:solidFill>
-              <a:schemeClr val="tx1"/>
-            </a:solidFill>
-          </a:ln>
-        </p:spPr>
-        <p:style>
-          <a:lnRef idx="2">
-            <a:schemeClr val="accent6"/>
-          </a:lnRef>
-          <a:fillRef idx="1">
-            <a:schemeClr val="lt1"/>
-          </a:fillRef>
-          <a:effectRef idx="0">
-            <a:schemeClr val="accent6"/>
-          </a:effectRef>
-          <a:fontRef idx="minor">
-            <a:schemeClr val="dk1"/>
-          </a:fontRef>
-        </p:style>
-        <p:txBody>
-          <a:bodyPr rtlCol="0" anchor="ctr"/>
-          <a:lstStyle/>
-          <a:p>
-            <a:pPr algn="ctr"/>
-            <a:r>
-              <a:rPr lang="de-DE" sz="1400" dirty="0">
-                <a:latin typeface="Arial" panose="020B0604020202020204" pitchFamily="34" charset="0"/>
-                <a:cs typeface="Arial" panose="020B0604020202020204" pitchFamily="34" charset="0"/>
-              </a:rPr>
-              <a:t>weitere quantitative Studien</a:t>
-            </a:r>
-          </a:p>
-        </p:txBody>
-      </p:sp>
-      <p:sp>
-        <p:nvSpPr>
-          <p:cNvPr id="6" name="Rechteck 5">
-            <a:extLst>
-              <a:ext uri="{FF2B5EF4-FFF2-40B4-BE49-F238E27FC236}">
-                <a16:creationId xmlns:a16="http://schemas.microsoft.com/office/drawing/2014/main" id="{3136C698-4542-2946-ABF7-3C1BAA02DEE4}"/>
-              </a:ext>
-            </a:extLst>
-          </p:cNvPr>
-          <p:cNvSpPr/>
-          <p:nvPr/>
-        </p:nvSpPr>
-        <p:spPr>
-          <a:xfrm>
-            <a:off x="5918972" y="2590801"/>
-            <a:ext cx="2150076" cy="667265"/>
-          </a:xfrm>
-          <a:prstGeom prst="rect">
-            <a:avLst/>
-          </a:prstGeom>
-          <a:ln>
-            <a:solidFill>
-              <a:schemeClr val="tx1"/>
-            </a:solidFill>
-          </a:ln>
-        </p:spPr>
-        <p:style>
-          <a:lnRef idx="2">
-            <a:schemeClr val="accent6"/>
-          </a:lnRef>
-          <a:fillRef idx="1">
-            <a:schemeClr val="lt1"/>
-          </a:fillRef>
-          <a:effectRef idx="0">
-            <a:schemeClr val="accent6"/>
-          </a:effectRef>
-          <a:fontRef idx="minor">
-            <a:schemeClr val="dk1"/>
-          </a:fontRef>
-        </p:style>
-        <p:txBody>
-          <a:bodyPr rtlCol="0" anchor="ctr"/>
-          <a:lstStyle/>
-          <a:p>
-            <a:pPr algn="ctr"/>
-            <a:r>
-              <a:rPr lang="de-DE" sz="1400" dirty="0">
-                <a:latin typeface="Arial" panose="020B0604020202020204" pitchFamily="34" charset="0"/>
-                <a:cs typeface="Arial" panose="020B0604020202020204" pitchFamily="34" charset="0"/>
-              </a:rPr>
-              <a:t>qualitative Studien</a:t>
-            </a:r>
-          </a:p>
-        </p:txBody>
-      </p:sp>
-      <p:sp>
-        <p:nvSpPr>
-          <p:cNvPr id="8" name="Rechteck 7">
-            <a:extLst>
-              <a:ext uri="{FF2B5EF4-FFF2-40B4-BE49-F238E27FC236}">
-                <a16:creationId xmlns:a16="http://schemas.microsoft.com/office/drawing/2014/main" id="{12D9CDB9-B82B-007E-9EA4-548F2A516E40}"/>
-              </a:ext>
-            </a:extLst>
-          </p:cNvPr>
-          <p:cNvSpPr/>
-          <p:nvPr/>
-        </p:nvSpPr>
-        <p:spPr>
-          <a:xfrm>
-            <a:off x="5918972" y="3469803"/>
-            <a:ext cx="2150076" cy="667265"/>
-          </a:xfrm>
-          <a:prstGeom prst="rect">
-            <a:avLst/>
-          </a:prstGeom>
-          <a:ln>
-            <a:solidFill>
-              <a:schemeClr val="tx1"/>
-            </a:solidFill>
-          </a:ln>
-        </p:spPr>
-        <p:style>
-          <a:lnRef idx="2">
-            <a:schemeClr val="accent6"/>
-          </a:lnRef>
-          <a:fillRef idx="1">
-            <a:schemeClr val="lt1"/>
-          </a:fillRef>
-          <a:effectRef idx="0">
-            <a:schemeClr val="accent6"/>
-          </a:effectRef>
-          <a:fontRef idx="minor">
-            <a:schemeClr val="dk1"/>
-          </a:fontRef>
-        </p:style>
-        <p:txBody>
-          <a:bodyPr rtlCol="0" anchor="ctr"/>
-          <a:lstStyle/>
-          <a:p>
-            <a:pPr algn="ctr"/>
-            <a:r>
-              <a:rPr lang="de-DE" sz="1400" dirty="0">
-                <a:latin typeface="Arial" panose="020B0604020202020204" pitchFamily="34" charset="0"/>
-                <a:cs typeface="Arial" panose="020B0604020202020204" pitchFamily="34" charset="0"/>
-              </a:rPr>
-              <a:t>Theorien</a:t>
-            </a:r>
-          </a:p>
-        </p:txBody>
-      </p:sp>
-      <p:sp>
-        <p:nvSpPr>
-          <p:cNvPr id="9" name="Rechteck 8">
-            <a:extLst>
-              <a:ext uri="{FF2B5EF4-FFF2-40B4-BE49-F238E27FC236}">
-                <a16:creationId xmlns:a16="http://schemas.microsoft.com/office/drawing/2014/main" id="{8D7DC1E7-2996-5505-CFAC-9FAA738918F7}"/>
-              </a:ext>
-            </a:extLst>
-          </p:cNvPr>
-          <p:cNvSpPr/>
-          <p:nvPr/>
-        </p:nvSpPr>
-        <p:spPr>
-          <a:xfrm>
-            <a:off x="5918972" y="4346003"/>
-            <a:ext cx="2150076" cy="667265"/>
-          </a:xfrm>
-          <a:prstGeom prst="rect">
-            <a:avLst/>
-          </a:prstGeom>
-          <a:ln>
-            <a:solidFill>
-              <a:schemeClr val="tx1"/>
-            </a:solidFill>
-          </a:ln>
-        </p:spPr>
-        <p:style>
-          <a:lnRef idx="2">
-            <a:schemeClr val="accent6"/>
-          </a:lnRef>
-          <a:fillRef idx="1">
-            <a:schemeClr val="lt1"/>
-          </a:fillRef>
-          <a:effectRef idx="0">
-            <a:schemeClr val="accent6"/>
-          </a:effectRef>
-          <a:fontRef idx="minor">
-            <a:schemeClr val="dk1"/>
-          </a:fontRef>
-        </p:style>
-        <p:txBody>
-          <a:bodyPr rtlCol="0" anchor="ctr"/>
-          <a:lstStyle/>
-          <a:p>
-            <a:pPr algn="ctr"/>
-            <a:r>
-              <a:rPr lang="de-DE" sz="1400" dirty="0">
-                <a:latin typeface="Arial" panose="020B0604020202020204" pitchFamily="34" charset="0"/>
-                <a:cs typeface="Arial" panose="020B0604020202020204" pitchFamily="34" charset="0"/>
-              </a:rPr>
-              <a:t>“</a:t>
-            </a:r>
-            <a:r>
-              <a:rPr lang="de-DE" sz="1400" dirty="0" err="1">
-                <a:latin typeface="Arial" panose="020B0604020202020204" pitchFamily="34" charset="0"/>
-                <a:cs typeface="Arial" panose="020B0604020202020204" pitchFamily="34" charset="0"/>
-              </a:rPr>
-              <a:t>Practitioner</a:t>
-            </a:r>
-            <a:r>
-              <a:rPr lang="de-DE" sz="1400" dirty="0">
-                <a:latin typeface="Arial" panose="020B0604020202020204" pitchFamily="34" charset="0"/>
-                <a:cs typeface="Arial" panose="020B0604020202020204" pitchFamily="34" charset="0"/>
-              </a:rPr>
-              <a:t> Research“</a:t>
-            </a:r>
-          </a:p>
-        </p:txBody>
-      </p:sp>
-      <p:sp>
-        <p:nvSpPr>
-          <p:cNvPr id="10" name="Rechteck 9">
-            <a:extLst>
-              <a:ext uri="{FF2B5EF4-FFF2-40B4-BE49-F238E27FC236}">
-                <a16:creationId xmlns:a16="http://schemas.microsoft.com/office/drawing/2014/main" id="{A3072E32-FB14-1601-6113-5503BAC5B58C}"/>
-              </a:ext>
-            </a:extLst>
-          </p:cNvPr>
-          <p:cNvSpPr/>
-          <p:nvPr/>
-        </p:nvSpPr>
-        <p:spPr>
-          <a:xfrm>
-            <a:off x="5918972" y="5220252"/>
-            <a:ext cx="2150076" cy="667265"/>
-          </a:xfrm>
-          <a:prstGeom prst="rect">
-            <a:avLst/>
-          </a:prstGeom>
-          <a:ln>
-            <a:solidFill>
-              <a:schemeClr val="tx1"/>
-            </a:solidFill>
-          </a:ln>
-        </p:spPr>
-        <p:style>
-          <a:lnRef idx="2">
-            <a:schemeClr val="accent6"/>
-          </a:lnRef>
-          <a:fillRef idx="1">
-            <a:schemeClr val="lt1"/>
-          </a:fillRef>
-          <a:effectRef idx="0">
-            <a:schemeClr val="accent6"/>
-          </a:effectRef>
-          <a:fontRef idx="minor">
-            <a:schemeClr val="dk1"/>
-          </a:fontRef>
-        </p:style>
-        <p:txBody>
-          <a:bodyPr rtlCol="0" anchor="ctr"/>
-          <a:lstStyle/>
-          <a:p>
-            <a:pPr algn="ctr"/>
-            <a:r>
-              <a:rPr lang="de-DE" sz="1400" dirty="0">
-                <a:latin typeface="Arial" panose="020B0604020202020204" pitchFamily="34" charset="0"/>
-                <a:cs typeface="Arial" panose="020B0604020202020204" pitchFamily="34" charset="0"/>
-              </a:rPr>
-              <a:t>Data</a:t>
-            </a:r>
-          </a:p>
-        </p:txBody>
-      </p:sp>
-      <p:sp>
-        <p:nvSpPr>
-          <p:cNvPr id="11" name="Textfeld 10">
-            <a:extLst>
-              <a:ext uri="{FF2B5EF4-FFF2-40B4-BE49-F238E27FC236}">
-                <a16:creationId xmlns:a16="http://schemas.microsoft.com/office/drawing/2014/main" id="{C03CADEF-FD3C-D687-70DB-1CAE81ADD3DA}"/>
-              </a:ext>
-            </a:extLst>
-          </p:cNvPr>
-          <p:cNvSpPr txBox="1"/>
-          <p:nvPr/>
-        </p:nvSpPr>
-        <p:spPr>
-          <a:xfrm>
-            <a:off x="6251629" y="-29132"/>
-            <a:ext cx="1314450" cy="461665"/>
-          </a:xfrm>
-          <a:prstGeom prst="rect">
-            <a:avLst/>
-          </a:prstGeom>
-          <a:noFill/>
-        </p:spPr>
-        <p:txBody>
-          <a:bodyPr wrap="square" rtlCol="0">
-            <a:spAutoFit/>
-          </a:bodyPr>
-          <a:lstStyle/>
-          <a:p>
-            <a:r>
-              <a:rPr lang="de-DE" sz="2400" dirty="0">
-                <a:latin typeface="Arial" panose="020B0604020202020204" pitchFamily="34" charset="0"/>
-                <a:cs typeface="Arial" panose="020B0604020202020204" pitchFamily="34" charset="0"/>
-              </a:rPr>
-              <a:t>Evidenz</a:t>
-            </a:r>
-          </a:p>
-        </p:txBody>
-      </p:sp>
-      <p:sp>
-        <p:nvSpPr>
-          <p:cNvPr id="15" name="Textfeld 14">
-            <a:extLst>
-              <a:ext uri="{FF2B5EF4-FFF2-40B4-BE49-F238E27FC236}">
-                <a16:creationId xmlns:a16="http://schemas.microsoft.com/office/drawing/2014/main" id="{FD29D0EE-462A-AB6E-0FDE-59D64539DD3C}"/>
-              </a:ext>
-            </a:extLst>
-          </p:cNvPr>
-          <p:cNvSpPr txBox="1"/>
-          <p:nvPr/>
-        </p:nvSpPr>
-        <p:spPr>
-          <a:xfrm>
-            <a:off x="6804025" y="1375507"/>
-            <a:ext cx="300038" cy="461665"/>
-          </a:xfrm>
-          <a:prstGeom prst="rect">
-            <a:avLst/>
-          </a:prstGeom>
-          <a:noFill/>
-        </p:spPr>
-        <p:txBody>
-          <a:bodyPr wrap="square" rtlCol="0">
-            <a:spAutoFit/>
-          </a:bodyPr>
-          <a:lstStyle/>
-          <a:p>
-            <a:r>
-              <a:rPr lang="de-DE" sz="2400" dirty="0"/>
-              <a:t>+</a:t>
-            </a:r>
-          </a:p>
-        </p:txBody>
-      </p:sp>
-      <p:sp>
-        <p:nvSpPr>
-          <p:cNvPr id="16" name="Textfeld 15">
-            <a:extLst>
-              <a:ext uri="{FF2B5EF4-FFF2-40B4-BE49-F238E27FC236}">
-                <a16:creationId xmlns:a16="http://schemas.microsoft.com/office/drawing/2014/main" id="{0AE3724B-A8C7-EA25-A3C1-79E469E86720}"/>
-              </a:ext>
-            </a:extLst>
-          </p:cNvPr>
-          <p:cNvSpPr txBox="1"/>
-          <p:nvPr/>
-        </p:nvSpPr>
-        <p:spPr>
-          <a:xfrm>
-            <a:off x="6804025" y="2255966"/>
-            <a:ext cx="300038" cy="461665"/>
-          </a:xfrm>
-          <a:prstGeom prst="rect">
-            <a:avLst/>
-          </a:prstGeom>
-          <a:noFill/>
-        </p:spPr>
-        <p:txBody>
-          <a:bodyPr wrap="square" rtlCol="0">
-            <a:spAutoFit/>
-          </a:bodyPr>
-          <a:lstStyle/>
-          <a:p>
-            <a:r>
-              <a:rPr lang="de-DE" sz="2400" dirty="0"/>
-              <a:t>+</a:t>
-            </a:r>
-          </a:p>
-        </p:txBody>
-      </p:sp>
-      <p:sp>
-        <p:nvSpPr>
-          <p:cNvPr id="17" name="Textfeld 16">
-            <a:extLst>
-              <a:ext uri="{FF2B5EF4-FFF2-40B4-BE49-F238E27FC236}">
-                <a16:creationId xmlns:a16="http://schemas.microsoft.com/office/drawing/2014/main" id="{E1F312CA-33FE-76F0-41F0-957A5800EDED}"/>
-              </a:ext>
-            </a:extLst>
-          </p:cNvPr>
-          <p:cNvSpPr txBox="1"/>
-          <p:nvPr/>
-        </p:nvSpPr>
-        <p:spPr>
-          <a:xfrm>
-            <a:off x="6804025" y="3132522"/>
-            <a:ext cx="300038" cy="461665"/>
-          </a:xfrm>
-          <a:prstGeom prst="rect">
-            <a:avLst/>
-          </a:prstGeom>
-          <a:noFill/>
-        </p:spPr>
-        <p:txBody>
-          <a:bodyPr wrap="square" rtlCol="0">
-            <a:spAutoFit/>
-          </a:bodyPr>
-          <a:lstStyle/>
-          <a:p>
-            <a:r>
-              <a:rPr lang="de-DE" sz="2400" dirty="0"/>
-              <a:t>+</a:t>
-            </a:r>
-          </a:p>
-        </p:txBody>
-      </p:sp>
-      <p:sp>
-        <p:nvSpPr>
-          <p:cNvPr id="18" name="Textfeld 17">
-            <a:extLst>
-              <a:ext uri="{FF2B5EF4-FFF2-40B4-BE49-F238E27FC236}">
-                <a16:creationId xmlns:a16="http://schemas.microsoft.com/office/drawing/2014/main" id="{719119CC-CAA1-D4A9-60D4-4CEDCB44D193}"/>
-              </a:ext>
-            </a:extLst>
-          </p:cNvPr>
-          <p:cNvSpPr txBox="1"/>
-          <p:nvPr/>
-        </p:nvSpPr>
-        <p:spPr>
-          <a:xfrm>
-            <a:off x="6804025" y="4017189"/>
-            <a:ext cx="300038" cy="461665"/>
-          </a:xfrm>
-          <a:prstGeom prst="rect">
-            <a:avLst/>
-          </a:prstGeom>
-          <a:noFill/>
-        </p:spPr>
-        <p:txBody>
-          <a:bodyPr wrap="square" rtlCol="0">
-            <a:spAutoFit/>
-          </a:bodyPr>
-          <a:lstStyle/>
-          <a:p>
-            <a:r>
-              <a:rPr lang="de-DE" sz="2400" dirty="0"/>
-              <a:t>+</a:t>
-            </a:r>
-          </a:p>
-        </p:txBody>
-      </p:sp>
-      <p:sp>
-        <p:nvSpPr>
-          <p:cNvPr id="19" name="Textfeld 18">
-            <a:extLst>
-              <a:ext uri="{FF2B5EF4-FFF2-40B4-BE49-F238E27FC236}">
-                <a16:creationId xmlns:a16="http://schemas.microsoft.com/office/drawing/2014/main" id="{AF0C9B27-2976-49EC-3070-CF63FD15FFC9}"/>
-              </a:ext>
-            </a:extLst>
-          </p:cNvPr>
-          <p:cNvSpPr txBox="1"/>
-          <p:nvPr/>
-        </p:nvSpPr>
-        <p:spPr>
-          <a:xfrm>
-            <a:off x="6804025" y="4874522"/>
-            <a:ext cx="300038" cy="461665"/>
-          </a:xfrm>
-          <a:prstGeom prst="rect">
-            <a:avLst/>
-          </a:prstGeom>
-          <a:noFill/>
-        </p:spPr>
-        <p:txBody>
-          <a:bodyPr wrap="square" rtlCol="0">
-            <a:spAutoFit/>
-          </a:bodyPr>
-          <a:lstStyle/>
-          <a:p>
-            <a:r>
-              <a:rPr lang="de-DE" sz="2400" dirty="0"/>
-              <a:t>+</a:t>
-            </a:r>
-          </a:p>
-        </p:txBody>
-      </p:sp>
-      <p:sp>
-        <p:nvSpPr>
-          <p:cNvPr id="22" name="Textfeld 21">
-            <a:extLst>
-              <a:ext uri="{FF2B5EF4-FFF2-40B4-BE49-F238E27FC236}">
-                <a16:creationId xmlns:a16="http://schemas.microsoft.com/office/drawing/2014/main" id="{EDD953E8-2C4E-56C9-C932-0B31CA2AF3D0}"/>
-              </a:ext>
-            </a:extLst>
-          </p:cNvPr>
-          <p:cNvSpPr txBox="1"/>
-          <p:nvPr/>
-        </p:nvSpPr>
-        <p:spPr>
-          <a:xfrm>
-            <a:off x="8069048" y="476708"/>
-            <a:ext cx="2371098" cy="707886"/>
-          </a:xfrm>
-          <a:prstGeom prst="rect">
-            <a:avLst/>
-          </a:prstGeom>
-          <a:noFill/>
-        </p:spPr>
-        <p:txBody>
-          <a:bodyPr wrap="none" rtlCol="0">
-            <a:spAutoFit/>
-          </a:bodyPr>
-          <a:lstStyle/>
-          <a:p>
-            <a:r>
-              <a:rPr lang="de-DE" sz="2000" dirty="0"/>
-              <a:t>evidenzorientiert</a:t>
-            </a:r>
-          </a:p>
-          <a:p>
-            <a:r>
-              <a:rPr lang="de-DE" sz="2000" dirty="0"/>
-              <a:t>(</a:t>
-            </a:r>
-            <a:r>
-              <a:rPr lang="de-DE" sz="2000" dirty="0" err="1"/>
-              <a:t>evidence-oriented</a:t>
-            </a:r>
-            <a:r>
-              <a:rPr lang="de-DE" sz="2000" dirty="0"/>
-              <a:t>)</a:t>
-            </a:r>
-          </a:p>
-        </p:txBody>
-      </p:sp>
-      <p:sp>
-        <p:nvSpPr>
-          <p:cNvPr id="25" name="Oval 24">
-            <a:extLst>
-              <a:ext uri="{FF2B5EF4-FFF2-40B4-BE49-F238E27FC236}">
-                <a16:creationId xmlns:a16="http://schemas.microsoft.com/office/drawing/2014/main" id="{5A734FFB-4838-A40D-EBE4-16B4C0B2F06B}"/>
-              </a:ext>
-            </a:extLst>
-          </p:cNvPr>
-          <p:cNvSpPr/>
-          <p:nvPr/>
-        </p:nvSpPr>
-        <p:spPr>
-          <a:xfrm rot="20964910">
-            <a:off x="3874033" y="201430"/>
-            <a:ext cx="8003111" cy="3996624"/>
-          </a:xfrm>
-          <a:prstGeom prst="ellipse">
-            <a:avLst/>
-          </a:prstGeom>
-          <a:noFill/>
-          <a:ln>
-            <a:solidFill>
-              <a:schemeClr val="tx1"/>
-            </a:solidFill>
-          </a:ln>
-        </p:spPr>
-        <p:style>
-          <a:lnRef idx="2">
-            <a:schemeClr val="accent6"/>
-          </a:lnRef>
-          <a:fillRef idx="1">
-            <a:schemeClr val="lt1"/>
-          </a:fillRef>
-          <a:effectRef idx="0">
-            <a:schemeClr val="accent6"/>
-          </a:effectRef>
-          <a:fontRef idx="minor">
-            <a:schemeClr val="dk1"/>
-          </a:fontRef>
-        </p:style>
-        <p:txBody>
-          <a:bodyPr rtlCol="0" anchor="ctr"/>
-          <a:lstStyle/>
-          <a:p>
-            <a:pPr algn="ctr"/>
-            <a:endParaRPr lang="de-DE" dirty="0"/>
-          </a:p>
-        </p:txBody>
-      </p:sp>
-      <p:sp>
-        <p:nvSpPr>
-          <p:cNvPr id="26" name="Oval 25">
-            <a:extLst>
-              <a:ext uri="{FF2B5EF4-FFF2-40B4-BE49-F238E27FC236}">
-                <a16:creationId xmlns:a16="http://schemas.microsoft.com/office/drawing/2014/main" id="{5BF103F4-6261-5AEE-5807-DB073B6ABF11}"/>
-              </a:ext>
-            </a:extLst>
-          </p:cNvPr>
-          <p:cNvSpPr/>
-          <p:nvPr/>
-        </p:nvSpPr>
-        <p:spPr>
-          <a:xfrm rot="21310295">
-            <a:off x="4385873" y="342744"/>
-            <a:ext cx="6926006" cy="2978614"/>
-          </a:xfrm>
-          <a:prstGeom prst="ellipse">
-            <a:avLst/>
-          </a:prstGeom>
-          <a:noFill/>
-          <a:ln>
-            <a:solidFill>
-              <a:schemeClr val="tx1"/>
-            </a:solidFill>
-          </a:ln>
-        </p:spPr>
-        <p:style>
-          <a:lnRef idx="2">
-            <a:schemeClr val="accent6"/>
-          </a:lnRef>
-          <a:fillRef idx="1">
-            <a:schemeClr val="lt1"/>
-          </a:fillRef>
-          <a:effectRef idx="0">
-            <a:schemeClr val="accent6"/>
-          </a:effectRef>
-          <a:fontRef idx="minor">
-            <a:schemeClr val="dk1"/>
-          </a:fontRef>
-        </p:style>
-        <p:txBody>
-          <a:bodyPr rtlCol="0" anchor="ctr"/>
-          <a:lstStyle/>
-          <a:p>
-            <a:pPr algn="ctr"/>
-            <a:endParaRPr lang="de-DE" dirty="0"/>
-          </a:p>
-        </p:txBody>
-      </p:sp>
-      <p:sp>
-        <p:nvSpPr>
-          <p:cNvPr id="2" name="Textfeld 1">
-            <a:extLst>
-              <a:ext uri="{FF2B5EF4-FFF2-40B4-BE49-F238E27FC236}">
-                <a16:creationId xmlns:a16="http://schemas.microsoft.com/office/drawing/2014/main" id="{E35F8966-76AE-676B-E09E-7ADC1D408640}"/>
-              </a:ext>
-            </a:extLst>
-          </p:cNvPr>
-          <p:cNvSpPr txBox="1"/>
-          <p:nvPr/>
-        </p:nvSpPr>
-        <p:spPr>
-          <a:xfrm>
-            <a:off x="8682613" y="1751153"/>
-            <a:ext cx="1509901" cy="369332"/>
-          </a:xfrm>
-          <a:prstGeom prst="rect">
-            <a:avLst/>
-          </a:prstGeom>
-          <a:noFill/>
-        </p:spPr>
-        <p:txBody>
-          <a:bodyPr wrap="none" rtlCol="0">
-            <a:spAutoFit/>
-          </a:bodyPr>
-          <a:lstStyle/>
-          <a:p>
-            <a:r>
-              <a:rPr lang="de-DE" i="1" dirty="0" err="1"/>
-              <a:t>Gräsel</a:t>
-            </a:r>
-            <a:r>
-              <a:rPr lang="de-DE" i="1" dirty="0"/>
-              <a:t> (2019)</a:t>
-            </a:r>
-          </a:p>
-        </p:txBody>
-      </p:sp>
-      <p:sp>
-        <p:nvSpPr>
-          <p:cNvPr id="3" name="Textfeld 2">
-            <a:extLst>
-              <a:ext uri="{FF2B5EF4-FFF2-40B4-BE49-F238E27FC236}">
-                <a16:creationId xmlns:a16="http://schemas.microsoft.com/office/drawing/2014/main" id="{78988C62-A0E5-38FF-CFD1-A5CF5A6F94BB}"/>
-              </a:ext>
-            </a:extLst>
-          </p:cNvPr>
-          <p:cNvSpPr txBox="1"/>
-          <p:nvPr/>
-        </p:nvSpPr>
-        <p:spPr>
-          <a:xfrm>
-            <a:off x="8513730" y="3169308"/>
-            <a:ext cx="2038763" cy="338554"/>
-          </a:xfrm>
-          <a:prstGeom prst="rect">
-            <a:avLst/>
-          </a:prstGeom>
-          <a:noFill/>
-        </p:spPr>
-        <p:txBody>
-          <a:bodyPr wrap="none" rtlCol="0">
-            <a:spAutoFit/>
-          </a:bodyPr>
-          <a:lstStyle/>
-          <a:p>
-            <a:r>
-              <a:rPr lang="de-DE" sz="1600" i="1" dirty="0"/>
-              <a:t>Bauer &amp; Kollar (2023)</a:t>
-            </a:r>
-          </a:p>
-        </p:txBody>
-      </p:sp>
-      <p:sp>
-        <p:nvSpPr>
-          <p:cNvPr id="7" name="Textfeld 6">
-            <a:extLst>
-              <a:ext uri="{FF2B5EF4-FFF2-40B4-BE49-F238E27FC236}">
-                <a16:creationId xmlns:a16="http://schemas.microsoft.com/office/drawing/2014/main" id="{0D4E263D-66DA-9BDA-BEC3-5A3038A2F13E}"/>
-              </a:ext>
-            </a:extLst>
-          </p:cNvPr>
-          <p:cNvSpPr txBox="1"/>
-          <p:nvPr/>
-        </p:nvSpPr>
-        <p:spPr>
-          <a:xfrm>
-            <a:off x="10003878" y="2746990"/>
-            <a:ext cx="1509901" cy="338554"/>
-          </a:xfrm>
-          <a:prstGeom prst="rect">
-            <a:avLst/>
-          </a:prstGeom>
-          <a:noFill/>
-        </p:spPr>
-        <p:txBody>
-          <a:bodyPr wrap="square" rtlCol="0">
-            <a:spAutoFit/>
-          </a:bodyPr>
-          <a:lstStyle/>
-          <a:p>
-            <a:r>
-              <a:rPr lang="de-DE" sz="1600" i="1" dirty="0"/>
-              <a:t>Stark (2017)</a:t>
-            </a:r>
-          </a:p>
-        </p:txBody>
-      </p:sp>
-      <p:sp>
-        <p:nvSpPr>
-          <p:cNvPr id="12" name="Textfeld 11">
-            <a:extLst>
-              <a:ext uri="{FF2B5EF4-FFF2-40B4-BE49-F238E27FC236}">
-                <a16:creationId xmlns:a16="http://schemas.microsoft.com/office/drawing/2014/main" id="{EDE2CFCD-61AD-691D-40BD-225414C03499}"/>
-              </a:ext>
-            </a:extLst>
-          </p:cNvPr>
-          <p:cNvSpPr txBox="1"/>
-          <p:nvPr/>
-        </p:nvSpPr>
-        <p:spPr>
-          <a:xfrm>
-            <a:off x="7989116" y="3526037"/>
-            <a:ext cx="2150076" cy="338554"/>
-          </a:xfrm>
-          <a:prstGeom prst="rect">
-            <a:avLst/>
-          </a:prstGeom>
-          <a:noFill/>
-        </p:spPr>
-        <p:txBody>
-          <a:bodyPr wrap="square" rtlCol="0">
-            <a:spAutoFit/>
-          </a:bodyPr>
-          <a:lstStyle/>
-          <a:p>
-            <a:r>
-              <a:rPr lang="de-DE" sz="1600" i="1" dirty="0"/>
-              <a:t>Wilkes &amp; Stark (2023)</a:t>
-            </a:r>
-          </a:p>
-        </p:txBody>
-      </p:sp>
-    </p:spTree>
-    <p:extLst>
-      <p:ext uri="{BB962C8B-B14F-4D97-AF65-F5344CB8AC3E}">
-        <p14:creationId xmlns:p14="http://schemas.microsoft.com/office/powerpoint/2010/main" val="322209926"/>
       </p:ext>
     </p:extLst>
   </p:cSld>
@@ -12299,7 +8706,7 @@
           <a:noFill/>
           <a:ln>
             <a:solidFill>
-              <a:srgbClr val="267326"/>
+              <a:schemeClr val="tx1"/>
             </a:solidFill>
           </a:ln>
           <a:effectLst/>
@@ -12326,7 +8733,7 @@
             <a:r>
               <a:rPr lang="de-DE" sz="1400" dirty="0">
                 <a:solidFill>
-                  <a:srgbClr val="267326"/>
+                  <a:schemeClr val="tx1"/>
                 </a:solidFill>
                 <a:latin typeface="Arial" panose="020B0604020202020204" pitchFamily="34" charset="0"/>
                 <a:cs typeface="Arial" panose="020B0604020202020204" pitchFamily="34" charset="0"/>
@@ -12366,9 +8773,6 @@
           <a:p>
             <a:r>
               <a:rPr lang="de-DE" sz="2400" b="1" dirty="0">
-                <a:solidFill>
-                  <a:srgbClr val="267326"/>
-                </a:solidFill>
                 <a:latin typeface="Arial" panose="020B0604020202020204" pitchFamily="34" charset="0"/>
                 <a:cs typeface="Arial" panose="020B0604020202020204" pitchFamily="34" charset="0"/>
               </a:rPr>
@@ -12406,37 +8810,21 @@
           <a:lstStyle/>
           <a:p>
             <a:r>
-              <a:rPr lang="de-DE" sz="2000" b="1" dirty="0">
-                <a:solidFill>
-                  <a:srgbClr val="267326"/>
-                </a:solidFill>
-              </a:rPr>
+              <a:rPr lang="de-DE" sz="2000" b="1" dirty="0"/>
               <a:t>evidenzbasiert</a:t>
             </a:r>
           </a:p>
           <a:p>
             <a:r>
-              <a:rPr lang="de-DE" sz="2000" b="1" dirty="0">
-                <a:solidFill>
-                  <a:srgbClr val="267326"/>
-                </a:solidFill>
-              </a:rPr>
+              <a:rPr lang="de-DE" sz="2000" b="1" dirty="0"/>
               <a:t>(</a:t>
             </a:r>
             <a:r>
-              <a:rPr lang="de-DE" sz="2000" b="1" dirty="0" err="1">
-                <a:solidFill>
-                  <a:srgbClr val="267326"/>
-                </a:solidFill>
-              </a:rPr>
+              <a:rPr lang="de-DE" sz="2000" b="1" dirty="0" err="1"/>
               <a:t>evidence-based</a:t>
             </a:r>
             <a:r>
-              <a:rPr lang="de-DE" sz="2000" b="1" dirty="0">
-                <a:solidFill>
-                  <a:srgbClr val="267326"/>
-                </a:solidFill>
-              </a:rPr>
+              <a:rPr lang="de-DE" sz="2000" b="1" dirty="0"/>
               <a:t>)</a:t>
             </a:r>
           </a:p>
@@ -12471,11 +8859,7 @@
           <a:lstStyle/>
           <a:p>
             <a:r>
-              <a:rPr lang="de-DE" sz="1400" dirty="0">
-                <a:solidFill>
-                  <a:srgbClr val="267326"/>
-                </a:solidFill>
-              </a:rPr>
+              <a:rPr lang="de-DE" sz="1400" dirty="0"/>
               <a:t>z.B. Slavin (2002)</a:t>
             </a:r>
           </a:p>
@@ -12504,7 +8888,7 @@
           <a:noFill/>
           <a:ln>
             <a:solidFill>
-              <a:srgbClr val="267326"/>
+              <a:schemeClr val="tx1"/>
             </a:solidFill>
             <a:prstDash val="lgDash"/>
           </a:ln>
@@ -12528,7 +8912,11 @@
           <a:lstStyle/>
           <a:p>
             <a:pPr algn="ctr"/>
-            <a:endParaRPr lang="de-DE"/>
+            <a:endParaRPr lang="de-DE">
+              <a:solidFill>
+                <a:schemeClr val="tx1"/>
+              </a:solidFill>
+            </a:endParaRPr>
           </a:p>
         </p:txBody>
       </p:sp>
@@ -12555,7 +8943,7 @@
           <a:noFill/>
           <a:ln>
             <a:solidFill>
-              <a:srgbClr val="267326"/>
+              <a:schemeClr val="tx1"/>
             </a:solidFill>
             <a:prstDash val="lgDash"/>
           </a:ln>
@@ -12579,7 +8967,11 @@
           <a:lstStyle/>
           <a:p>
             <a:pPr algn="ctr"/>
-            <a:endParaRPr lang="de-DE"/>
+            <a:endParaRPr lang="de-DE">
+              <a:solidFill>
+                <a:schemeClr val="tx1"/>
+              </a:solidFill>
+            </a:endParaRPr>
           </a:p>
         </p:txBody>
       </p:sp>
@@ -12606,7 +8998,7 @@
           <a:noFill/>
           <a:ln>
             <a:solidFill>
-              <a:srgbClr val="267326"/>
+              <a:schemeClr val="tx1"/>
             </a:solidFill>
             <a:prstDash val="lgDash"/>
           </a:ln>
@@ -12630,7 +9022,11 @@
           <a:lstStyle/>
           <a:p>
             <a:pPr algn="ctr"/>
-            <a:endParaRPr lang="de-DE"/>
+            <a:endParaRPr lang="de-DE">
+              <a:solidFill>
+                <a:schemeClr val="tx1"/>
+              </a:solidFill>
+            </a:endParaRPr>
           </a:p>
         </p:txBody>
       </p:sp>
@@ -12657,7 +9053,7 @@
           <a:noFill/>
           <a:ln>
             <a:solidFill>
-              <a:srgbClr val="267326"/>
+              <a:schemeClr val="tx1"/>
             </a:solidFill>
             <a:prstDash val="lgDash"/>
           </a:ln>
@@ -12681,7 +9077,11 @@
           <a:lstStyle/>
           <a:p>
             <a:pPr algn="ctr"/>
-            <a:endParaRPr lang="de-DE"/>
+            <a:endParaRPr lang="de-DE">
+              <a:solidFill>
+                <a:schemeClr val="tx1"/>
+              </a:solidFill>
+            </a:endParaRPr>
           </a:p>
         </p:txBody>
       </p:sp>
@@ -12699,7 +9099,7 @@
         </p:nvSpPr>
         <p:spPr>
           <a:xfrm>
-            <a:off x="3484489" y="2639176"/>
+            <a:off x="3484006" y="2645951"/>
             <a:ext cx="1751935" cy="667265"/>
           </a:xfrm>
           <a:prstGeom prst="rect">
@@ -12708,7 +9108,7 @@
           <a:noFill/>
           <a:ln>
             <a:solidFill>
-              <a:srgbClr val="267326"/>
+              <a:schemeClr val="tx1"/>
             </a:solidFill>
           </a:ln>
         </p:spPr>
@@ -12734,7 +9134,7 @@
             <a:r>
               <a:rPr lang="de-DE" sz="1400" dirty="0">
                 <a:solidFill>
-                  <a:srgbClr val="267326"/>
+                  <a:schemeClr val="tx1"/>
                 </a:solidFill>
                 <a:latin typeface="Arial" panose="020B0604020202020204" pitchFamily="34" charset="0"/>
                 <a:cs typeface="Arial" panose="020B0604020202020204" pitchFamily="34" charset="0"/>
@@ -12767,7 +9167,7 @@
           <a:noFill/>
           <a:ln>
             <a:solidFill>
-              <a:srgbClr val="267326"/>
+              <a:schemeClr val="tx1"/>
             </a:solidFill>
           </a:ln>
         </p:spPr>
@@ -12793,7 +9193,7 @@
             <a:r>
               <a:rPr lang="de-DE" sz="1400" dirty="0">
                 <a:solidFill>
-                  <a:srgbClr val="267326"/>
+                  <a:schemeClr val="tx1"/>
                 </a:solidFill>
                 <a:latin typeface="Arial" panose="020B0604020202020204" pitchFamily="34" charset="0"/>
                 <a:cs typeface="Arial" panose="020B0604020202020204" pitchFamily="34" charset="0"/>
@@ -12817,7 +9217,7 @@
         </p:nvSpPr>
         <p:spPr>
           <a:xfrm>
-            <a:off x="7602531" y="2646066"/>
+            <a:off x="7602531" y="2645951"/>
             <a:ext cx="1751935" cy="667265"/>
           </a:xfrm>
           <a:prstGeom prst="rect">
@@ -12826,7 +9226,7 @@
           <a:noFill/>
           <a:ln>
             <a:solidFill>
-              <a:srgbClr val="267326"/>
+              <a:schemeClr val="tx1"/>
             </a:solidFill>
           </a:ln>
         </p:spPr>
@@ -12852,7 +9252,7 @@
             <a:r>
               <a:rPr lang="de-DE" sz="1400" dirty="0">
                 <a:solidFill>
-                  <a:srgbClr val="267326"/>
+                  <a:schemeClr val="tx1"/>
                 </a:solidFill>
                 <a:latin typeface="Arial" panose="020B0604020202020204" pitchFamily="34" charset="0"/>
                 <a:cs typeface="Arial" panose="020B0604020202020204" pitchFamily="34" charset="0"/>
@@ -12876,7 +9276,7 @@
         </p:nvSpPr>
         <p:spPr>
           <a:xfrm>
-            <a:off x="9661552" y="2630534"/>
+            <a:off x="9661550" y="2645951"/>
             <a:ext cx="1751935" cy="667265"/>
           </a:xfrm>
           <a:prstGeom prst="rect">
@@ -12885,7 +9285,7 @@
           <a:noFill/>
           <a:ln>
             <a:solidFill>
-              <a:srgbClr val="267326"/>
+              <a:schemeClr val="tx1"/>
             </a:solidFill>
           </a:ln>
         </p:spPr>
@@ -12911,7 +9311,7 @@
             <a:r>
               <a:rPr lang="de-DE" sz="1400" i="1" dirty="0" err="1">
                 <a:solidFill>
-                  <a:srgbClr val="267326"/>
+                  <a:schemeClr val="tx1"/>
                 </a:solidFill>
                 <a:latin typeface="Arial" panose="020B0604020202020204" pitchFamily="34" charset="0"/>
                 <a:cs typeface="Arial" panose="020B0604020202020204" pitchFamily="34" charset="0"/>
@@ -12921,7 +9321,7 @@
             <a:r>
               <a:rPr lang="de-DE" sz="1400" i="1" dirty="0">
                 <a:solidFill>
-                  <a:srgbClr val="267326"/>
+                  <a:schemeClr val="tx1"/>
                 </a:solidFill>
                 <a:latin typeface="Arial" panose="020B0604020202020204" pitchFamily="34" charset="0"/>
                 <a:cs typeface="Arial" panose="020B0604020202020204" pitchFamily="34" charset="0"/>
@@ -12945,7 +9345,7 @@
         </p:nvSpPr>
         <p:spPr>
           <a:xfrm>
-            <a:off x="11720516" y="2624680"/>
+            <a:off x="11717656" y="2645951"/>
             <a:ext cx="1736651" cy="667265"/>
           </a:xfrm>
           <a:prstGeom prst="rect">
@@ -12954,7 +9354,7 @@
           <a:noFill/>
           <a:ln>
             <a:solidFill>
-              <a:srgbClr val="267326"/>
+              <a:schemeClr val="tx1"/>
             </a:solidFill>
           </a:ln>
         </p:spPr>
@@ -12980,12 +9380,12 @@
             <a:r>
               <a:rPr lang="de-DE" sz="1400" dirty="0">
                 <a:solidFill>
-                  <a:srgbClr val="267326"/>
+                  <a:schemeClr val="tx1"/>
                 </a:solidFill>
                 <a:latin typeface="Arial" panose="020B0604020202020204" pitchFamily="34" charset="0"/>
                 <a:cs typeface="Arial" panose="020B0604020202020204" pitchFamily="34" charset="0"/>
               </a:rPr>
-              <a:t>Lokale Schuldaten</a:t>
+              <a:t>Daten</a:t>
             </a:r>
           </a:p>
         </p:txBody>
@@ -13019,27 +9419,15 @@
           <a:lstStyle/>
           <a:p>
             <a:r>
-              <a:rPr lang="de-DE" sz="1400" dirty="0">
-                <a:solidFill>
-                  <a:srgbClr val="267326"/>
-                </a:solidFill>
-              </a:rPr>
+              <a:rPr lang="de-DE" sz="1400" dirty="0"/>
               <a:t>z.B. </a:t>
             </a:r>
             <a:r>
-              <a:rPr lang="de-DE" sz="1400" dirty="0" err="1">
-                <a:solidFill>
-                  <a:srgbClr val="267326"/>
-                </a:solidFill>
-              </a:rPr>
+              <a:rPr lang="de-DE" sz="1400" dirty="0" err="1"/>
               <a:t>Goldacre</a:t>
             </a:r>
             <a:r>
-              <a:rPr lang="de-DE" sz="1400" dirty="0">
-                <a:solidFill>
-                  <a:srgbClr val="267326"/>
-                </a:solidFill>
-              </a:rPr>
+              <a:rPr lang="de-DE" sz="1400" dirty="0"/>
               <a:t> (2023)</a:t>
             </a:r>
           </a:p>
@@ -13074,45 +9462,25 @@
           <a:lstStyle/>
           <a:p>
             <a:r>
-              <a:rPr lang="de-DE" sz="1400" dirty="0">
-                <a:solidFill>
-                  <a:srgbClr val="267326"/>
-                </a:solidFill>
-              </a:rPr>
+              <a:rPr lang="de-DE" sz="1400" dirty="0"/>
               <a:t>z.B. </a:t>
             </a:r>
             <a:r>
-              <a:rPr lang="de-DE" sz="1400" dirty="0" err="1">
-                <a:solidFill>
-                  <a:srgbClr val="267326"/>
-                </a:solidFill>
-              </a:rPr>
+              <a:rPr lang="de-DE" sz="1400" dirty="0" err="1"/>
               <a:t>Rochnia</a:t>
             </a:r>
             <a:r>
-              <a:rPr lang="de-DE" sz="1400" dirty="0">
-                <a:solidFill>
-                  <a:srgbClr val="267326"/>
-                </a:solidFill>
-              </a:rPr>
+              <a:rPr lang="de-DE" sz="1400" dirty="0"/>
               <a:t> &amp; </a:t>
             </a:r>
           </a:p>
           <a:p>
             <a:r>
-              <a:rPr lang="de-DE" sz="1400" dirty="0" err="1">
-                <a:solidFill>
-                  <a:srgbClr val="267326"/>
-                </a:solidFill>
-              </a:rPr>
+              <a:rPr lang="de-DE" sz="1400" dirty="0" err="1"/>
               <a:t>Gräsel</a:t>
             </a:r>
             <a:r>
-              <a:rPr lang="de-DE" sz="1400" dirty="0">
-                <a:solidFill>
-                  <a:srgbClr val="267326"/>
-                </a:solidFill>
-              </a:rPr>
+              <a:rPr lang="de-DE" sz="1400" dirty="0"/>
               <a:t> (2022)</a:t>
             </a:r>
           </a:p>
@@ -13147,11 +9515,7 @@
           <a:lstStyle/>
           <a:p>
             <a:r>
-              <a:rPr lang="de-DE" sz="1400" dirty="0">
-                <a:solidFill>
-                  <a:srgbClr val="267326"/>
-                </a:solidFill>
-              </a:rPr>
+              <a:rPr lang="de-DE" sz="1400" dirty="0"/>
               <a:t>z.B. Davies (1999)</a:t>
             </a:r>
           </a:p>
@@ -13186,11 +9550,7 @@
           <a:lstStyle/>
           <a:p>
             <a:r>
-              <a:rPr lang="de-DE" sz="1400" dirty="0">
-                <a:solidFill>
-                  <a:srgbClr val="267326"/>
-                </a:solidFill>
-              </a:rPr>
+              <a:rPr lang="de-DE" sz="1400" dirty="0"/>
               <a:t>z.B. Demski (2017)</a:t>
             </a:r>
           </a:p>
@@ -13219,7 +9579,7 @@
           <a:noFill/>
           <a:ln>
             <a:solidFill>
-              <a:srgbClr val="267326"/>
+              <a:schemeClr val="tx1"/>
             </a:solidFill>
             <a:prstDash val="lgDash"/>
           </a:ln>
@@ -13243,14 +9603,18 @@
           <a:lstStyle/>
           <a:p>
             <a:pPr algn="ctr"/>
-            <a:endParaRPr lang="de-DE"/>
+            <a:endParaRPr lang="de-DE">
+              <a:solidFill>
+                <a:schemeClr val="tx1"/>
+              </a:solidFill>
+            </a:endParaRPr>
           </a:p>
         </p:txBody>
       </p:sp>
     </p:spTree>
     <p:extLst>
       <p:ext uri="{BB962C8B-B14F-4D97-AF65-F5344CB8AC3E}">
-        <p14:creationId xmlns:p14="http://schemas.microsoft.com/office/powerpoint/2010/main" val="3300143060"/>
+        <p14:creationId xmlns:p14="http://schemas.microsoft.com/office/powerpoint/2010/main" val="1130844199"/>
       </p:ext>
     </p:extLst>
   </p:cSld>
@@ -13261,7 +9625,7 @@
 </file>
 
 <file path=ppt/slides/slide5.xml><?xml version="1.0" encoding="utf-8"?>
-<p:sld xmlns:a="http://schemas.openxmlformats.org/drawingml/2006/main" xmlns:r="http://schemas.openxmlformats.org/officeDocument/2006/relationships" xmlns:p="http://schemas.openxmlformats.org/presentationml/2006/main">
+<p:sld xmlns:a="http://schemas.openxmlformats.org/drawingml/2006/main" xmlns:r="http://schemas.openxmlformats.org/officeDocument/2006/relationships" xmlns:p="http://schemas.openxmlformats.org/presentationml/2006/main" show="0">
   <p:cSld>
     <p:spTree>
       <p:nvGrpSpPr>
@@ -13852,7 +10216,7 @@
 </file>
 
 <file path=ppt/slides/slide6.xml><?xml version="1.0" encoding="utf-8"?>
-<p:sld xmlns:a="http://schemas.openxmlformats.org/drawingml/2006/main" xmlns:r="http://schemas.openxmlformats.org/officeDocument/2006/relationships" xmlns:p="http://schemas.openxmlformats.org/presentationml/2006/main">
+<p:sld xmlns:a="http://schemas.openxmlformats.org/drawingml/2006/main" xmlns:r="http://schemas.openxmlformats.org/officeDocument/2006/relationships" xmlns:p="http://schemas.openxmlformats.org/presentationml/2006/main" show="0">
   <p:cSld>
     <p:spTree>
       <p:nvGrpSpPr>
@@ -14459,7 +10823,7 @@
 </file>
 
 <file path=ppt/slides/slide7.xml><?xml version="1.0" encoding="utf-8"?>
-<p:sld xmlns:a="http://schemas.openxmlformats.org/drawingml/2006/main" xmlns:r="http://schemas.openxmlformats.org/officeDocument/2006/relationships" xmlns:p="http://schemas.openxmlformats.org/presentationml/2006/main">
+<p:sld xmlns:a="http://schemas.openxmlformats.org/drawingml/2006/main" xmlns:r="http://schemas.openxmlformats.org/officeDocument/2006/relationships" xmlns:p="http://schemas.openxmlformats.org/presentationml/2006/main" show="0">
   <p:cSld>
     <p:spTree>
       <p:nvGrpSpPr>
@@ -15084,7 +11448,7 @@
 </file>
 
 <file path=ppt/slides/slide8.xml><?xml version="1.0" encoding="utf-8"?>
-<p:sld xmlns:a="http://schemas.openxmlformats.org/drawingml/2006/main" xmlns:r="http://schemas.openxmlformats.org/officeDocument/2006/relationships" xmlns:p="http://schemas.openxmlformats.org/presentationml/2006/main">
+<p:sld xmlns:a="http://schemas.openxmlformats.org/drawingml/2006/main" xmlns:r="http://schemas.openxmlformats.org/officeDocument/2006/relationships" xmlns:p="http://schemas.openxmlformats.org/presentationml/2006/main" show="0">
   <p:cSld>
     <p:spTree>
       <p:nvGrpSpPr>
@@ -15675,7 +12039,7 @@
 </file>
 
 <file path=ppt/slides/slide9.xml><?xml version="1.0" encoding="utf-8"?>
-<p:sld xmlns:a="http://schemas.openxmlformats.org/drawingml/2006/main" xmlns:r="http://schemas.openxmlformats.org/officeDocument/2006/relationships" xmlns:p="http://schemas.openxmlformats.org/presentationml/2006/main">
+<p:sld xmlns:a="http://schemas.openxmlformats.org/drawingml/2006/main" xmlns:r="http://schemas.openxmlformats.org/officeDocument/2006/relationships" xmlns:p="http://schemas.openxmlformats.org/presentationml/2006/main" show="0">
   <p:cSld>
     <p:spTree>
       <p:nvGrpSpPr>
